--- a/산출물/설계/AND-001.화면설계서/20200810_IMS_AND-07_화면설계서_스킬관리_v0.1.pptx
+++ b/산출물/설계/AND-001.화면설계서/20200810_IMS_AND-07_화면설계서_스킬관리_v0.1.pptx
@@ -110,7 +110,18 @@
   </p:defaultTextStyle>
   <p:extLst>
     <p:ext uri="{EFAFB233-063F-42B5-8137-9DF3F51BA10A}">
-      <p15:sldGuideLst xmlns="" xmlns:p15="http://schemas.microsoft.com/office/powerpoint/2012/main"/>
+      <p15:sldGuideLst xmlns:p15="http://schemas.microsoft.com/office/powerpoint/2012/main">
+        <p15:guide id="1" orient="horz" pos="2160">
+          <p15:clr>
+            <a:srgbClr val="A4A3A4"/>
+          </p15:clr>
+        </p15:guide>
+        <p15:guide id="2" pos="3840">
+          <p15:clr>
+            <a:srgbClr val="A4A3A4"/>
+          </p15:clr>
+        </p15:guide>
+      </p15:sldGuideLst>
     </p:ext>
   </p:extLst>
 </p:presentation>
@@ -158,10 +169,9 @@
           </a:lstStyle>
           <a:p>
             <a:r>
-              <a:rPr lang="ko-KR" altLang="en-US" smtClean="0"/>
+              <a:rPr lang="ko-KR" altLang="en-US"/>
               <a:t>마스터 제목 스타일 편집</a:t>
             </a:r>
-            <a:endParaRPr lang="ko-KR" altLang="en-US"/>
           </a:p>
         </p:txBody>
       </p:sp>
@@ -223,10 +233,9 @@
           </a:lstStyle>
           <a:p>
             <a:r>
-              <a:rPr lang="ko-KR" altLang="en-US" smtClean="0"/>
+              <a:rPr lang="ko-KR" altLang="en-US"/>
               <a:t>마스터 부제목 스타일 편집</a:t>
             </a:r>
-            <a:endParaRPr lang="ko-KR" altLang="en-US"/>
           </a:p>
         </p:txBody>
       </p:sp>
@@ -247,7 +256,7 @@
           <a:p>
             <a:fld id="{E9CEF2E8-F87B-4C3F-AA45-AC034F7E5140}" type="datetimeFigureOut">
               <a:rPr lang="ko-KR" altLang="en-US" smtClean="0"/>
-              <a:t>2020-08-09</a:t>
+              <a:t>2020-08-11</a:t>
             </a:fld>
             <a:endParaRPr lang="ko-KR" altLang="en-US"/>
           </a:p>
@@ -341,10 +350,9 @@
           <a:lstStyle/>
           <a:p>
             <a:r>
-              <a:rPr lang="ko-KR" altLang="en-US" smtClean="0"/>
+              <a:rPr lang="ko-KR" altLang="en-US"/>
               <a:t>마스터 제목 스타일 편집</a:t>
             </a:r>
-            <a:endParaRPr lang="ko-KR" altLang="en-US"/>
           </a:p>
         </p:txBody>
       </p:sp>
@@ -365,38 +373,37 @@
           <a:p>
             <a:pPr lvl="0"/>
             <a:r>
-              <a:rPr lang="ko-KR" altLang="en-US" smtClean="0"/>
+              <a:rPr lang="ko-KR" altLang="en-US"/>
               <a:t>마스터 텍스트 스타일을 편집합니다</a:t>
             </a:r>
           </a:p>
           <a:p>
             <a:pPr lvl="1"/>
             <a:r>
-              <a:rPr lang="ko-KR" altLang="en-US" smtClean="0"/>
+              <a:rPr lang="ko-KR" altLang="en-US"/>
               <a:t>둘째 수준</a:t>
             </a:r>
           </a:p>
           <a:p>
             <a:pPr lvl="2"/>
             <a:r>
-              <a:rPr lang="ko-KR" altLang="en-US" smtClean="0"/>
+              <a:rPr lang="ko-KR" altLang="en-US"/>
               <a:t>셋째 수준</a:t>
             </a:r>
           </a:p>
           <a:p>
             <a:pPr lvl="3"/>
             <a:r>
-              <a:rPr lang="ko-KR" altLang="en-US" smtClean="0"/>
+              <a:rPr lang="ko-KR" altLang="en-US"/>
               <a:t>넷째 수준</a:t>
             </a:r>
           </a:p>
           <a:p>
             <a:pPr lvl="4"/>
             <a:r>
-              <a:rPr lang="ko-KR" altLang="en-US" smtClean="0"/>
+              <a:rPr lang="ko-KR" altLang="en-US"/>
               <a:t>다섯째 수준</a:t>
             </a:r>
-            <a:endParaRPr lang="ko-KR" altLang="en-US"/>
           </a:p>
         </p:txBody>
       </p:sp>
@@ -417,7 +424,7 @@
           <a:p>
             <a:fld id="{E9CEF2E8-F87B-4C3F-AA45-AC034F7E5140}" type="datetimeFigureOut">
               <a:rPr lang="ko-KR" altLang="en-US" smtClean="0"/>
-              <a:t>2020-08-09</a:t>
+              <a:t>2020-08-11</a:t>
             </a:fld>
             <a:endParaRPr lang="ko-KR" altLang="en-US"/>
           </a:p>
@@ -516,10 +523,9 @@
           <a:lstStyle/>
           <a:p>
             <a:r>
-              <a:rPr lang="ko-KR" altLang="en-US" smtClean="0"/>
+              <a:rPr lang="ko-KR" altLang="en-US"/>
               <a:t>마스터 제목 스타일 편집</a:t>
             </a:r>
-            <a:endParaRPr lang="ko-KR" altLang="en-US"/>
           </a:p>
         </p:txBody>
       </p:sp>
@@ -545,38 +551,37 @@
           <a:p>
             <a:pPr lvl="0"/>
             <a:r>
-              <a:rPr lang="ko-KR" altLang="en-US" smtClean="0"/>
+              <a:rPr lang="ko-KR" altLang="en-US"/>
               <a:t>마스터 텍스트 스타일을 편집합니다</a:t>
             </a:r>
           </a:p>
           <a:p>
             <a:pPr lvl="1"/>
             <a:r>
-              <a:rPr lang="ko-KR" altLang="en-US" smtClean="0"/>
+              <a:rPr lang="ko-KR" altLang="en-US"/>
               <a:t>둘째 수준</a:t>
             </a:r>
           </a:p>
           <a:p>
             <a:pPr lvl="2"/>
             <a:r>
-              <a:rPr lang="ko-KR" altLang="en-US" smtClean="0"/>
+              <a:rPr lang="ko-KR" altLang="en-US"/>
               <a:t>셋째 수준</a:t>
             </a:r>
           </a:p>
           <a:p>
             <a:pPr lvl="3"/>
             <a:r>
-              <a:rPr lang="ko-KR" altLang="en-US" smtClean="0"/>
+              <a:rPr lang="ko-KR" altLang="en-US"/>
               <a:t>넷째 수준</a:t>
             </a:r>
           </a:p>
           <a:p>
             <a:pPr lvl="4"/>
             <a:r>
-              <a:rPr lang="ko-KR" altLang="en-US" smtClean="0"/>
+              <a:rPr lang="ko-KR" altLang="en-US"/>
               <a:t>다섯째 수준</a:t>
             </a:r>
-            <a:endParaRPr lang="ko-KR" altLang="en-US"/>
           </a:p>
         </p:txBody>
       </p:sp>
@@ -597,7 +602,7 @@
           <a:p>
             <a:fld id="{E9CEF2E8-F87B-4C3F-AA45-AC034F7E5140}" type="datetimeFigureOut">
               <a:rPr lang="ko-KR" altLang="en-US" smtClean="0"/>
-              <a:t>2020-08-09</a:t>
+              <a:t>2020-08-11</a:t>
             </a:fld>
             <a:endParaRPr lang="ko-KR" altLang="en-US"/>
           </a:p>
@@ -691,10 +696,9 @@
           <a:lstStyle/>
           <a:p>
             <a:r>
-              <a:rPr lang="ko-KR" altLang="en-US" smtClean="0"/>
+              <a:rPr lang="ko-KR" altLang="en-US"/>
               <a:t>마스터 제목 스타일 편집</a:t>
             </a:r>
-            <a:endParaRPr lang="ko-KR" altLang="en-US"/>
           </a:p>
         </p:txBody>
       </p:sp>
@@ -715,38 +719,37 @@
           <a:p>
             <a:pPr lvl="0"/>
             <a:r>
-              <a:rPr lang="ko-KR" altLang="en-US" smtClean="0"/>
+              <a:rPr lang="ko-KR" altLang="en-US"/>
               <a:t>마스터 텍스트 스타일을 편집합니다</a:t>
             </a:r>
           </a:p>
           <a:p>
             <a:pPr lvl="1"/>
             <a:r>
-              <a:rPr lang="ko-KR" altLang="en-US" smtClean="0"/>
+              <a:rPr lang="ko-KR" altLang="en-US"/>
               <a:t>둘째 수준</a:t>
             </a:r>
           </a:p>
           <a:p>
             <a:pPr lvl="2"/>
             <a:r>
-              <a:rPr lang="ko-KR" altLang="en-US" smtClean="0"/>
+              <a:rPr lang="ko-KR" altLang="en-US"/>
               <a:t>셋째 수준</a:t>
             </a:r>
           </a:p>
           <a:p>
             <a:pPr lvl="3"/>
             <a:r>
-              <a:rPr lang="ko-KR" altLang="en-US" smtClean="0"/>
+              <a:rPr lang="ko-KR" altLang="en-US"/>
               <a:t>넷째 수준</a:t>
             </a:r>
           </a:p>
           <a:p>
             <a:pPr lvl="4"/>
             <a:r>
-              <a:rPr lang="ko-KR" altLang="en-US" smtClean="0"/>
+              <a:rPr lang="ko-KR" altLang="en-US"/>
               <a:t>다섯째 수준</a:t>
             </a:r>
-            <a:endParaRPr lang="ko-KR" altLang="en-US"/>
           </a:p>
         </p:txBody>
       </p:sp>
@@ -767,7 +770,7 @@
           <a:p>
             <a:fld id="{E9CEF2E8-F87B-4C3F-AA45-AC034F7E5140}" type="datetimeFigureOut">
               <a:rPr lang="ko-KR" altLang="en-US" smtClean="0"/>
-              <a:t>2020-08-09</a:t>
+              <a:t>2020-08-11</a:t>
             </a:fld>
             <a:endParaRPr lang="ko-KR" altLang="en-US"/>
           </a:p>
@@ -870,10 +873,9 @@
           </a:lstStyle>
           <a:p>
             <a:r>
-              <a:rPr lang="ko-KR" altLang="en-US" smtClean="0"/>
+              <a:rPr lang="ko-KR" altLang="en-US"/>
               <a:t>마스터 제목 스타일 편집</a:t>
             </a:r>
-            <a:endParaRPr lang="ko-KR" altLang="en-US"/>
           </a:p>
         </p:txBody>
       </p:sp>
@@ -990,7 +992,7 @@
           <a:p>
             <a:pPr lvl="0"/>
             <a:r>
-              <a:rPr lang="ko-KR" altLang="en-US" smtClean="0"/>
+              <a:rPr lang="ko-KR" altLang="en-US"/>
               <a:t>마스터 텍스트 스타일을 편집합니다</a:t>
             </a:r>
           </a:p>
@@ -1013,7 +1015,7 @@
           <a:p>
             <a:fld id="{E9CEF2E8-F87B-4C3F-AA45-AC034F7E5140}" type="datetimeFigureOut">
               <a:rPr lang="ko-KR" altLang="en-US" smtClean="0"/>
-              <a:t>2020-08-09</a:t>
+              <a:t>2020-08-11</a:t>
             </a:fld>
             <a:endParaRPr lang="ko-KR" altLang="en-US"/>
           </a:p>
@@ -1107,10 +1109,9 @@
           <a:lstStyle/>
           <a:p>
             <a:r>
-              <a:rPr lang="ko-KR" altLang="en-US" smtClean="0"/>
+              <a:rPr lang="ko-KR" altLang="en-US"/>
               <a:t>마스터 제목 스타일 편집</a:t>
             </a:r>
-            <a:endParaRPr lang="ko-KR" altLang="en-US"/>
           </a:p>
         </p:txBody>
       </p:sp>
@@ -1136,38 +1137,37 @@
           <a:p>
             <a:pPr lvl="0"/>
             <a:r>
-              <a:rPr lang="ko-KR" altLang="en-US" smtClean="0"/>
+              <a:rPr lang="ko-KR" altLang="en-US"/>
               <a:t>마스터 텍스트 스타일을 편집합니다</a:t>
             </a:r>
           </a:p>
           <a:p>
             <a:pPr lvl="1"/>
             <a:r>
-              <a:rPr lang="ko-KR" altLang="en-US" smtClean="0"/>
+              <a:rPr lang="ko-KR" altLang="en-US"/>
               <a:t>둘째 수준</a:t>
             </a:r>
           </a:p>
           <a:p>
             <a:pPr lvl="2"/>
             <a:r>
-              <a:rPr lang="ko-KR" altLang="en-US" smtClean="0"/>
+              <a:rPr lang="ko-KR" altLang="en-US"/>
               <a:t>셋째 수준</a:t>
             </a:r>
           </a:p>
           <a:p>
             <a:pPr lvl="3"/>
             <a:r>
-              <a:rPr lang="ko-KR" altLang="en-US" smtClean="0"/>
+              <a:rPr lang="ko-KR" altLang="en-US"/>
               <a:t>넷째 수준</a:t>
             </a:r>
           </a:p>
           <a:p>
             <a:pPr lvl="4"/>
             <a:r>
-              <a:rPr lang="ko-KR" altLang="en-US" smtClean="0"/>
+              <a:rPr lang="ko-KR" altLang="en-US"/>
               <a:t>다섯째 수준</a:t>
             </a:r>
-            <a:endParaRPr lang="ko-KR" altLang="en-US"/>
           </a:p>
         </p:txBody>
       </p:sp>
@@ -1193,38 +1193,37 @@
           <a:p>
             <a:pPr lvl="0"/>
             <a:r>
-              <a:rPr lang="ko-KR" altLang="en-US" smtClean="0"/>
+              <a:rPr lang="ko-KR" altLang="en-US"/>
               <a:t>마스터 텍스트 스타일을 편집합니다</a:t>
             </a:r>
           </a:p>
           <a:p>
             <a:pPr lvl="1"/>
             <a:r>
-              <a:rPr lang="ko-KR" altLang="en-US" smtClean="0"/>
+              <a:rPr lang="ko-KR" altLang="en-US"/>
               <a:t>둘째 수준</a:t>
             </a:r>
           </a:p>
           <a:p>
             <a:pPr lvl="2"/>
             <a:r>
-              <a:rPr lang="ko-KR" altLang="en-US" smtClean="0"/>
+              <a:rPr lang="ko-KR" altLang="en-US"/>
               <a:t>셋째 수준</a:t>
             </a:r>
           </a:p>
           <a:p>
             <a:pPr lvl="3"/>
             <a:r>
-              <a:rPr lang="ko-KR" altLang="en-US" smtClean="0"/>
+              <a:rPr lang="ko-KR" altLang="en-US"/>
               <a:t>넷째 수준</a:t>
             </a:r>
           </a:p>
           <a:p>
             <a:pPr lvl="4"/>
             <a:r>
-              <a:rPr lang="ko-KR" altLang="en-US" smtClean="0"/>
+              <a:rPr lang="ko-KR" altLang="en-US"/>
               <a:t>다섯째 수준</a:t>
             </a:r>
-            <a:endParaRPr lang="ko-KR" altLang="en-US"/>
           </a:p>
         </p:txBody>
       </p:sp>
@@ -1245,7 +1244,7 @@
           <a:p>
             <a:fld id="{E9CEF2E8-F87B-4C3F-AA45-AC034F7E5140}" type="datetimeFigureOut">
               <a:rPr lang="ko-KR" altLang="en-US" smtClean="0"/>
-              <a:t>2020-08-09</a:t>
+              <a:t>2020-08-11</a:t>
             </a:fld>
             <a:endParaRPr lang="ko-KR" altLang="en-US"/>
           </a:p>
@@ -1344,10 +1343,9 @@
           <a:lstStyle/>
           <a:p>
             <a:r>
-              <a:rPr lang="ko-KR" altLang="en-US" smtClean="0"/>
+              <a:rPr lang="ko-KR" altLang="en-US"/>
               <a:t>마스터 제목 스타일 편집</a:t>
             </a:r>
-            <a:endParaRPr lang="ko-KR" altLang="en-US"/>
           </a:p>
         </p:txBody>
       </p:sp>
@@ -1410,7 +1408,7 @@
           <a:p>
             <a:pPr lvl="0"/>
             <a:r>
-              <a:rPr lang="ko-KR" altLang="en-US" smtClean="0"/>
+              <a:rPr lang="ko-KR" altLang="en-US"/>
               <a:t>마스터 텍스트 스타일을 편집합니다</a:t>
             </a:r>
           </a:p>
@@ -1438,38 +1436,37 @@
           <a:p>
             <a:pPr lvl="0"/>
             <a:r>
-              <a:rPr lang="ko-KR" altLang="en-US" smtClean="0"/>
+              <a:rPr lang="ko-KR" altLang="en-US"/>
               <a:t>마스터 텍스트 스타일을 편집합니다</a:t>
             </a:r>
           </a:p>
           <a:p>
             <a:pPr lvl="1"/>
             <a:r>
-              <a:rPr lang="ko-KR" altLang="en-US" smtClean="0"/>
+              <a:rPr lang="ko-KR" altLang="en-US"/>
               <a:t>둘째 수준</a:t>
             </a:r>
           </a:p>
           <a:p>
             <a:pPr lvl="2"/>
             <a:r>
-              <a:rPr lang="ko-KR" altLang="en-US" smtClean="0"/>
+              <a:rPr lang="ko-KR" altLang="en-US"/>
               <a:t>셋째 수준</a:t>
             </a:r>
           </a:p>
           <a:p>
             <a:pPr lvl="3"/>
             <a:r>
-              <a:rPr lang="ko-KR" altLang="en-US" smtClean="0"/>
+              <a:rPr lang="ko-KR" altLang="en-US"/>
               <a:t>넷째 수준</a:t>
             </a:r>
           </a:p>
           <a:p>
             <a:pPr lvl="4"/>
             <a:r>
-              <a:rPr lang="ko-KR" altLang="en-US" smtClean="0"/>
+              <a:rPr lang="ko-KR" altLang="en-US"/>
               <a:t>다섯째 수준</a:t>
             </a:r>
-            <a:endParaRPr lang="ko-KR" altLang="en-US"/>
           </a:p>
         </p:txBody>
       </p:sp>
@@ -1532,7 +1529,7 @@
           <a:p>
             <a:pPr lvl="0"/>
             <a:r>
-              <a:rPr lang="ko-KR" altLang="en-US" smtClean="0"/>
+              <a:rPr lang="ko-KR" altLang="en-US"/>
               <a:t>마스터 텍스트 스타일을 편집합니다</a:t>
             </a:r>
           </a:p>
@@ -1560,38 +1557,37 @@
           <a:p>
             <a:pPr lvl="0"/>
             <a:r>
-              <a:rPr lang="ko-KR" altLang="en-US" smtClean="0"/>
+              <a:rPr lang="ko-KR" altLang="en-US"/>
               <a:t>마스터 텍스트 스타일을 편집합니다</a:t>
             </a:r>
           </a:p>
           <a:p>
             <a:pPr lvl="1"/>
             <a:r>
-              <a:rPr lang="ko-KR" altLang="en-US" smtClean="0"/>
+              <a:rPr lang="ko-KR" altLang="en-US"/>
               <a:t>둘째 수준</a:t>
             </a:r>
           </a:p>
           <a:p>
             <a:pPr lvl="2"/>
             <a:r>
-              <a:rPr lang="ko-KR" altLang="en-US" smtClean="0"/>
+              <a:rPr lang="ko-KR" altLang="en-US"/>
               <a:t>셋째 수준</a:t>
             </a:r>
           </a:p>
           <a:p>
             <a:pPr lvl="3"/>
             <a:r>
-              <a:rPr lang="ko-KR" altLang="en-US" smtClean="0"/>
+              <a:rPr lang="ko-KR" altLang="en-US"/>
               <a:t>넷째 수준</a:t>
             </a:r>
           </a:p>
           <a:p>
             <a:pPr lvl="4"/>
             <a:r>
-              <a:rPr lang="ko-KR" altLang="en-US" smtClean="0"/>
+              <a:rPr lang="ko-KR" altLang="en-US"/>
               <a:t>다섯째 수준</a:t>
             </a:r>
-            <a:endParaRPr lang="ko-KR" altLang="en-US"/>
           </a:p>
         </p:txBody>
       </p:sp>
@@ -1612,7 +1608,7 @@
           <a:p>
             <a:fld id="{E9CEF2E8-F87B-4C3F-AA45-AC034F7E5140}" type="datetimeFigureOut">
               <a:rPr lang="ko-KR" altLang="en-US" smtClean="0"/>
-              <a:t>2020-08-09</a:t>
+              <a:t>2020-08-11</a:t>
             </a:fld>
             <a:endParaRPr lang="ko-KR" altLang="en-US"/>
           </a:p>
@@ -1706,10 +1702,9 @@
           <a:lstStyle/>
           <a:p>
             <a:r>
-              <a:rPr lang="ko-KR" altLang="en-US" smtClean="0"/>
+              <a:rPr lang="ko-KR" altLang="en-US"/>
               <a:t>마스터 제목 스타일 편집</a:t>
             </a:r>
-            <a:endParaRPr lang="ko-KR" altLang="en-US"/>
           </a:p>
         </p:txBody>
       </p:sp>
@@ -1730,7 +1725,7 @@
           <a:p>
             <a:fld id="{E9CEF2E8-F87B-4C3F-AA45-AC034F7E5140}" type="datetimeFigureOut">
               <a:rPr lang="ko-KR" altLang="en-US" smtClean="0"/>
-              <a:t>2020-08-09</a:t>
+              <a:t>2020-08-11</a:t>
             </a:fld>
             <a:endParaRPr lang="ko-KR" altLang="en-US"/>
           </a:p>
@@ -1825,7 +1820,7 @@
           <a:p>
             <a:fld id="{E9CEF2E8-F87B-4C3F-AA45-AC034F7E5140}" type="datetimeFigureOut">
               <a:rPr lang="ko-KR" altLang="en-US" smtClean="0"/>
-              <a:t>2020-08-09</a:t>
+              <a:t>2020-08-11</a:t>
             </a:fld>
             <a:endParaRPr lang="ko-KR" altLang="en-US"/>
           </a:p>
@@ -1928,10 +1923,9 @@
           </a:lstStyle>
           <a:p>
             <a:r>
-              <a:rPr lang="ko-KR" altLang="en-US" smtClean="0"/>
+              <a:rPr lang="ko-KR" altLang="en-US"/>
               <a:t>마스터 제목 스타일 편집</a:t>
             </a:r>
-            <a:endParaRPr lang="ko-KR" altLang="en-US"/>
           </a:p>
         </p:txBody>
       </p:sp>
@@ -1985,38 +1979,37 @@
           <a:p>
             <a:pPr lvl="0"/>
             <a:r>
-              <a:rPr lang="ko-KR" altLang="en-US" smtClean="0"/>
+              <a:rPr lang="ko-KR" altLang="en-US"/>
               <a:t>마스터 텍스트 스타일을 편집합니다</a:t>
             </a:r>
           </a:p>
           <a:p>
             <a:pPr lvl="1"/>
             <a:r>
-              <a:rPr lang="ko-KR" altLang="en-US" smtClean="0"/>
+              <a:rPr lang="ko-KR" altLang="en-US"/>
               <a:t>둘째 수준</a:t>
             </a:r>
           </a:p>
           <a:p>
             <a:pPr lvl="2"/>
             <a:r>
-              <a:rPr lang="ko-KR" altLang="en-US" smtClean="0"/>
+              <a:rPr lang="ko-KR" altLang="en-US"/>
               <a:t>셋째 수준</a:t>
             </a:r>
           </a:p>
           <a:p>
             <a:pPr lvl="3"/>
             <a:r>
-              <a:rPr lang="ko-KR" altLang="en-US" smtClean="0"/>
+              <a:rPr lang="ko-KR" altLang="en-US"/>
               <a:t>넷째 수준</a:t>
             </a:r>
           </a:p>
           <a:p>
             <a:pPr lvl="4"/>
             <a:r>
-              <a:rPr lang="ko-KR" altLang="en-US" smtClean="0"/>
+              <a:rPr lang="ko-KR" altLang="en-US"/>
               <a:t>다섯째 수준</a:t>
             </a:r>
-            <a:endParaRPr lang="ko-KR" altLang="en-US"/>
           </a:p>
         </p:txBody>
       </p:sp>
@@ -2079,7 +2072,7 @@
           <a:p>
             <a:pPr lvl="0"/>
             <a:r>
-              <a:rPr lang="ko-KR" altLang="en-US" smtClean="0"/>
+              <a:rPr lang="ko-KR" altLang="en-US"/>
               <a:t>마스터 텍스트 스타일을 편집합니다</a:t>
             </a:r>
           </a:p>
@@ -2102,7 +2095,7 @@
           <a:p>
             <a:fld id="{E9CEF2E8-F87B-4C3F-AA45-AC034F7E5140}" type="datetimeFigureOut">
               <a:rPr lang="ko-KR" altLang="en-US" smtClean="0"/>
-              <a:t>2020-08-09</a:t>
+              <a:t>2020-08-11</a:t>
             </a:fld>
             <a:endParaRPr lang="ko-KR" altLang="en-US"/>
           </a:p>
@@ -2205,10 +2198,9 @@
           </a:lstStyle>
           <a:p>
             <a:r>
-              <a:rPr lang="ko-KR" altLang="en-US" smtClean="0"/>
+              <a:rPr lang="ko-KR" altLang="en-US"/>
               <a:t>마스터 제목 스타일 편집</a:t>
             </a:r>
-            <a:endParaRPr lang="ko-KR" altLang="en-US"/>
           </a:p>
         </p:txBody>
       </p:sp>
@@ -2332,7 +2324,7 @@
           <a:p>
             <a:pPr lvl="0"/>
             <a:r>
-              <a:rPr lang="ko-KR" altLang="en-US" smtClean="0"/>
+              <a:rPr lang="ko-KR" altLang="en-US"/>
               <a:t>마스터 텍스트 스타일을 편집합니다</a:t>
             </a:r>
           </a:p>
@@ -2355,7 +2347,7 @@
           <a:p>
             <a:fld id="{E9CEF2E8-F87B-4C3F-AA45-AC034F7E5140}" type="datetimeFigureOut">
               <a:rPr lang="ko-KR" altLang="en-US" smtClean="0"/>
-              <a:t>2020-08-09</a:t>
+              <a:t>2020-08-11</a:t>
             </a:fld>
             <a:endParaRPr lang="ko-KR" altLang="en-US"/>
           </a:p>
@@ -2464,10 +2456,9 @@
           <a:lstStyle/>
           <a:p>
             <a:r>
-              <a:rPr lang="ko-KR" altLang="en-US" smtClean="0"/>
+              <a:rPr lang="ko-KR" altLang="en-US"/>
               <a:t>마스터 제목 스타일 편집</a:t>
             </a:r>
-            <a:endParaRPr lang="ko-KR" altLang="en-US"/>
           </a:p>
         </p:txBody>
       </p:sp>
@@ -2498,38 +2489,37 @@
           <a:p>
             <a:pPr lvl="0"/>
             <a:r>
-              <a:rPr lang="ko-KR" altLang="en-US" smtClean="0"/>
+              <a:rPr lang="ko-KR" altLang="en-US"/>
               <a:t>마스터 텍스트 스타일을 편집합니다</a:t>
             </a:r>
           </a:p>
           <a:p>
             <a:pPr lvl="1"/>
             <a:r>
-              <a:rPr lang="ko-KR" altLang="en-US" smtClean="0"/>
+              <a:rPr lang="ko-KR" altLang="en-US"/>
               <a:t>둘째 수준</a:t>
             </a:r>
           </a:p>
           <a:p>
             <a:pPr lvl="2"/>
             <a:r>
-              <a:rPr lang="ko-KR" altLang="en-US" smtClean="0"/>
+              <a:rPr lang="ko-KR" altLang="en-US"/>
               <a:t>셋째 수준</a:t>
             </a:r>
           </a:p>
           <a:p>
             <a:pPr lvl="3"/>
             <a:r>
-              <a:rPr lang="ko-KR" altLang="en-US" smtClean="0"/>
+              <a:rPr lang="ko-KR" altLang="en-US"/>
               <a:t>넷째 수준</a:t>
             </a:r>
           </a:p>
           <a:p>
             <a:pPr lvl="4"/>
             <a:r>
-              <a:rPr lang="ko-KR" altLang="en-US" smtClean="0"/>
+              <a:rPr lang="ko-KR" altLang="en-US"/>
               <a:t>다섯째 수준</a:t>
             </a:r>
-            <a:endParaRPr lang="ko-KR" altLang="en-US"/>
           </a:p>
         </p:txBody>
       </p:sp>
@@ -2568,7 +2558,7 @@
           <a:p>
             <a:fld id="{E9CEF2E8-F87B-4C3F-AA45-AC034F7E5140}" type="datetimeFigureOut">
               <a:rPr lang="ko-KR" altLang="en-US" smtClean="0"/>
-              <a:t>2020-08-09</a:t>
+              <a:t>2020-08-11</a:t>
             </a:fld>
             <a:endParaRPr lang="ko-KR" altLang="en-US"/>
           </a:p>
@@ -2997,10 +2987,9 @@
           <a:p>
             <a:pPr algn="r"/>
             <a:r>
-              <a:rPr lang="ko-KR" altLang="en-US" sz="2400" b="1" dirty="0" smtClean="0"/>
+              <a:rPr lang="ko-KR" altLang="en-US" sz="2400" b="1" dirty="0"/>
               <a:t>프로젝트 명</a:t>
             </a:r>
-            <a:endParaRPr lang="ko-KR" altLang="en-US" sz="2400" b="1" dirty="0"/>
           </a:p>
         </p:txBody>
       </p:sp>
@@ -3028,10 +3017,10 @@
           <a:p>
             <a:pPr algn="r"/>
             <a:r>
-              <a:rPr lang="ko-KR" altLang="en-US" sz="2800" b="1" dirty="0" smtClean="0"/>
+              <a:rPr lang="ko-KR" altLang="en-US" sz="2800" b="1" dirty="0"/>
               <a:t>화면설계서</a:t>
             </a:r>
-            <a:endParaRPr lang="en-US" altLang="ko-KR" sz="2800" b="1" dirty="0" smtClean="0"/>
+            <a:endParaRPr lang="en-US" altLang="ko-KR" sz="2800" b="1" dirty="0"/>
           </a:p>
           <a:p>
             <a:pPr algn="r"/>
@@ -3063,7 +3052,7 @@
           <a:p>
             <a:pPr algn="r"/>
             <a:r>
-              <a:rPr lang="en-US" altLang="ko-KR" sz="2800" dirty="0" smtClean="0"/>
+              <a:rPr lang="en-US" altLang="ko-KR" sz="2800" dirty="0"/>
               <a:t>OOO-XXX-AN-04</a:t>
             </a:r>
           </a:p>
@@ -3094,8 +3083,20 @@
                 <a:tableStyleId>{5C22544A-7EE6-4342-B048-85BDC9FD1C3A}</a:tableStyleId>
               </a:tblPr>
               <a:tblGrid>
-                <a:gridCol w="2048256"/>
-                <a:gridCol w="2048256"/>
+                <a:gridCol w="2048256">
+                  <a:extLst>
+                    <a:ext uri="{9D8B030D-6E8A-4147-A177-3AD203B41FA5}">
+                      <a16:colId xmlns:a16="http://schemas.microsoft.com/office/drawing/2014/main" val="20000"/>
+                    </a:ext>
+                  </a:extLst>
+                </a:gridCol>
+                <a:gridCol w="2048256">
+                  <a:extLst>
+                    <a:ext uri="{9D8B030D-6E8A-4147-A177-3AD203B41FA5}">
+                      <a16:colId xmlns:a16="http://schemas.microsoft.com/office/drawing/2014/main" val="20001"/>
+                    </a:ext>
+                  </a:extLst>
+                </a:gridCol>
               </a:tblGrid>
               <a:tr h="505799">
                 <a:tc>
@@ -3105,18 +3106,13 @@
                     <a:p>
                       <a:pPr latinLnBrk="1"/>
                       <a:r>
-                        <a:rPr lang="ko-KR" altLang="en-US" dirty="0" smtClean="0">
+                        <a:rPr lang="ko-KR" altLang="en-US" dirty="0">
                           <a:solidFill>
                             <a:schemeClr val="tx1"/>
                           </a:solidFill>
                         </a:rPr>
                         <a:t>시스템</a:t>
                       </a:r>
-                      <a:endParaRPr lang="ko-KR" altLang="en-US" dirty="0">
-                        <a:solidFill>
-                          <a:schemeClr val="tx1"/>
-                        </a:solidFill>
-                      </a:endParaRPr>
                     </a:p>
                   </a:txBody>
                   <a:tcPr>
@@ -3166,7 +3162,7 @@
                     <a:p>
                       <a:pPr latinLnBrk="1"/>
                       <a:r>
-                        <a:rPr lang="en-US" altLang="ko-KR" dirty="0" smtClean="0">
+                        <a:rPr lang="en-US" altLang="ko-KR" dirty="0">
                           <a:solidFill>
                             <a:schemeClr val="tx1"/>
                           </a:solidFill>
@@ -3220,6 +3216,11 @@
                     <a:noFill/>
                   </a:tcPr>
                 </a:tc>
+                <a:extLst>
+                  <a:ext uri="{0D108BD9-81ED-4DB2-BD59-A6C34878D82A}">
+                    <a16:rowId xmlns:a16="http://schemas.microsoft.com/office/drawing/2014/main" val="10000"/>
+                  </a:ext>
+                </a:extLst>
               </a:tr>
               <a:tr h="505799">
                 <a:tc>
@@ -3233,18 +3234,13 @@
                         </a:lnSpc>
                       </a:pPr>
                       <a:r>
-                        <a:rPr lang="ko-KR" altLang="en-US" b="1" dirty="0" smtClean="0">
+                        <a:rPr lang="ko-KR" altLang="en-US" b="1" dirty="0">
                           <a:solidFill>
                             <a:schemeClr val="tx1"/>
                           </a:solidFill>
                         </a:rPr>
                         <a:t>업무명</a:t>
                       </a:r>
-                      <a:endParaRPr lang="ko-KR" altLang="en-US" b="1" dirty="0">
-                        <a:solidFill>
-                          <a:schemeClr val="tx1"/>
-                        </a:solidFill>
-                      </a:endParaRPr>
                     </a:p>
                   </a:txBody>
                   <a:tcPr>
@@ -3294,7 +3290,7 @@
                     <a:p>
                       <a:pPr latinLnBrk="1"/>
                       <a:r>
-                        <a:rPr lang="ko-KR" altLang="en-US" dirty="0" err="1" smtClean="0"/>
+                        <a:rPr lang="ko-KR" altLang="en-US" dirty="0" err="1"/>
                         <a:t>스킬관리</a:t>
                       </a:r>
                       <a:endParaRPr lang="ko-KR" altLang="en-US" dirty="0"/>
@@ -3340,6 +3336,11 @@
                     <a:noFill/>
                   </a:tcPr>
                 </a:tc>
+                <a:extLst>
+                  <a:ext uri="{0D108BD9-81ED-4DB2-BD59-A6C34878D82A}">
+                    <a16:rowId xmlns:a16="http://schemas.microsoft.com/office/drawing/2014/main" val="10001"/>
+                  </a:ext>
+                </a:extLst>
               </a:tr>
             </a:tbl>
           </a:graphicData>
@@ -3497,10 +3498,9 @@
           <a:p>
             <a:pPr algn="r"/>
             <a:r>
-              <a:rPr lang="ko-KR" altLang="en-US" sz="1500" dirty="0" smtClean="0"/>
+              <a:rPr lang="ko-KR" altLang="en-US" sz="1500" dirty="0"/>
               <a:t>프로세스 흐름도</a:t>
             </a:r>
-            <a:endParaRPr lang="ko-KR" altLang="en-US" sz="1500" dirty="0"/>
           </a:p>
         </p:txBody>
       </p:sp>
@@ -3527,11 +3527,11 @@
           <a:lstStyle/>
           <a:p>
             <a:r>
-              <a:rPr lang="ko-KR" altLang="en-US" b="1" u="sng" dirty="0" smtClean="0"/>
+              <a:rPr lang="ko-KR" altLang="en-US" b="1" u="sng" dirty="0"/>
               <a:t>개 정 이 </a:t>
             </a:r>
             <a:r>
-              <a:rPr lang="ko-KR" altLang="en-US" b="1" u="sng" dirty="0" err="1" smtClean="0"/>
+              <a:rPr lang="ko-KR" altLang="en-US" b="1" u="sng" dirty="0" err="1"/>
               <a:t>력</a:t>
             </a:r>
             <a:endParaRPr lang="ko-KR" altLang="en-US" b="1" u="sng" dirty="0"/>
@@ -3547,7 +3547,7 @@
           <p:nvPr>
             <p:extLst>
               <p:ext uri="{D42A27DB-BD31-4B8C-83A1-F6EECF244321}">
-                <p14:modId xmlns:p14="http://schemas.microsoft.com/office/powerpoint/2010/main" val="2044088082"/>
+                <p14:modId xmlns:p14="http://schemas.microsoft.com/office/powerpoint/2010/main" val="1732705529"/>
               </p:ext>
             </p:extLst>
           </p:nvPr>
@@ -3563,11 +3563,41 @@
                 <a:tableStyleId>{5C22544A-7EE6-4342-B048-85BDC9FD1C3A}</a:tableStyleId>
               </a:tblPr>
               <a:tblGrid>
-                <a:gridCol w="1137919"/>
-                <a:gridCol w="1719072"/>
-                <a:gridCol w="5315712"/>
-                <a:gridCol w="1828800"/>
-                <a:gridCol w="1536192"/>
+                <a:gridCol w="1137919">
+                  <a:extLst>
+                    <a:ext uri="{9D8B030D-6E8A-4147-A177-3AD203B41FA5}">
+                      <a16:colId xmlns:a16="http://schemas.microsoft.com/office/drawing/2014/main" val="20000"/>
+                    </a:ext>
+                  </a:extLst>
+                </a:gridCol>
+                <a:gridCol w="1719072">
+                  <a:extLst>
+                    <a:ext uri="{9D8B030D-6E8A-4147-A177-3AD203B41FA5}">
+                      <a16:colId xmlns:a16="http://schemas.microsoft.com/office/drawing/2014/main" val="20001"/>
+                    </a:ext>
+                  </a:extLst>
+                </a:gridCol>
+                <a:gridCol w="5315712">
+                  <a:extLst>
+                    <a:ext uri="{9D8B030D-6E8A-4147-A177-3AD203B41FA5}">
+                      <a16:colId xmlns:a16="http://schemas.microsoft.com/office/drawing/2014/main" val="20002"/>
+                    </a:ext>
+                  </a:extLst>
+                </a:gridCol>
+                <a:gridCol w="1828800">
+                  <a:extLst>
+                    <a:ext uri="{9D8B030D-6E8A-4147-A177-3AD203B41FA5}">
+                      <a16:colId xmlns:a16="http://schemas.microsoft.com/office/drawing/2014/main" val="20003"/>
+                    </a:ext>
+                  </a:extLst>
+                </a:gridCol>
+                <a:gridCol w="1536192">
+                  <a:extLst>
+                    <a:ext uri="{9D8B030D-6E8A-4147-A177-3AD203B41FA5}">
+                      <a16:colId xmlns:a16="http://schemas.microsoft.com/office/drawing/2014/main" val="20004"/>
+                    </a:ext>
+                  </a:extLst>
+                </a:gridCol>
               </a:tblGrid>
               <a:tr h="440944">
                 <a:tc>
@@ -3577,18 +3607,13 @@
                     <a:p>
                       <a:pPr algn="ctr" latinLnBrk="1"/>
                       <a:r>
-                        <a:rPr lang="ko-KR" altLang="en-US" dirty="0" smtClean="0">
+                        <a:rPr lang="ko-KR" altLang="en-US" dirty="0">
                           <a:solidFill>
                             <a:schemeClr val="tx1"/>
                           </a:solidFill>
                         </a:rPr>
                         <a:t>버전</a:t>
                       </a:r>
-                      <a:endParaRPr lang="ko-KR" altLang="en-US" dirty="0">
-                        <a:solidFill>
-                          <a:schemeClr val="tx1"/>
-                        </a:solidFill>
-                      </a:endParaRPr>
                     </a:p>
                   </a:txBody>
                   <a:tcPr>
@@ -3642,18 +3667,13 @@
                     <a:p>
                       <a:pPr algn="ctr" latinLnBrk="1"/>
                       <a:r>
-                        <a:rPr lang="ko-KR" altLang="en-US" dirty="0" smtClean="0">
+                        <a:rPr lang="ko-KR" altLang="en-US" dirty="0">
                           <a:solidFill>
                             <a:schemeClr val="tx1"/>
                           </a:solidFill>
                         </a:rPr>
                         <a:t>작성일</a:t>
                       </a:r>
-                      <a:endParaRPr lang="ko-KR" altLang="en-US" dirty="0">
-                        <a:solidFill>
-                          <a:schemeClr val="tx1"/>
-                        </a:solidFill>
-                      </a:endParaRPr>
                     </a:p>
                   </a:txBody>
                   <a:tcPr>
@@ -3707,18 +3727,13 @@
                     <a:p>
                       <a:pPr algn="ctr" latinLnBrk="1"/>
                       <a:r>
-                        <a:rPr lang="ko-KR" altLang="en-US" dirty="0" smtClean="0">
+                        <a:rPr lang="ko-KR" altLang="en-US" dirty="0">
                           <a:solidFill>
                             <a:schemeClr val="tx1"/>
                           </a:solidFill>
                         </a:rPr>
                         <a:t>변경내용</a:t>
                       </a:r>
-                      <a:endParaRPr lang="ko-KR" altLang="en-US" dirty="0">
-                        <a:solidFill>
-                          <a:schemeClr val="tx1"/>
-                        </a:solidFill>
-                      </a:endParaRPr>
                     </a:p>
                   </a:txBody>
                   <a:tcPr>
@@ -3772,18 +3787,13 @@
                     <a:p>
                       <a:pPr algn="ctr" latinLnBrk="1"/>
                       <a:r>
-                        <a:rPr lang="ko-KR" altLang="en-US" dirty="0" smtClean="0">
+                        <a:rPr lang="ko-KR" altLang="en-US" dirty="0">
                           <a:solidFill>
                             <a:schemeClr val="tx1"/>
                           </a:solidFill>
                         </a:rPr>
                         <a:t>작성자</a:t>
                       </a:r>
-                      <a:endParaRPr lang="ko-KR" altLang="en-US" dirty="0">
-                        <a:solidFill>
-                          <a:schemeClr val="tx1"/>
-                        </a:solidFill>
-                      </a:endParaRPr>
                     </a:p>
                   </a:txBody>
                   <a:tcPr>
@@ -3837,18 +3847,13 @@
                     <a:p>
                       <a:pPr algn="ctr" latinLnBrk="1"/>
                       <a:r>
-                        <a:rPr lang="ko-KR" altLang="en-US" dirty="0" smtClean="0">
+                        <a:rPr lang="ko-KR" altLang="en-US" dirty="0">
                           <a:solidFill>
                             <a:schemeClr val="tx1"/>
                           </a:solidFill>
                         </a:rPr>
                         <a:t>승인자</a:t>
                       </a:r>
-                      <a:endParaRPr lang="ko-KR" altLang="en-US" dirty="0">
-                        <a:solidFill>
-                          <a:schemeClr val="tx1"/>
-                        </a:solidFill>
-                      </a:endParaRPr>
                     </a:p>
                   </a:txBody>
                   <a:tcPr>
@@ -3895,6 +3900,11 @@
                     </a:solidFill>
                   </a:tcPr>
                 </a:tc>
+                <a:extLst>
+                  <a:ext uri="{0D108BD9-81ED-4DB2-BD59-A6C34878D82A}">
+                    <a16:rowId xmlns:a16="http://schemas.microsoft.com/office/drawing/2014/main" val="10000"/>
+                  </a:ext>
+                </a:extLst>
               </a:tr>
               <a:tr h="440944">
                 <a:tc>
@@ -3904,7 +3914,7 @@
                     <a:p>
                       <a:pPr algn="ctr" latinLnBrk="1"/>
                       <a:r>
-                        <a:rPr lang="en-US" altLang="ko-KR" dirty="0" smtClean="0"/>
+                        <a:rPr lang="en-US" altLang="ko-KR" dirty="0"/>
                         <a:t>0.1</a:t>
                       </a:r>
                       <a:endParaRPr lang="ko-KR" altLang="en-US" dirty="0"/>
@@ -3957,7 +3967,7 @@
                     <a:p>
                       <a:pPr algn="ctr" latinLnBrk="1"/>
                       <a:r>
-                        <a:rPr lang="en-US" altLang="ko-KR" dirty="0" smtClean="0"/>
+                        <a:rPr lang="en-US" altLang="ko-KR" dirty="0"/>
                         <a:t>2020.08.10</a:t>
                       </a:r>
                       <a:endParaRPr lang="ko-KR" altLang="en-US" dirty="0"/>
@@ -4059,10 +4069,9 @@
                     <a:p>
                       <a:pPr algn="ctr" latinLnBrk="1"/>
                       <a:r>
-                        <a:rPr lang="ko-KR" altLang="en-US" dirty="0" smtClean="0"/>
-                        <a:t>이주호</a:t>
+                        <a:rPr lang="ko-KR" altLang="en-US" dirty="0"/>
+                        <a:t>김은희</a:t>
                       </a:r>
-                      <a:endParaRPr lang="ko-KR" altLang="en-US" dirty="0"/>
                     </a:p>
                   </a:txBody>
                   <a:tcPr>
@@ -4154,6 +4163,11 @@
                     <a:noFill/>
                   </a:tcPr>
                 </a:tc>
+                <a:extLst>
+                  <a:ext uri="{0D108BD9-81ED-4DB2-BD59-A6C34878D82A}">
+                    <a16:rowId xmlns:a16="http://schemas.microsoft.com/office/drawing/2014/main" val="10001"/>
+                  </a:ext>
+                </a:extLst>
               </a:tr>
               <a:tr h="440944">
                 <a:tc>
@@ -4401,6 +4415,11 @@
                     <a:noFill/>
                   </a:tcPr>
                 </a:tc>
+                <a:extLst>
+                  <a:ext uri="{0D108BD9-81ED-4DB2-BD59-A6C34878D82A}">
+                    <a16:rowId xmlns:a16="http://schemas.microsoft.com/office/drawing/2014/main" val="10002"/>
+                  </a:ext>
+                </a:extLst>
               </a:tr>
               <a:tr h="440944">
                 <a:tc>
@@ -4648,6 +4667,11 @@
                     <a:noFill/>
                   </a:tcPr>
                 </a:tc>
+                <a:extLst>
+                  <a:ext uri="{0D108BD9-81ED-4DB2-BD59-A6C34878D82A}">
+                    <a16:rowId xmlns:a16="http://schemas.microsoft.com/office/drawing/2014/main" val="10003"/>
+                  </a:ext>
+                </a:extLst>
               </a:tr>
               <a:tr h="440944">
                 <a:tc>
@@ -4895,6 +4919,11 @@
                     <a:noFill/>
                   </a:tcPr>
                 </a:tc>
+                <a:extLst>
+                  <a:ext uri="{0D108BD9-81ED-4DB2-BD59-A6C34878D82A}">
+                    <a16:rowId xmlns:a16="http://schemas.microsoft.com/office/drawing/2014/main" val="10004"/>
+                  </a:ext>
+                </a:extLst>
               </a:tr>
               <a:tr h="440944">
                 <a:tc>
@@ -5142,6 +5171,11 @@
                     <a:noFill/>
                   </a:tcPr>
                 </a:tc>
+                <a:extLst>
+                  <a:ext uri="{0D108BD9-81ED-4DB2-BD59-A6C34878D82A}">
+                    <a16:rowId xmlns:a16="http://schemas.microsoft.com/office/drawing/2014/main" val="10005"/>
+                  </a:ext>
+                </a:extLst>
               </a:tr>
               <a:tr h="440944">
                 <a:tc>
@@ -5389,6 +5423,11 @@
                     <a:noFill/>
                   </a:tcPr>
                 </a:tc>
+                <a:extLst>
+                  <a:ext uri="{0D108BD9-81ED-4DB2-BD59-A6C34878D82A}">
+                    <a16:rowId xmlns:a16="http://schemas.microsoft.com/office/drawing/2014/main" val="10006"/>
+                  </a:ext>
+                </a:extLst>
               </a:tr>
               <a:tr h="440944">
                 <a:tc>
@@ -5636,6 +5675,11 @@
                     <a:noFill/>
                   </a:tcPr>
                 </a:tc>
+                <a:extLst>
+                  <a:ext uri="{0D108BD9-81ED-4DB2-BD59-A6C34878D82A}">
+                    <a16:rowId xmlns:a16="http://schemas.microsoft.com/office/drawing/2014/main" val="10007"/>
+                  </a:ext>
+                </a:extLst>
               </a:tr>
               <a:tr h="440944">
                 <a:tc>
@@ -5883,6 +5927,11 @@
                     <a:noFill/>
                   </a:tcPr>
                 </a:tc>
+                <a:extLst>
+                  <a:ext uri="{0D108BD9-81ED-4DB2-BD59-A6C34878D82A}">
+                    <a16:rowId xmlns:a16="http://schemas.microsoft.com/office/drawing/2014/main" val="10008"/>
+                  </a:ext>
+                </a:extLst>
               </a:tr>
               <a:tr h="440944">
                 <a:tc>
@@ -6130,6 +6179,11 @@
                     <a:noFill/>
                   </a:tcPr>
                 </a:tc>
+                <a:extLst>
+                  <a:ext uri="{0D108BD9-81ED-4DB2-BD59-A6C34878D82A}">
+                    <a16:rowId xmlns:a16="http://schemas.microsoft.com/office/drawing/2014/main" val="10009"/>
+                  </a:ext>
+                </a:extLst>
               </a:tr>
               <a:tr h="440944">
                 <a:tc>
@@ -6377,6 +6431,11 @@
                     <a:noFill/>
                   </a:tcPr>
                 </a:tc>
+                <a:extLst>
+                  <a:ext uri="{0D108BD9-81ED-4DB2-BD59-A6C34878D82A}">
+                    <a16:rowId xmlns:a16="http://schemas.microsoft.com/office/drawing/2014/main" val="10010"/>
+                  </a:ext>
+                </a:extLst>
               </a:tr>
               <a:tr h="440944">
                 <a:tc>
@@ -6624,6 +6683,11 @@
                     <a:noFill/>
                   </a:tcPr>
                 </a:tc>
+                <a:extLst>
+                  <a:ext uri="{0D108BD9-81ED-4DB2-BD59-A6C34878D82A}">
+                    <a16:rowId xmlns:a16="http://schemas.microsoft.com/office/drawing/2014/main" val="10011"/>
+                  </a:ext>
+                </a:extLst>
               </a:tr>
             </a:tbl>
           </a:graphicData>
@@ -6733,10 +6797,9 @@
           <a:p>
             <a:pPr algn="r"/>
             <a:r>
-              <a:rPr lang="ko-KR" altLang="en-US" sz="1500" dirty="0" smtClean="0"/>
+              <a:rPr lang="ko-KR" altLang="en-US" sz="1500" dirty="0"/>
               <a:t>프로세스 흐름도</a:t>
             </a:r>
-            <a:endParaRPr lang="ko-KR" altLang="en-US" sz="1500" dirty="0"/>
           </a:p>
         </p:txBody>
       </p:sp>
@@ -6763,10 +6826,9 @@
           <a:lstStyle/>
           <a:p>
             <a:r>
-              <a:rPr lang="ko-KR" altLang="en-US" dirty="0" smtClean="0"/>
+              <a:rPr lang="ko-KR" altLang="en-US" dirty="0"/>
               <a:t>⊙ 화면 설계</a:t>
             </a:r>
-            <a:endParaRPr lang="ko-KR" altLang="en-US" dirty="0"/>
           </a:p>
         </p:txBody>
       </p:sp>
@@ -7110,7 +7172,7 @@
           <a:p>
             <a:pPr algn="ctr"/>
             <a:r>
-              <a:rPr lang="en-US" altLang="ko-KR" dirty="0" smtClean="0"/>
+              <a:rPr lang="en-US" altLang="ko-KR" dirty="0"/>
               <a:t>4</a:t>
             </a:r>
             <a:endParaRPr lang="ko-KR" altLang="en-US" dirty="0"/>
@@ -7154,7 +7216,7 @@
           <a:p>
             <a:pPr algn="ctr"/>
             <a:r>
-              <a:rPr lang="en-US" altLang="ko-KR" dirty="0" smtClean="0"/>
+              <a:rPr lang="en-US" altLang="ko-KR" dirty="0"/>
               <a:t>2</a:t>
             </a:r>
             <a:endParaRPr lang="ko-KR" altLang="en-US" dirty="0"/>
@@ -7441,10 +7503,9 @@
           <a:p>
             <a:pPr algn="r"/>
             <a:r>
-              <a:rPr lang="ko-KR" altLang="en-US" sz="1500" dirty="0" smtClean="0"/>
+              <a:rPr lang="ko-KR" altLang="en-US" sz="1500" dirty="0"/>
               <a:t>프로세스 흐름도</a:t>
             </a:r>
-            <a:endParaRPr lang="ko-KR" altLang="en-US" sz="1500" dirty="0"/>
           </a:p>
         </p:txBody>
       </p:sp>
@@ -7471,10 +7532,9 @@
           <a:lstStyle/>
           <a:p>
             <a:r>
-              <a:rPr lang="ko-KR" altLang="en-US" dirty="0" smtClean="0"/>
+              <a:rPr lang="ko-KR" altLang="en-US" dirty="0"/>
               <a:t>⊙ 화면 설계</a:t>
             </a:r>
-            <a:endParaRPr lang="ko-KR" altLang="en-US" dirty="0"/>
           </a:p>
         </p:txBody>
       </p:sp>
@@ -7501,8 +7561,20 @@
             <a:tbl>
               <a:tblPr/>
               <a:tblGrid>
-                <a:gridCol w="1938224"/>
-                <a:gridCol w="8465233"/>
+                <a:gridCol w="1938224">
+                  <a:extLst>
+                    <a:ext uri="{9D8B030D-6E8A-4147-A177-3AD203B41FA5}">
+                      <a16:colId xmlns:a16="http://schemas.microsoft.com/office/drawing/2014/main" val="20000"/>
+                    </a:ext>
+                  </a:extLst>
+                </a:gridCol>
+                <a:gridCol w="8465233">
+                  <a:extLst>
+                    <a:ext uri="{9D8B030D-6E8A-4147-A177-3AD203B41FA5}">
+                      <a16:colId xmlns:a16="http://schemas.microsoft.com/office/drawing/2014/main" val="20001"/>
+                    </a:ext>
+                  </a:extLst>
+                </a:gridCol>
               </a:tblGrid>
               <a:tr h="252756">
                 <a:tc gridSpan="2">
@@ -7577,6 +7649,11 @@
                   </a:txBody>
                   <a:tcPr/>
                 </a:tc>
+                <a:extLst>
+                  <a:ext uri="{0D108BD9-81ED-4DB2-BD59-A6C34878D82A}">
+                    <a16:rowId xmlns:a16="http://schemas.microsoft.com/office/drawing/2014/main" val="10000"/>
+                  </a:ext>
+                </a:extLst>
               </a:tr>
               <a:tr h="252756">
                 <a:tc>
@@ -7705,6 +7782,11 @@
                     </a:solidFill>
                   </a:tcPr>
                 </a:tc>
+                <a:extLst>
+                  <a:ext uri="{0D108BD9-81ED-4DB2-BD59-A6C34878D82A}">
+                    <a16:rowId xmlns:a16="http://schemas.microsoft.com/office/drawing/2014/main" val="10001"/>
+                  </a:ext>
+                </a:extLst>
               </a:tr>
               <a:tr h="252756">
                 <a:tc>
@@ -7826,6 +7908,11 @@
                     </a:lnB>
                   </a:tcPr>
                 </a:tc>
+                <a:extLst>
+                  <a:ext uri="{0D108BD9-81ED-4DB2-BD59-A6C34878D82A}">
+                    <a16:rowId xmlns:a16="http://schemas.microsoft.com/office/drawing/2014/main" val="10002"/>
+                  </a:ext>
+                </a:extLst>
               </a:tr>
               <a:tr h="243519">
                 <a:tc>
@@ -7835,7 +7922,7 @@
                     <a:p>
                       <a:pPr marL="0" algn="ctr" defTabSz="914400" rtl="0" eaLnBrk="1" fontAlgn="ctr" latinLnBrk="1" hangingPunct="1"/>
                       <a:r>
-                        <a:rPr lang="en-US" altLang="ko-KR" sz="1100" b="1" i="0" u="none" strike="noStrike" kern="1200" dirty="0" smtClean="0">
+                        <a:rPr lang="en-US" altLang="ko-KR" sz="1100" b="1" i="0" u="none" strike="noStrike" kern="1200" dirty="0">
                           <a:solidFill>
                             <a:srgbClr val="000000"/>
                           </a:solidFill>
@@ -7906,7 +7993,7 @@
                     <a:p>
                       <a:pPr marL="0" algn="l" defTabSz="914400" rtl="0" eaLnBrk="1" fontAlgn="ctr" latinLnBrk="1" hangingPunct="1"/>
                       <a:r>
-                        <a:rPr lang="en-US" altLang="ko-KR" sz="1100" b="1" i="0" u="none" strike="noStrike" kern="1200" dirty="0" smtClean="0">
+                        <a:rPr lang="en-US" altLang="ko-KR" sz="1100" b="1" i="0" u="none" strike="noStrike" kern="1200" dirty="0">
                           <a:solidFill>
                             <a:srgbClr val="000000"/>
                           </a:solidFill>
@@ -7918,7 +8005,7 @@
                         <a:t> </a:t>
                       </a:r>
                       <a:r>
-                        <a:rPr lang="ko-KR" altLang="en-US" sz="1100" b="1" i="0" u="none" strike="noStrike" kern="1200" dirty="0" smtClean="0">
+                        <a:rPr lang="ko-KR" altLang="en-US" sz="1100" b="1" i="0" u="none" strike="noStrike" kern="1200" dirty="0">
                           <a:solidFill>
                             <a:srgbClr val="000000"/>
                           </a:solidFill>
@@ -7929,15 +8016,6 @@
                         </a:rPr>
                         <a:t>조회</a:t>
                       </a:r>
-                      <a:endParaRPr lang="ko-KR" altLang="en-US" sz="1100" b="1" i="0" u="none" strike="noStrike" kern="1200" dirty="0">
-                        <a:solidFill>
-                          <a:srgbClr val="000000"/>
-                        </a:solidFill>
-                        <a:effectLst/>
-                        <a:latin typeface="맑은 고딕" panose="020B0503020000020004" pitchFamily="50" charset="-127"/>
-                        <a:ea typeface="맑은 고딕" panose="020B0503020000020004" pitchFamily="50" charset="-127"/>
-                        <a:cs typeface="+mn-cs"/>
-                      </a:endParaRPr>
                     </a:p>
                   </a:txBody>
                   <a:tcPr marL="9525" marR="9525" marT="9525" marB="0" anchor="ctr">
@@ -7984,6 +8062,11 @@
                     </a:solidFill>
                   </a:tcPr>
                 </a:tc>
+                <a:extLst>
+                  <a:ext uri="{0D108BD9-81ED-4DB2-BD59-A6C34878D82A}">
+                    <a16:rowId xmlns:a16="http://schemas.microsoft.com/office/drawing/2014/main" val="10003"/>
+                  </a:ext>
+                </a:extLst>
               </a:tr>
               <a:tr h="257175">
                 <a:tc>
@@ -8043,7 +8126,7 @@
                     <a:p>
                       <a:pPr algn="l" fontAlgn="ctr"/>
                       <a:r>
-                        <a:rPr lang="en-US" altLang="ko-KR" sz="1100" b="0" i="0" u="none" strike="noStrike" baseline="0" dirty="0" smtClean="0">
+                        <a:rPr lang="en-US" altLang="ko-KR" sz="1100" b="0" i="0" u="none" strike="noStrike" baseline="0" dirty="0">
                           <a:solidFill>
                             <a:srgbClr val="000000"/>
                           </a:solidFill>
@@ -8054,7 +8137,7 @@
                         <a:t> </a:t>
                       </a:r>
                       <a:r>
-                        <a:rPr lang="ko-KR" altLang="en-US" sz="1100" b="0" i="0" u="none" strike="noStrike" baseline="0" dirty="0" smtClean="0">
+                        <a:rPr lang="ko-KR" altLang="en-US" sz="1100" b="0" i="0" u="none" strike="noStrike" baseline="0" dirty="0">
                           <a:solidFill>
                             <a:srgbClr val="000000"/>
                           </a:solidFill>
@@ -8113,6 +8196,11 @@
                     </a:lnB>
                   </a:tcPr>
                 </a:tc>
+                <a:extLst>
+                  <a:ext uri="{0D108BD9-81ED-4DB2-BD59-A6C34878D82A}">
+                    <a16:rowId xmlns:a16="http://schemas.microsoft.com/office/drawing/2014/main" val="10004"/>
+                  </a:ext>
+                </a:extLst>
               </a:tr>
               <a:tr h="252756">
                 <a:tc>
@@ -8122,7 +8210,7 @@
                     <a:p>
                       <a:pPr algn="ctr" fontAlgn="ctr"/>
                       <a:r>
-                        <a:rPr lang="en-US" altLang="ko-KR" sz="1100" b="1" i="0" u="none" strike="noStrike" dirty="0" smtClean="0">
+                        <a:rPr lang="en-US" altLang="ko-KR" sz="1100" b="1" i="0" u="none" strike="noStrike" dirty="0">
                           <a:solidFill>
                             <a:srgbClr val="000000"/>
                           </a:solidFill>
@@ -8191,7 +8279,7 @@
                     <a:p>
                       <a:pPr algn="l" fontAlgn="ctr"/>
                       <a:r>
-                        <a:rPr lang="en-US" altLang="ko-KR" sz="1100" b="0" i="0" u="none" strike="noStrike" dirty="0" smtClean="0">
+                        <a:rPr lang="en-US" altLang="ko-KR" sz="1100" b="0" i="0" u="none" strike="noStrike" dirty="0">
                           <a:solidFill>
                             <a:srgbClr val="000000"/>
                           </a:solidFill>
@@ -8202,7 +8290,7 @@
                         <a:t> </a:t>
                       </a:r>
                       <a:r>
-                        <a:rPr lang="ko-KR" altLang="en-US" sz="1100" b="0" i="0" u="none" strike="noStrike" dirty="0" smtClean="0">
+                        <a:rPr lang="ko-KR" altLang="en-US" sz="1100" b="0" i="0" u="none" strike="noStrike" dirty="0">
                           <a:solidFill>
                             <a:srgbClr val="000000"/>
                           </a:solidFill>
@@ -8212,14 +8300,6 @@
                         </a:rPr>
                         <a:t>검색조건</a:t>
                       </a:r>
-                      <a:endParaRPr lang="ko-KR" altLang="en-US" sz="1100" b="0" i="0" u="none" strike="noStrike" dirty="0">
-                        <a:solidFill>
-                          <a:srgbClr val="000000"/>
-                        </a:solidFill>
-                        <a:effectLst/>
-                        <a:latin typeface="맑은 고딕" panose="020B0503020000020004" pitchFamily="50" charset="-127"/>
-                        <a:ea typeface="맑은 고딕" panose="020B0503020000020004" pitchFamily="50" charset="-127"/>
-                      </a:endParaRPr>
                     </a:p>
                   </a:txBody>
                   <a:tcPr marL="9525" marR="9525" marT="9525" marB="0" anchor="ctr">
@@ -8266,6 +8346,11 @@
                     </a:solidFill>
                   </a:tcPr>
                 </a:tc>
+                <a:extLst>
+                  <a:ext uri="{0D108BD9-81ED-4DB2-BD59-A6C34878D82A}">
+                    <a16:rowId xmlns:a16="http://schemas.microsoft.com/office/drawing/2014/main" val="10005"/>
+                  </a:ext>
+                </a:extLst>
               </a:tr>
               <a:tr h="252756">
                 <a:tc>
@@ -8325,7 +8410,7 @@
                     <a:p>
                       <a:pPr algn="l" fontAlgn="ctr"/>
                       <a:r>
-                        <a:rPr lang="en-US" altLang="ko-KR" sz="1100" b="0" i="0" u="none" strike="noStrike" baseline="0" dirty="0" smtClean="0">
+                        <a:rPr lang="en-US" altLang="ko-KR" sz="1100" b="0" i="0" u="none" strike="noStrike" baseline="0" dirty="0">
                           <a:solidFill>
                             <a:srgbClr val="000000"/>
                           </a:solidFill>
@@ -8336,7 +8421,7 @@
                         <a:t> </a:t>
                       </a:r>
                       <a:r>
-                        <a:rPr lang="ko-KR" altLang="en-US" sz="1100" b="0" i="0" u="none" strike="noStrike" baseline="0" dirty="0" smtClean="0">
+                        <a:rPr lang="ko-KR" altLang="en-US" sz="1100" b="0" i="0" u="none" strike="noStrike" baseline="0" dirty="0">
                           <a:solidFill>
                             <a:srgbClr val="000000"/>
                           </a:solidFill>
@@ -8395,6 +8480,11 @@
                     </a:lnB>
                   </a:tcPr>
                 </a:tc>
+                <a:extLst>
+                  <a:ext uri="{0D108BD9-81ED-4DB2-BD59-A6C34878D82A}">
+                    <a16:rowId xmlns:a16="http://schemas.microsoft.com/office/drawing/2014/main" val="10006"/>
+                  </a:ext>
+                </a:extLst>
               </a:tr>
               <a:tr h="252756">
                 <a:tc>
@@ -8404,7 +8494,7 @@
                     <a:p>
                       <a:pPr algn="ctr" fontAlgn="ctr"/>
                       <a:r>
-                        <a:rPr lang="en-US" altLang="ko-KR" sz="1100" b="1" i="0" u="none" strike="noStrike" dirty="0" smtClean="0">
+                        <a:rPr lang="en-US" altLang="ko-KR" sz="1100" b="1" i="0" u="none" strike="noStrike" dirty="0">
                           <a:solidFill>
                             <a:srgbClr val="000000"/>
                           </a:solidFill>
@@ -8476,7 +8566,7 @@
                     <a:p>
                       <a:pPr algn="l" fontAlgn="ctr"/>
                       <a:r>
-                        <a:rPr lang="en-US" altLang="ko-KR" sz="1100" b="0" i="0" u="none" strike="noStrike" dirty="0" smtClean="0">
+                        <a:rPr lang="en-US" altLang="ko-KR" sz="1100" b="0" i="0" u="none" strike="noStrike" dirty="0">
                           <a:solidFill>
                             <a:srgbClr val="000000"/>
                           </a:solidFill>
@@ -8487,7 +8577,7 @@
                         <a:t> </a:t>
                       </a:r>
                       <a:r>
-                        <a:rPr lang="ko-KR" altLang="en-US" sz="1100" b="0" i="0" u="none" strike="noStrike" dirty="0" smtClean="0">
+                        <a:rPr lang="ko-KR" altLang="en-US" sz="1100" b="0" i="0" u="none" strike="noStrike" dirty="0">
                           <a:solidFill>
                             <a:srgbClr val="000000"/>
                           </a:solidFill>
@@ -8497,14 +8587,6 @@
                         </a:rPr>
                         <a:t>검색조건</a:t>
                       </a:r>
-                      <a:endParaRPr lang="ko-KR" altLang="en-US" sz="1100" b="0" i="0" u="none" strike="noStrike" dirty="0">
-                        <a:solidFill>
-                          <a:srgbClr val="000000"/>
-                        </a:solidFill>
-                        <a:effectLst/>
-                        <a:latin typeface="맑은 고딕" panose="020B0503020000020004" pitchFamily="50" charset="-127"/>
-                        <a:ea typeface="맑은 고딕" panose="020B0503020000020004" pitchFamily="50" charset="-127"/>
-                      </a:endParaRPr>
                     </a:p>
                   </a:txBody>
                   <a:tcPr marL="9525" marR="9525" marT="9525" marB="0" anchor="ctr">
@@ -8551,6 +8633,11 @@
                     </a:solidFill>
                   </a:tcPr>
                 </a:tc>
+                <a:extLst>
+                  <a:ext uri="{0D108BD9-81ED-4DB2-BD59-A6C34878D82A}">
+                    <a16:rowId xmlns:a16="http://schemas.microsoft.com/office/drawing/2014/main" val="10007"/>
+                  </a:ext>
+                </a:extLst>
               </a:tr>
               <a:tr h="252756">
                 <a:tc>
@@ -8610,7 +8697,7 @@
                     <a:p>
                       <a:pPr algn="l" fontAlgn="ctr"/>
                       <a:r>
-                        <a:rPr lang="en-US" altLang="ko-KR" sz="1100" b="0" i="0" u="none" strike="noStrike" dirty="0" smtClean="0">
+                        <a:rPr lang="en-US" altLang="ko-KR" sz="1100" b="0" i="0" u="none" strike="noStrike" dirty="0">
                           <a:solidFill>
                             <a:srgbClr val="000000"/>
                           </a:solidFill>
@@ -8621,7 +8708,7 @@
                         <a:t> </a:t>
                       </a:r>
                       <a:r>
-                        <a:rPr lang="ko-KR" altLang="en-US" sz="1100" b="0" i="0" u="none" strike="noStrike" dirty="0" smtClean="0">
+                        <a:rPr lang="ko-KR" altLang="en-US" sz="1100" b="0" i="0" u="none" strike="noStrike" dirty="0">
                           <a:solidFill>
                             <a:srgbClr val="000000"/>
                           </a:solidFill>
@@ -8631,14 +8718,6 @@
                         </a:rPr>
                         <a:t>스킬 검색조건을 선택한다</a:t>
                       </a:r>
-                      <a:endParaRPr lang="ko-KR" altLang="en-US" sz="1100" b="0" i="0" u="none" strike="noStrike" dirty="0">
-                        <a:solidFill>
-                          <a:srgbClr val="000000"/>
-                        </a:solidFill>
-                        <a:effectLst/>
-                        <a:latin typeface="맑은 고딕" panose="020B0503020000020004" pitchFamily="50" charset="-127"/>
-                        <a:ea typeface="맑은 고딕" panose="020B0503020000020004" pitchFamily="50" charset="-127"/>
-                      </a:endParaRPr>
                     </a:p>
                   </a:txBody>
                   <a:tcPr marL="9525" marR="9525" marT="9525" marB="0" anchor="ctr">
@@ -8680,6 +8759,11 @@
                     </a:lnB>
                   </a:tcPr>
                 </a:tc>
+                <a:extLst>
+                  <a:ext uri="{0D108BD9-81ED-4DB2-BD59-A6C34878D82A}">
+                    <a16:rowId xmlns:a16="http://schemas.microsoft.com/office/drawing/2014/main" val="10008"/>
+                  </a:ext>
+                </a:extLst>
               </a:tr>
               <a:tr h="252756">
                 <a:tc>
@@ -8689,7 +8773,7 @@
                     <a:p>
                       <a:pPr algn="ctr" fontAlgn="ctr"/>
                       <a:r>
-                        <a:rPr lang="en-US" altLang="ko-KR" sz="1100" b="1" i="0" u="none" strike="noStrike" dirty="0" smtClean="0">
+                        <a:rPr lang="en-US" altLang="ko-KR" sz="1100" b="1" i="0" u="none" strike="noStrike" dirty="0">
                           <a:solidFill>
                             <a:srgbClr val="000000"/>
                           </a:solidFill>
@@ -8758,7 +8842,7 @@
                     <a:p>
                       <a:pPr algn="l" fontAlgn="ctr"/>
                       <a:r>
-                        <a:rPr lang="en-US" altLang="ko-KR" sz="1100" b="0" i="0" u="none" strike="noStrike" baseline="0" dirty="0" smtClean="0">
+                        <a:rPr lang="en-US" altLang="ko-KR" sz="1100" b="0" i="0" u="none" strike="noStrike" baseline="0" dirty="0">
                           <a:solidFill>
                             <a:srgbClr val="000000"/>
                           </a:solidFill>
@@ -8822,6 +8906,11 @@
                     </a:solidFill>
                   </a:tcPr>
                 </a:tc>
+                <a:extLst>
+                  <a:ext uri="{0D108BD9-81ED-4DB2-BD59-A6C34878D82A}">
+                    <a16:rowId xmlns:a16="http://schemas.microsoft.com/office/drawing/2014/main" val="10009"/>
+                  </a:ext>
+                </a:extLst>
               </a:tr>
               <a:tr h="252756">
                 <a:tc>
@@ -8881,7 +8970,7 @@
                     <a:p>
                       <a:pPr algn="l" fontAlgn="ctr"/>
                       <a:r>
-                        <a:rPr lang="en-US" altLang="ko-KR" sz="1100" b="0" i="0" u="none" strike="noStrike" baseline="0" dirty="0" smtClean="0">
+                        <a:rPr lang="en-US" altLang="ko-KR" sz="1100" b="0" i="0" u="none" strike="noStrike" baseline="0" dirty="0">
                           <a:solidFill>
                             <a:srgbClr val="000000"/>
                           </a:solidFill>
@@ -8892,7 +8981,7 @@
                         <a:t> </a:t>
                       </a:r>
                       <a:r>
-                        <a:rPr lang="ko-KR" altLang="en-US" sz="1100" b="0" i="0" u="none" strike="noStrike" baseline="0" dirty="0" smtClean="0">
+                        <a:rPr lang="ko-KR" altLang="en-US" sz="1100" b="0" i="0" u="none" strike="noStrike" baseline="0" dirty="0">
                           <a:solidFill>
                             <a:srgbClr val="000000"/>
                           </a:solidFill>
@@ -8951,6 +9040,11 @@
                     </a:lnB>
                   </a:tcPr>
                 </a:tc>
+                <a:extLst>
+                  <a:ext uri="{0D108BD9-81ED-4DB2-BD59-A6C34878D82A}">
+                    <a16:rowId xmlns:a16="http://schemas.microsoft.com/office/drawing/2014/main" val="10010"/>
+                  </a:ext>
+                </a:extLst>
               </a:tr>
               <a:tr h="252756">
                 <a:tc>
@@ -8960,7 +9054,7 @@
                     <a:p>
                       <a:pPr algn="ctr" fontAlgn="ctr"/>
                       <a:r>
-                        <a:rPr lang="en-US" altLang="ko-KR" sz="1100" b="1" i="0" u="none" strike="noStrike" dirty="0" smtClean="0">
+                        <a:rPr lang="en-US" altLang="ko-KR" sz="1100" b="1" i="0" u="none" strike="noStrike" dirty="0">
                           <a:solidFill>
                             <a:srgbClr val="000000"/>
                           </a:solidFill>
@@ -9029,7 +9123,7 @@
                     <a:p>
                       <a:pPr algn="l" fontAlgn="ctr"/>
                       <a:r>
-                        <a:rPr lang="en-US" altLang="ko-KR" sz="1100" b="0" i="0" u="none" strike="noStrike" dirty="0" smtClean="0">
+                        <a:rPr lang="en-US" altLang="ko-KR" sz="1100" b="0" i="0" u="none" strike="noStrike" dirty="0">
                           <a:solidFill>
                             <a:srgbClr val="000000"/>
                           </a:solidFill>
@@ -9040,7 +9134,7 @@
                         <a:t> </a:t>
                       </a:r>
                       <a:r>
-                        <a:rPr lang="ko-KR" altLang="en-US" sz="1100" b="0" i="0" u="none" strike="noStrike" dirty="0" err="1" smtClean="0">
+                        <a:rPr lang="ko-KR" altLang="en-US" sz="1100" b="0" i="0" u="none" strike="noStrike" dirty="0" err="1">
                           <a:solidFill>
                             <a:srgbClr val="000000"/>
                           </a:solidFill>
@@ -9051,7 +9145,7 @@
                         <a:t>그리드</a:t>
                       </a:r>
                       <a:r>
-                        <a:rPr lang="ko-KR" altLang="en-US" sz="1100" b="0" i="0" u="none" strike="noStrike" dirty="0" smtClean="0">
+                        <a:rPr lang="ko-KR" altLang="en-US" sz="1100" b="0" i="0" u="none" strike="noStrike" dirty="0">
                           <a:solidFill>
                             <a:srgbClr val="000000"/>
                           </a:solidFill>
@@ -9061,14 +9155,6 @@
                         </a:rPr>
                         <a:t> 더블클릭</a:t>
                       </a:r>
-                      <a:endParaRPr lang="ko-KR" altLang="en-US" sz="1100" b="0" i="0" u="none" strike="noStrike" dirty="0">
-                        <a:solidFill>
-                          <a:srgbClr val="000000"/>
-                        </a:solidFill>
-                        <a:effectLst/>
-                        <a:latin typeface="맑은 고딕" panose="020B0503020000020004" pitchFamily="50" charset="-127"/>
-                        <a:ea typeface="맑은 고딕" panose="020B0503020000020004" pitchFamily="50" charset="-127"/>
-                      </a:endParaRPr>
                     </a:p>
                   </a:txBody>
                   <a:tcPr marL="9525" marR="9525" marT="9525" marB="0" anchor="ctr">
@@ -9115,6 +9201,11 @@
                     </a:solidFill>
                   </a:tcPr>
                 </a:tc>
+                <a:extLst>
+                  <a:ext uri="{0D108BD9-81ED-4DB2-BD59-A6C34878D82A}">
+                    <a16:rowId xmlns:a16="http://schemas.microsoft.com/office/drawing/2014/main" val="10011"/>
+                  </a:ext>
+                </a:extLst>
               </a:tr>
               <a:tr h="252756">
                 <a:tc>
@@ -9174,7 +9265,7 @@
                     <a:p>
                       <a:pPr algn="l" fontAlgn="ctr"/>
                       <a:r>
-                        <a:rPr lang="en-US" altLang="ko-KR" sz="1100" b="0" i="0" u="none" strike="noStrike" baseline="0" dirty="0" smtClean="0">
+                        <a:rPr lang="en-US" altLang="ko-KR" sz="1100" b="0" i="0" u="none" strike="noStrike" baseline="0" dirty="0">
                           <a:solidFill>
                             <a:srgbClr val="000000"/>
                           </a:solidFill>
@@ -9185,7 +9276,7 @@
                         <a:t> </a:t>
                       </a:r>
                       <a:r>
-                        <a:rPr lang="ko-KR" altLang="en-US" sz="1100" b="0" i="0" u="none" strike="noStrike" baseline="0" dirty="0" smtClean="0">
+                        <a:rPr lang="ko-KR" altLang="en-US" sz="1100" b="0" i="0" u="none" strike="noStrike" baseline="0" dirty="0">
                           <a:solidFill>
                             <a:srgbClr val="000000"/>
                           </a:solidFill>
@@ -9244,6 +9335,11 @@
                     </a:lnB>
                   </a:tcPr>
                 </a:tc>
+                <a:extLst>
+                  <a:ext uri="{0D108BD9-81ED-4DB2-BD59-A6C34878D82A}">
+                    <a16:rowId xmlns:a16="http://schemas.microsoft.com/office/drawing/2014/main" val="10012"/>
+                  </a:ext>
+                </a:extLst>
               </a:tr>
               <a:tr h="252756">
                 <a:tc>
@@ -9253,7 +9349,7 @@
                     <a:p>
                       <a:pPr algn="ctr" fontAlgn="ctr"/>
                       <a:r>
-                        <a:rPr lang="en-US" altLang="ko-KR" sz="1100" b="1" i="0" u="none" strike="noStrike" dirty="0" smtClean="0">
+                        <a:rPr lang="en-US" altLang="ko-KR" sz="1100" b="1" i="0" u="none" strike="noStrike" dirty="0">
                           <a:solidFill>
                             <a:srgbClr val="000000"/>
                           </a:solidFill>
@@ -9322,7 +9418,7 @@
                     <a:p>
                       <a:pPr algn="l" fontAlgn="ctr"/>
                       <a:r>
-                        <a:rPr lang="en-US" altLang="ko-KR" sz="1100" b="0" i="0" u="none" strike="noStrike" dirty="0" smtClean="0">
+                        <a:rPr lang="en-US" altLang="ko-KR" sz="1100" b="0" i="0" u="none" strike="noStrike" dirty="0">
                           <a:solidFill>
                             <a:srgbClr val="000000"/>
                           </a:solidFill>
@@ -9333,7 +9429,7 @@
                         <a:t> </a:t>
                       </a:r>
                       <a:r>
-                        <a:rPr lang="ko-KR" altLang="en-US" sz="1100" b="0" i="0" u="none" strike="noStrike" dirty="0" err="1" smtClean="0">
+                        <a:rPr lang="ko-KR" altLang="en-US" sz="1100" b="0" i="0" u="none" strike="noStrike" dirty="0" err="1">
                           <a:solidFill>
                             <a:srgbClr val="000000"/>
                           </a:solidFill>
@@ -9397,6 +9493,11 @@
                     </a:solidFill>
                   </a:tcPr>
                 </a:tc>
+                <a:extLst>
+                  <a:ext uri="{0D108BD9-81ED-4DB2-BD59-A6C34878D82A}">
+                    <a16:rowId xmlns:a16="http://schemas.microsoft.com/office/drawing/2014/main" val="10013"/>
+                  </a:ext>
+                </a:extLst>
               </a:tr>
               <a:tr h="252756">
                 <a:tc>
@@ -9456,7 +9557,7 @@
                     <a:p>
                       <a:pPr algn="l" fontAlgn="ctr"/>
                       <a:r>
-                        <a:rPr lang="en-US" altLang="ko-KR" sz="1100" b="0" i="0" u="none" strike="noStrike" baseline="0" dirty="0" smtClean="0">
+                        <a:rPr lang="en-US" altLang="ko-KR" sz="1100" b="0" i="0" u="none" strike="noStrike" baseline="0" dirty="0">
                           <a:solidFill>
                             <a:srgbClr val="000000"/>
                           </a:solidFill>
@@ -9467,7 +9568,7 @@
                         <a:t> </a:t>
                       </a:r>
                       <a:r>
-                        <a:rPr lang="ko-KR" altLang="en-US" sz="1100" b="0" i="0" u="none" strike="noStrike" baseline="0" dirty="0" smtClean="0">
+                        <a:rPr lang="ko-KR" altLang="en-US" sz="1100" b="0" i="0" u="none" strike="noStrike" baseline="0" dirty="0">
                           <a:solidFill>
                             <a:srgbClr val="000000"/>
                           </a:solidFill>
@@ -9526,6 +9627,11 @@
                     </a:lnB>
                   </a:tcPr>
                 </a:tc>
+                <a:extLst>
+                  <a:ext uri="{0D108BD9-81ED-4DB2-BD59-A6C34878D82A}">
+                    <a16:rowId xmlns:a16="http://schemas.microsoft.com/office/drawing/2014/main" val="10014"/>
+                  </a:ext>
+                </a:extLst>
               </a:tr>
               <a:tr h="252756">
                 <a:tc>
@@ -9535,7 +9641,7 @@
                     <a:p>
                       <a:pPr algn="ctr" fontAlgn="ctr"/>
                       <a:r>
-                        <a:rPr lang="en-US" altLang="ko-KR" sz="1100" b="1" i="0" u="none" strike="noStrike" dirty="0" smtClean="0">
+                        <a:rPr lang="en-US" altLang="ko-KR" sz="1100" b="1" i="0" u="none" strike="noStrike" dirty="0">
                           <a:solidFill>
                             <a:srgbClr val="000000"/>
                           </a:solidFill>
@@ -9604,7 +9710,7 @@
                     <a:p>
                       <a:pPr algn="l" fontAlgn="ctr"/>
                       <a:r>
-                        <a:rPr lang="en-US" altLang="ko-KR" sz="1100" b="0" i="0" u="none" strike="noStrike" dirty="0" smtClean="0">
+                        <a:rPr lang="en-US" altLang="ko-KR" sz="1100" b="0" i="0" u="none" strike="noStrike" dirty="0">
                           <a:solidFill>
                             <a:srgbClr val="000000"/>
                           </a:solidFill>
@@ -9615,7 +9721,7 @@
                         <a:t> </a:t>
                       </a:r>
                       <a:r>
-                        <a:rPr lang="ko-KR" altLang="en-US" sz="1100" b="0" i="0" u="none" strike="noStrike" dirty="0" smtClean="0">
+                        <a:rPr lang="ko-KR" altLang="en-US" sz="1100" b="0" i="0" u="none" strike="noStrike" dirty="0">
                           <a:solidFill>
                             <a:srgbClr val="000000"/>
                           </a:solidFill>
@@ -9625,14 +9731,6 @@
                         </a:rPr>
                         <a:t>팝업호출</a:t>
                       </a:r>
-                      <a:endParaRPr lang="ko-KR" altLang="en-US" sz="1100" b="0" i="0" u="none" strike="noStrike" dirty="0">
-                        <a:solidFill>
-                          <a:srgbClr val="000000"/>
-                        </a:solidFill>
-                        <a:effectLst/>
-                        <a:latin typeface="맑은 고딕" panose="020B0503020000020004" pitchFamily="50" charset="-127"/>
-                        <a:ea typeface="맑은 고딕" panose="020B0503020000020004" pitchFamily="50" charset="-127"/>
-                      </a:endParaRPr>
                     </a:p>
                   </a:txBody>
                   <a:tcPr marL="9525" marR="9525" marT="9525" marB="0" anchor="ctr">
@@ -9679,6 +9777,11 @@
                     </a:solidFill>
                   </a:tcPr>
                 </a:tc>
+                <a:extLst>
+                  <a:ext uri="{0D108BD9-81ED-4DB2-BD59-A6C34878D82A}">
+                    <a16:rowId xmlns:a16="http://schemas.microsoft.com/office/drawing/2014/main" val="10015"/>
+                  </a:ext>
+                </a:extLst>
               </a:tr>
               <a:tr h="252756">
                 <a:tc>
@@ -9746,7 +9849,7 @@
                     <a:p>
                       <a:pPr algn="l" fontAlgn="ctr"/>
                       <a:r>
-                        <a:rPr lang="en-US" altLang="ko-KR" sz="1100" b="0" i="0" u="none" strike="noStrike" baseline="0" dirty="0" smtClean="0">
+                        <a:rPr lang="en-US" altLang="ko-KR" sz="1100" b="0" i="0" u="none" strike="noStrike" baseline="0" dirty="0">
                           <a:solidFill>
                             <a:srgbClr val="000000"/>
                           </a:solidFill>
@@ -9757,7 +9860,7 @@
                         <a:t> </a:t>
                       </a:r>
                       <a:r>
-                        <a:rPr lang="ko-KR" altLang="en-US" sz="1100" b="0" i="0" u="none" strike="noStrike" baseline="0" dirty="0" smtClean="0">
+                        <a:rPr lang="ko-KR" altLang="en-US" sz="1100" b="0" i="0" u="none" strike="noStrike" baseline="0" dirty="0">
                           <a:solidFill>
                             <a:srgbClr val="000000"/>
                           </a:solidFill>
@@ -9816,6 +9919,11 @@
                     </a:lnB>
                   </a:tcPr>
                 </a:tc>
+                <a:extLst>
+                  <a:ext uri="{0D108BD9-81ED-4DB2-BD59-A6C34878D82A}">
+                    <a16:rowId xmlns:a16="http://schemas.microsoft.com/office/drawing/2014/main" val="10016"/>
+                  </a:ext>
+                </a:extLst>
               </a:tr>
               <a:tr h="252756">
                 <a:tc>
@@ -9841,7 +9949,7 @@
                         <a:defRPr/>
                       </a:pPr>
                       <a:r>
-                        <a:rPr lang="en-US" altLang="ko-KR" sz="1100" b="1" i="0" u="none" strike="noStrike" dirty="0" smtClean="0">
+                        <a:rPr lang="en-US" altLang="ko-KR" sz="1100" b="1" i="0" u="none" strike="noStrike" dirty="0">
                           <a:solidFill>
                             <a:srgbClr val="000000"/>
                           </a:solidFill>
@@ -9851,7 +9959,7 @@
                         </a:rPr>
                         <a:t>B4</a:t>
                       </a:r>
-                      <a:endParaRPr lang="ko-KR" altLang="en-US" sz="1100" b="1" i="0" u="none" strike="noStrike" dirty="0" smtClean="0">
+                      <a:endParaRPr lang="ko-KR" altLang="en-US" sz="1100" b="1" i="0" u="none" strike="noStrike" dirty="0">
                         <a:solidFill>
                           <a:srgbClr val="000000"/>
                         </a:solidFill>
@@ -9910,7 +10018,7 @@
                     <a:p>
                       <a:pPr algn="l" fontAlgn="ctr"/>
                       <a:r>
-                        <a:rPr lang="en-US" altLang="ko-KR" sz="1100" b="0" i="0" u="none" strike="noStrike" dirty="0" smtClean="0">
+                        <a:rPr lang="en-US" altLang="ko-KR" sz="1100" b="0" i="0" u="none" strike="noStrike" dirty="0">
                           <a:solidFill>
                             <a:srgbClr val="000000"/>
                           </a:solidFill>
@@ -9921,7 +10029,7 @@
                         <a:t> </a:t>
                       </a:r>
                       <a:r>
-                        <a:rPr lang="ko-KR" altLang="en-US" sz="1100" b="0" i="0" u="none" strike="noStrike" dirty="0" smtClean="0">
+                        <a:rPr lang="ko-KR" altLang="en-US" sz="1100" b="0" i="0" u="none" strike="noStrike" dirty="0">
                           <a:solidFill>
                             <a:srgbClr val="000000"/>
                           </a:solidFill>
@@ -9931,14 +10039,6 @@
                         </a:rPr>
                         <a:t>팝업호출</a:t>
                       </a:r>
-                      <a:endParaRPr lang="ko-KR" altLang="en-US" sz="1100" b="0" i="0" u="none" strike="noStrike" dirty="0">
-                        <a:solidFill>
-                          <a:srgbClr val="000000"/>
-                        </a:solidFill>
-                        <a:effectLst/>
-                        <a:latin typeface="맑은 고딕" panose="020B0503020000020004" pitchFamily="50" charset="-127"/>
-                        <a:ea typeface="맑은 고딕" panose="020B0503020000020004" pitchFamily="50" charset="-127"/>
-                      </a:endParaRPr>
                     </a:p>
                   </a:txBody>
                   <a:tcPr marL="9525" marR="9525" marT="9525" marB="0" anchor="ctr">
@@ -9985,6 +10085,11 @@
                     </a:solidFill>
                   </a:tcPr>
                 </a:tc>
+                <a:extLst>
+                  <a:ext uri="{0D108BD9-81ED-4DB2-BD59-A6C34878D82A}">
+                    <a16:rowId xmlns:a16="http://schemas.microsoft.com/office/drawing/2014/main" val="10017"/>
+                  </a:ext>
+                </a:extLst>
               </a:tr>
               <a:tr h="252756">
                 <a:tc>
@@ -10009,7 +10114,7 @@
                         <a:tabLst/>
                         <a:defRPr/>
                       </a:pPr>
-                      <a:endParaRPr lang="ko-KR" altLang="en-US" sz="1100" b="1" i="0" u="none" strike="noStrike" dirty="0" smtClean="0">
+                      <a:endParaRPr lang="ko-KR" altLang="en-US" sz="1100" b="1" i="0" u="none" strike="noStrike" dirty="0">
                         <a:solidFill>
                           <a:srgbClr val="000000"/>
                         </a:solidFill>
@@ -10068,7 +10173,7 @@
                     <a:p>
                       <a:pPr algn="l" fontAlgn="ctr"/>
                       <a:r>
-                        <a:rPr lang="en-US" altLang="ko-KR" sz="1100" b="0" i="0" u="none" strike="noStrike" baseline="0" dirty="0" smtClean="0">
+                        <a:rPr lang="en-US" altLang="ko-KR" sz="1100" b="0" i="0" u="none" strike="noStrike" baseline="0" dirty="0">
                           <a:solidFill>
                             <a:srgbClr val="000000"/>
                           </a:solidFill>
@@ -10079,7 +10184,7 @@
                         <a:t> </a:t>
                       </a:r>
                       <a:r>
-                        <a:rPr lang="ko-KR" altLang="en-US" sz="1100" b="0" i="0" u="none" strike="noStrike" baseline="0" dirty="0" smtClean="0">
+                        <a:rPr lang="ko-KR" altLang="en-US" sz="1100" b="0" i="0" u="none" strike="noStrike" baseline="0" dirty="0">
                           <a:solidFill>
                             <a:srgbClr val="000000"/>
                           </a:solidFill>
@@ -10138,6 +10243,11 @@
                     </a:lnB>
                   </a:tcPr>
                 </a:tc>
+                <a:extLst>
+                  <a:ext uri="{0D108BD9-81ED-4DB2-BD59-A6C34878D82A}">
+                    <a16:rowId xmlns:a16="http://schemas.microsoft.com/office/drawing/2014/main" val="10018"/>
+                  </a:ext>
+                </a:extLst>
               </a:tr>
             </a:tbl>
           </a:graphicData>
@@ -10247,10 +10357,9 @@
           <a:p>
             <a:pPr algn="r"/>
             <a:r>
-              <a:rPr lang="ko-KR" altLang="en-US" sz="1500" dirty="0" smtClean="0"/>
+              <a:rPr lang="ko-KR" altLang="en-US" sz="1500" dirty="0"/>
               <a:t>프로세스 흐름도</a:t>
             </a:r>
-            <a:endParaRPr lang="ko-KR" altLang="en-US" sz="1500" dirty="0"/>
           </a:p>
         </p:txBody>
       </p:sp>
@@ -10277,10 +10386,9 @@
           <a:lstStyle/>
           <a:p>
             <a:r>
-              <a:rPr lang="ko-KR" altLang="en-US" dirty="0" smtClean="0"/>
+              <a:rPr lang="ko-KR" altLang="en-US" dirty="0"/>
               <a:t>⊙ 데이터 레이아웃</a:t>
             </a:r>
-            <a:endParaRPr lang="ko-KR" altLang="en-US" dirty="0"/>
           </a:p>
         </p:txBody>
       </p:sp>
@@ -10293,7 +10401,7 @@
           <p:nvPr>
             <p:extLst>
               <p:ext uri="{D42A27DB-BD31-4B8C-83A1-F6EECF244321}">
-                <p14:modId xmlns:p14="http://schemas.microsoft.com/office/powerpoint/2010/main" val="333462559"/>
+                <p14:modId xmlns:p14="http://schemas.microsoft.com/office/powerpoint/2010/main" val="2347347667"/>
               </p:ext>
             </p:extLst>
           </p:nvPr>
@@ -10307,12 +10415,48 @@
             <a:tbl>
               <a:tblPr/>
               <a:tblGrid>
-                <a:gridCol w="1938224"/>
-                <a:gridCol w="1693047"/>
-                <a:gridCol w="1693046"/>
-                <a:gridCol w="1693047"/>
-                <a:gridCol w="1693046"/>
-                <a:gridCol w="1693047"/>
+                <a:gridCol w="1938224">
+                  <a:extLst>
+                    <a:ext uri="{9D8B030D-6E8A-4147-A177-3AD203B41FA5}">
+                      <a16:colId xmlns:a16="http://schemas.microsoft.com/office/drawing/2014/main" val="20000"/>
+                    </a:ext>
+                  </a:extLst>
+                </a:gridCol>
+                <a:gridCol w="1693047">
+                  <a:extLst>
+                    <a:ext uri="{9D8B030D-6E8A-4147-A177-3AD203B41FA5}">
+                      <a16:colId xmlns:a16="http://schemas.microsoft.com/office/drawing/2014/main" val="20001"/>
+                    </a:ext>
+                  </a:extLst>
+                </a:gridCol>
+                <a:gridCol w="1693046">
+                  <a:extLst>
+                    <a:ext uri="{9D8B030D-6E8A-4147-A177-3AD203B41FA5}">
+                      <a16:colId xmlns:a16="http://schemas.microsoft.com/office/drawing/2014/main" val="20002"/>
+                    </a:ext>
+                  </a:extLst>
+                </a:gridCol>
+                <a:gridCol w="1693047">
+                  <a:extLst>
+                    <a:ext uri="{9D8B030D-6E8A-4147-A177-3AD203B41FA5}">
+                      <a16:colId xmlns:a16="http://schemas.microsoft.com/office/drawing/2014/main" val="20003"/>
+                    </a:ext>
+                  </a:extLst>
+                </a:gridCol>
+                <a:gridCol w="1693046">
+                  <a:extLst>
+                    <a:ext uri="{9D8B030D-6E8A-4147-A177-3AD203B41FA5}">
+                      <a16:colId xmlns:a16="http://schemas.microsoft.com/office/drawing/2014/main" val="20004"/>
+                    </a:ext>
+                  </a:extLst>
+                </a:gridCol>
+                <a:gridCol w="1693047">
+                  <a:extLst>
+                    <a:ext uri="{9D8B030D-6E8A-4147-A177-3AD203B41FA5}">
+                      <a16:colId xmlns:a16="http://schemas.microsoft.com/office/drawing/2014/main" val="20005"/>
+                    </a:ext>
+                  </a:extLst>
+                </a:gridCol>
               </a:tblGrid>
               <a:tr h="252756">
                 <a:tc gridSpan="6">
@@ -10431,6 +10575,11 @@
                   </a:txBody>
                   <a:tcPr/>
                 </a:tc>
+                <a:extLst>
+                  <a:ext uri="{0D108BD9-81ED-4DB2-BD59-A6C34878D82A}">
+                    <a16:rowId xmlns:a16="http://schemas.microsoft.com/office/drawing/2014/main" val="10000"/>
+                  </a:ext>
+                </a:extLst>
               </a:tr>
               <a:tr h="252756">
                 <a:tc>
@@ -10448,27 +10597,8 @@
                           <a:latin typeface="맑은 고딕" panose="020B0503020000020004" pitchFamily="50" charset="-127"/>
                           <a:ea typeface="맑은 고딕" panose="020B0503020000020004" pitchFamily="50" charset="-127"/>
                         </a:rPr>
-                        <a:t> </a:t>
+                        <a:t> 화면영역</a:t>
                       </a:r>
-                      <a:r>
-                        <a:rPr lang="ko-KR" altLang="en-US" sz="1000" b="1" i="0" u="none" strike="noStrike" dirty="0" smtClean="0">
-                          <a:solidFill>
-                            <a:srgbClr val="000000"/>
-                          </a:solidFill>
-                          <a:effectLst/>
-                          <a:latin typeface="맑은 고딕" panose="020B0503020000020004" pitchFamily="50" charset="-127"/>
-                          <a:ea typeface="맑은 고딕" panose="020B0503020000020004" pitchFamily="50" charset="-127"/>
-                        </a:rPr>
-                        <a:t>화면영역</a:t>
-                      </a:r>
-                      <a:endParaRPr lang="ko-KR" altLang="en-US" sz="1000" b="1" i="0" u="none" strike="noStrike" dirty="0">
-                        <a:solidFill>
-                          <a:srgbClr val="000000"/>
-                        </a:solidFill>
-                        <a:effectLst/>
-                        <a:latin typeface="맑은 고딕" panose="020B0503020000020004" pitchFamily="50" charset="-127"/>
-                        <a:ea typeface="맑은 고딕" panose="020B0503020000020004" pitchFamily="50" charset="-127"/>
-                      </a:endParaRPr>
                     </a:p>
                   </a:txBody>
                   <a:tcPr marL="9525" marR="9525" marT="9525" marB="0" anchor="ctr">
@@ -10520,7 +10650,7 @@
                     <a:p>
                       <a:pPr algn="ctr" fontAlgn="ctr"/>
                       <a:r>
-                        <a:rPr lang="ko-KR" altLang="en-US" sz="1000" b="1" i="0" u="none" strike="noStrike" dirty="0" smtClean="0">
+                        <a:rPr lang="ko-KR" altLang="en-US" sz="1000" b="1" i="0" u="none" strike="noStrike" dirty="0">
                           <a:solidFill>
                             <a:srgbClr val="000000"/>
                           </a:solidFill>
@@ -10530,14 +10660,6 @@
                         </a:rPr>
                         <a:t>항목명</a:t>
                       </a:r>
-                      <a:endParaRPr lang="ko-KR" altLang="en-US" sz="1000" b="1" i="0" u="none" strike="noStrike" dirty="0">
-                        <a:solidFill>
-                          <a:srgbClr val="000000"/>
-                        </a:solidFill>
-                        <a:effectLst/>
-                        <a:latin typeface="맑은 고딕" panose="020B0503020000020004" pitchFamily="50" charset="-127"/>
-                        <a:ea typeface="맑은 고딕" panose="020B0503020000020004" pitchFamily="50" charset="-127"/>
-                      </a:endParaRPr>
                     </a:p>
                   </a:txBody>
                   <a:tcPr marL="9525" marR="9525" marT="9525" marB="0" anchor="ctr">
@@ -10589,7 +10711,7 @@
                     <a:p>
                       <a:pPr algn="ctr" fontAlgn="ctr"/>
                       <a:r>
-                        <a:rPr lang="ko-KR" altLang="en-US" sz="1000" b="1" i="0" u="none" strike="noStrike" dirty="0" smtClean="0">
+                        <a:rPr lang="ko-KR" altLang="en-US" sz="1000" b="1" i="0" u="none" strike="noStrike" dirty="0">
                           <a:solidFill>
                             <a:srgbClr val="000000"/>
                           </a:solidFill>
@@ -10599,14 +10721,6 @@
                         </a:rPr>
                         <a:t>데이터 타입</a:t>
                       </a:r>
-                      <a:endParaRPr lang="ko-KR" altLang="en-US" sz="1000" b="1" i="0" u="none" strike="noStrike" dirty="0">
-                        <a:solidFill>
-                          <a:srgbClr val="000000"/>
-                        </a:solidFill>
-                        <a:effectLst/>
-                        <a:latin typeface="맑은 고딕" panose="020B0503020000020004" pitchFamily="50" charset="-127"/>
-                        <a:ea typeface="맑은 고딕" panose="020B0503020000020004" pitchFamily="50" charset="-127"/>
-                      </a:endParaRPr>
                     </a:p>
                   </a:txBody>
                   <a:tcPr marL="9525" marR="9525" marT="9525" marB="0" anchor="ctr">
@@ -10658,7 +10772,7 @@
                     <a:p>
                       <a:pPr algn="ctr" fontAlgn="ctr"/>
                       <a:r>
-                        <a:rPr lang="en-US" altLang="ko-KR" sz="1000" b="1" i="0" u="none" strike="noStrike" dirty="0" smtClean="0">
+                        <a:rPr lang="en-US" altLang="ko-KR" sz="1000" b="1" i="0" u="none" strike="noStrike" dirty="0">
                           <a:solidFill>
                             <a:srgbClr val="000000"/>
                           </a:solidFill>
@@ -10727,7 +10841,7 @@
                     <a:p>
                       <a:pPr algn="ctr" fontAlgn="ctr"/>
                       <a:r>
-                        <a:rPr lang="ko-KR" altLang="en-US" sz="1000" b="1" i="0" u="none" strike="noStrike" dirty="0" smtClean="0">
+                        <a:rPr lang="ko-KR" altLang="en-US" sz="1000" b="1" i="0" u="none" strike="noStrike" dirty="0">
                           <a:solidFill>
                             <a:srgbClr val="000000"/>
                           </a:solidFill>
@@ -10737,14 +10851,6 @@
                         </a:rPr>
                         <a:t>항목 설명</a:t>
                       </a:r>
-                      <a:endParaRPr lang="ko-KR" altLang="en-US" sz="1000" b="1" i="0" u="none" strike="noStrike" dirty="0">
-                        <a:solidFill>
-                          <a:srgbClr val="000000"/>
-                        </a:solidFill>
-                        <a:effectLst/>
-                        <a:latin typeface="맑은 고딕" panose="020B0503020000020004" pitchFamily="50" charset="-127"/>
-                        <a:ea typeface="맑은 고딕" panose="020B0503020000020004" pitchFamily="50" charset="-127"/>
-                      </a:endParaRPr>
                     </a:p>
                   </a:txBody>
                   <a:tcPr marL="9525" marR="9525" marT="9525" marB="0" anchor="ctr">
@@ -10796,7 +10902,7 @@
                     <a:p>
                       <a:pPr algn="ctr" fontAlgn="ctr"/>
                       <a:r>
-                        <a:rPr lang="ko-KR" altLang="en-US" sz="1000" b="1" i="0" u="none" strike="noStrike" dirty="0" smtClean="0">
+                        <a:rPr lang="ko-KR" altLang="en-US" sz="1000" b="1" i="0" u="none" strike="noStrike" dirty="0">
                           <a:solidFill>
                             <a:srgbClr val="000000"/>
                           </a:solidFill>
@@ -10806,14 +10912,6 @@
                         </a:rPr>
                         <a:t>비고</a:t>
                       </a:r>
-                      <a:endParaRPr lang="ko-KR" altLang="en-US" sz="1000" b="1" i="0" u="none" strike="noStrike" dirty="0">
-                        <a:solidFill>
-                          <a:srgbClr val="000000"/>
-                        </a:solidFill>
-                        <a:effectLst/>
-                        <a:latin typeface="맑은 고딕" panose="020B0503020000020004" pitchFamily="50" charset="-127"/>
-                        <a:ea typeface="맑은 고딕" panose="020B0503020000020004" pitchFamily="50" charset="-127"/>
-                      </a:endParaRPr>
                     </a:p>
                   </a:txBody>
                   <a:tcPr marL="9525" marR="9525" marT="9525" marB="0" anchor="ctr">
@@ -10858,6 +10956,11 @@
                     </a:solidFill>
                   </a:tcPr>
                 </a:tc>
+                <a:extLst>
+                  <a:ext uri="{0D108BD9-81ED-4DB2-BD59-A6C34878D82A}">
+                    <a16:rowId xmlns:a16="http://schemas.microsoft.com/office/drawing/2014/main" val="10001"/>
+                  </a:ext>
+                </a:extLst>
               </a:tr>
               <a:tr h="252756">
                 <a:tc rowSpan="4">
@@ -10867,7 +10970,7 @@
                     <a:p>
                       <a:pPr algn="ctr" fontAlgn="ctr"/>
                       <a:r>
-                        <a:rPr lang="en-US" altLang="ko-KR" sz="900" b="1" i="0" u="none" strike="noStrike" dirty="0" smtClean="0">
+                        <a:rPr lang="en-US" altLang="ko-KR" sz="900" b="1" i="0" u="none" strike="noStrike" dirty="0">
                           <a:solidFill>
                             <a:srgbClr val="000000"/>
                           </a:solidFill>
@@ -10936,7 +11039,7 @@
                     <a:p>
                       <a:pPr algn="ctr" fontAlgn="ctr"/>
                       <a:r>
-                        <a:rPr lang="ko-KR" altLang="en-US" sz="1100" b="0" i="0" u="none" strike="noStrike" dirty="0" smtClean="0">
+                        <a:rPr lang="ko-KR" altLang="en-US" sz="1100" b="0" i="0" u="none" strike="noStrike" dirty="0">
                           <a:solidFill>
                             <a:srgbClr val="000000"/>
                           </a:solidFill>
@@ -10946,6 +11049,64 @@
                         </a:rPr>
                         <a:t>부서</a:t>
                       </a:r>
+                    </a:p>
+                  </a:txBody>
+                  <a:tcPr marL="9525" marR="9525" marT="9525" marB="0" anchor="ctr">
+                    <a:lnL w="6350" cap="flat" cmpd="sng" algn="ctr">
+                      <a:solidFill>
+                        <a:srgbClr val="000000"/>
+                      </a:solidFill>
+                      <a:prstDash val="solid"/>
+                      <a:round/>
+                      <a:headEnd type="none" w="med" len="med"/>
+                      <a:tailEnd type="none" w="med" len="med"/>
+                    </a:lnL>
+                    <a:lnR w="6350" cap="flat" cmpd="sng" algn="ctr">
+                      <a:solidFill>
+                        <a:srgbClr val="000000"/>
+                      </a:solidFill>
+                      <a:prstDash val="solid"/>
+                      <a:round/>
+                      <a:headEnd type="none" w="med" len="med"/>
+                      <a:tailEnd type="none" w="med" len="med"/>
+                    </a:lnR>
+                    <a:lnT w="6350" cap="flat" cmpd="sng" algn="ctr">
+                      <a:solidFill>
+                        <a:srgbClr val="000000"/>
+                      </a:solidFill>
+                      <a:prstDash val="solid"/>
+                      <a:round/>
+                      <a:headEnd type="none" w="med" len="med"/>
+                      <a:tailEnd type="none" w="med" len="med"/>
+                    </a:lnT>
+                    <a:lnB w="6350" cap="flat" cmpd="sng" algn="ctr">
+                      <a:solidFill>
+                        <a:srgbClr val="000000"/>
+                      </a:solidFill>
+                      <a:prstDash val="solid"/>
+                      <a:round/>
+                      <a:headEnd type="none" w="med" len="med"/>
+                      <a:tailEnd type="none" w="med" len="med"/>
+                    </a:lnB>
+                  </a:tcPr>
+                </a:tc>
+                <a:tc>
+                  <a:txBody>
+                    <a:bodyPr/>
+                    <a:lstStyle/>
+                    <a:p>
+                      <a:pPr algn="ctr" fontAlgn="ctr"/>
+                      <a:r>
+                        <a:rPr lang="en-US" altLang="ko-KR" sz="1100" b="0" i="0" u="none" strike="noStrike" dirty="0">
+                          <a:solidFill>
+                            <a:srgbClr val="000000"/>
+                          </a:solidFill>
+                          <a:effectLst/>
+                          <a:latin typeface="맑은 고딕" panose="020B0503020000020004" pitchFamily="50" charset="-127"/>
+                          <a:ea typeface="맑은 고딕" panose="020B0503020000020004" pitchFamily="50" charset="-127"/>
+                        </a:rPr>
+                        <a:t>S</a:t>
+                      </a:r>
                       <a:endParaRPr lang="ko-KR" altLang="en-US" sz="1100" b="0" i="0" u="none" strike="noStrike" dirty="0">
                         <a:solidFill>
                           <a:srgbClr val="000000"/>
@@ -11001,8 +11162,1369 @@
                     <a:lstStyle/>
                     <a:p>
                       <a:pPr algn="ctr" fontAlgn="ctr"/>
+                      <a:endParaRPr lang="ko-KR" altLang="en-US" sz="1100" b="0" i="0" u="none" strike="noStrike" dirty="0">
+                        <a:solidFill>
+                          <a:srgbClr val="000000"/>
+                        </a:solidFill>
+                        <a:effectLst/>
+                        <a:latin typeface="맑은 고딕" panose="020B0503020000020004" pitchFamily="50" charset="-127"/>
+                        <a:ea typeface="맑은 고딕" panose="020B0503020000020004" pitchFamily="50" charset="-127"/>
+                      </a:endParaRPr>
+                    </a:p>
+                  </a:txBody>
+                  <a:tcPr marL="9525" marR="9525" marT="9525" marB="0" anchor="ctr">
+                    <a:lnL w="6350" cap="flat" cmpd="sng" algn="ctr">
+                      <a:solidFill>
+                        <a:srgbClr val="000000"/>
+                      </a:solidFill>
+                      <a:prstDash val="solid"/>
+                      <a:round/>
+                      <a:headEnd type="none" w="med" len="med"/>
+                      <a:tailEnd type="none" w="med" len="med"/>
+                    </a:lnL>
+                    <a:lnR w="6350" cap="flat" cmpd="sng" algn="ctr">
+                      <a:solidFill>
+                        <a:srgbClr val="000000"/>
+                      </a:solidFill>
+                      <a:prstDash val="solid"/>
+                      <a:round/>
+                      <a:headEnd type="none" w="med" len="med"/>
+                      <a:tailEnd type="none" w="med" len="med"/>
+                    </a:lnR>
+                    <a:lnT w="6350" cap="flat" cmpd="sng" algn="ctr">
+                      <a:solidFill>
+                        <a:srgbClr val="000000"/>
+                      </a:solidFill>
+                      <a:prstDash val="solid"/>
+                      <a:round/>
+                      <a:headEnd type="none" w="med" len="med"/>
+                      <a:tailEnd type="none" w="med" len="med"/>
+                    </a:lnT>
+                    <a:lnB w="6350" cap="flat" cmpd="sng" algn="ctr">
+                      <a:solidFill>
+                        <a:srgbClr val="000000"/>
+                      </a:solidFill>
+                      <a:prstDash val="solid"/>
+                      <a:round/>
+                      <a:headEnd type="none" w="med" len="med"/>
+                      <a:tailEnd type="none" w="med" len="med"/>
+                    </a:lnB>
+                  </a:tcPr>
+                </a:tc>
+                <a:tc>
+                  <a:txBody>
+                    <a:bodyPr/>
+                    <a:lstStyle/>
+                    <a:p>
+                      <a:pPr algn="ctr" fontAlgn="ctr"/>
+                      <a:endParaRPr lang="ko-KR" altLang="en-US" sz="1100" b="0" i="0" u="none" strike="noStrike" dirty="0">
+                        <a:solidFill>
+                          <a:srgbClr val="000000"/>
+                        </a:solidFill>
+                        <a:effectLst/>
+                        <a:latin typeface="맑은 고딕" panose="020B0503020000020004" pitchFamily="50" charset="-127"/>
+                        <a:ea typeface="맑은 고딕" panose="020B0503020000020004" pitchFamily="50" charset="-127"/>
+                      </a:endParaRPr>
+                    </a:p>
+                  </a:txBody>
+                  <a:tcPr marL="9525" marR="9525" marT="9525" marB="0" anchor="ctr">
+                    <a:lnL w="6350" cap="flat" cmpd="sng" algn="ctr">
+                      <a:solidFill>
+                        <a:srgbClr val="000000"/>
+                      </a:solidFill>
+                      <a:prstDash val="solid"/>
+                      <a:round/>
+                      <a:headEnd type="none" w="med" len="med"/>
+                      <a:tailEnd type="none" w="med" len="med"/>
+                    </a:lnL>
+                    <a:lnR w="6350" cap="flat" cmpd="sng" algn="ctr">
+                      <a:solidFill>
+                        <a:srgbClr val="000000"/>
+                      </a:solidFill>
+                      <a:prstDash val="solid"/>
+                      <a:round/>
+                      <a:headEnd type="none" w="med" len="med"/>
+                      <a:tailEnd type="none" w="med" len="med"/>
+                    </a:lnR>
+                    <a:lnT w="6350" cap="flat" cmpd="sng" algn="ctr">
+                      <a:solidFill>
+                        <a:srgbClr val="000000"/>
+                      </a:solidFill>
+                      <a:prstDash val="solid"/>
+                      <a:round/>
+                      <a:headEnd type="none" w="med" len="med"/>
+                      <a:tailEnd type="none" w="med" len="med"/>
+                    </a:lnT>
+                    <a:lnB w="6350" cap="flat" cmpd="sng" algn="ctr">
+                      <a:solidFill>
+                        <a:srgbClr val="000000"/>
+                      </a:solidFill>
+                      <a:prstDash val="solid"/>
+                      <a:round/>
+                      <a:headEnd type="none" w="med" len="med"/>
+                      <a:tailEnd type="none" w="med" len="med"/>
+                    </a:lnB>
+                  </a:tcPr>
+                </a:tc>
+                <a:tc>
+                  <a:txBody>
+                    <a:bodyPr/>
+                    <a:lstStyle/>
+                    <a:p>
+                      <a:pPr algn="ctr" fontAlgn="ctr"/>
+                      <a:endParaRPr lang="ko-KR" altLang="en-US" sz="1100" b="0" i="0" u="none" strike="noStrike" dirty="0">
+                        <a:solidFill>
+                          <a:srgbClr val="000000"/>
+                        </a:solidFill>
+                        <a:effectLst/>
+                        <a:latin typeface="맑은 고딕" panose="020B0503020000020004" pitchFamily="50" charset="-127"/>
+                        <a:ea typeface="맑은 고딕" panose="020B0503020000020004" pitchFamily="50" charset="-127"/>
+                      </a:endParaRPr>
+                    </a:p>
+                  </a:txBody>
+                  <a:tcPr marL="9525" marR="9525" marT="9525" marB="0" anchor="ctr">
+                    <a:lnL w="6350" cap="flat" cmpd="sng" algn="ctr">
+                      <a:solidFill>
+                        <a:srgbClr val="000000"/>
+                      </a:solidFill>
+                      <a:prstDash val="solid"/>
+                      <a:round/>
+                      <a:headEnd type="none" w="med" len="med"/>
+                      <a:tailEnd type="none" w="med" len="med"/>
+                    </a:lnL>
+                    <a:lnR w="6350" cap="flat" cmpd="sng" algn="ctr">
+                      <a:solidFill>
+                        <a:srgbClr val="000000"/>
+                      </a:solidFill>
+                      <a:prstDash val="solid"/>
+                      <a:round/>
+                      <a:headEnd type="none" w="med" len="med"/>
+                      <a:tailEnd type="none" w="med" len="med"/>
+                    </a:lnR>
+                    <a:lnT w="6350" cap="flat" cmpd="sng" algn="ctr">
+                      <a:solidFill>
+                        <a:srgbClr val="000000"/>
+                      </a:solidFill>
+                      <a:prstDash val="solid"/>
+                      <a:round/>
+                      <a:headEnd type="none" w="med" len="med"/>
+                      <a:tailEnd type="none" w="med" len="med"/>
+                    </a:lnT>
+                    <a:lnB w="6350" cap="flat" cmpd="sng" algn="ctr">
+                      <a:solidFill>
+                        <a:srgbClr val="000000"/>
+                      </a:solidFill>
+                      <a:prstDash val="solid"/>
+                      <a:round/>
+                      <a:headEnd type="none" w="med" len="med"/>
+                      <a:tailEnd type="none" w="med" len="med"/>
+                    </a:lnB>
+                  </a:tcPr>
+                </a:tc>
+                <a:extLst>
+                  <a:ext uri="{0D108BD9-81ED-4DB2-BD59-A6C34878D82A}">
+                    <a16:rowId xmlns:a16="http://schemas.microsoft.com/office/drawing/2014/main" val="10002"/>
+                  </a:ext>
+                </a:extLst>
+              </a:tr>
+              <a:tr h="289783">
+                <a:tc vMerge="1">
+                  <a:txBody>
+                    <a:bodyPr/>
+                    <a:lstStyle/>
+                    <a:p>
+                      <a:pPr algn="ctr" fontAlgn="ctr"/>
+                      <a:endParaRPr lang="ko-KR" altLang="en-US" sz="900" b="1" i="0" u="none" strike="noStrike" dirty="0">
+                        <a:solidFill>
+                          <a:srgbClr val="000000"/>
+                        </a:solidFill>
+                        <a:effectLst/>
+                        <a:latin typeface="맑은 고딕" panose="020B0503020000020004" pitchFamily="50" charset="-127"/>
+                        <a:ea typeface="맑은 고딕" panose="020B0503020000020004" pitchFamily="50" charset="-127"/>
+                      </a:endParaRPr>
+                    </a:p>
+                  </a:txBody>
+                  <a:tcPr marL="9525" marR="9525" marT="9525" marB="0" anchor="ctr">
+                    <a:lnL w="6350" cap="flat" cmpd="sng" algn="ctr">
+                      <a:solidFill>
+                        <a:srgbClr val="000000"/>
+                      </a:solidFill>
+                      <a:prstDash val="solid"/>
+                      <a:round/>
+                      <a:headEnd type="none" w="med" len="med"/>
+                      <a:tailEnd type="none" w="med" len="med"/>
+                    </a:lnL>
+                    <a:lnR w="6350" cap="flat" cmpd="sng" algn="ctr">
+                      <a:solidFill>
+                        <a:srgbClr val="000000"/>
+                      </a:solidFill>
+                      <a:prstDash val="solid"/>
+                      <a:round/>
+                      <a:headEnd type="none" w="med" len="med"/>
+                      <a:tailEnd type="none" w="med" len="med"/>
+                    </a:lnR>
+                    <a:lnT w="6350" cap="flat" cmpd="sng" algn="ctr">
+                      <a:solidFill>
+                        <a:srgbClr val="000000"/>
+                      </a:solidFill>
+                      <a:prstDash val="solid"/>
+                      <a:round/>
+                      <a:headEnd type="none" w="med" len="med"/>
+                      <a:tailEnd type="none" w="med" len="med"/>
+                    </a:lnT>
+                    <a:lnB w="6350" cap="flat" cmpd="sng" algn="ctr">
+                      <a:solidFill>
+                        <a:srgbClr val="000000"/>
+                      </a:solidFill>
+                      <a:prstDash val="solid"/>
+                      <a:round/>
+                      <a:headEnd type="none" w="med" len="med"/>
+                      <a:tailEnd type="none" w="med" len="med"/>
+                    </a:lnB>
+                    <a:solidFill>
+                      <a:srgbClr val="D0CECE"/>
+                    </a:solidFill>
+                  </a:tcPr>
+                </a:tc>
+                <a:tc>
+                  <a:txBody>
+                    <a:bodyPr/>
+                    <a:lstStyle/>
+                    <a:p>
+                      <a:pPr algn="ctr" fontAlgn="ctr"/>
                       <a:r>
-                        <a:rPr lang="en-US" altLang="ko-KR" sz="1100" b="0" i="0" u="none" strike="noStrike" dirty="0" smtClean="0">
+                        <a:rPr lang="ko-KR" altLang="en-US" sz="1100" b="0" i="0" u="none" strike="noStrike" dirty="0">
+                          <a:solidFill>
+                            <a:srgbClr val="000000"/>
+                          </a:solidFill>
+                          <a:effectLst/>
+                          <a:latin typeface="맑은 고딕" panose="020B0503020000020004" pitchFamily="50" charset="-127"/>
+                          <a:ea typeface="맑은 고딕" panose="020B0503020000020004" pitchFamily="50" charset="-127"/>
+                        </a:rPr>
+                        <a:t>성명</a:t>
+                      </a:r>
+                    </a:p>
+                  </a:txBody>
+                  <a:tcPr marL="9525" marR="9525" marT="9525" marB="0" anchor="ctr">
+                    <a:lnL w="6350" cap="flat" cmpd="sng" algn="ctr">
+                      <a:solidFill>
+                        <a:srgbClr val="000000"/>
+                      </a:solidFill>
+                      <a:prstDash val="solid"/>
+                      <a:round/>
+                      <a:headEnd type="none" w="med" len="med"/>
+                      <a:tailEnd type="none" w="med" len="med"/>
+                    </a:lnL>
+                    <a:lnR w="6350" cap="flat" cmpd="sng" algn="ctr">
+                      <a:solidFill>
+                        <a:srgbClr val="000000"/>
+                      </a:solidFill>
+                      <a:prstDash val="solid"/>
+                      <a:round/>
+                      <a:headEnd type="none" w="med" len="med"/>
+                      <a:tailEnd type="none" w="med" len="med"/>
+                    </a:lnR>
+                    <a:lnT w="6350" cap="flat" cmpd="sng" algn="ctr">
+                      <a:solidFill>
+                        <a:srgbClr val="000000"/>
+                      </a:solidFill>
+                      <a:prstDash val="solid"/>
+                      <a:round/>
+                      <a:headEnd type="none" w="med" len="med"/>
+                      <a:tailEnd type="none" w="med" len="med"/>
+                    </a:lnT>
+                    <a:lnB w="6350" cap="flat" cmpd="sng" algn="ctr">
+                      <a:solidFill>
+                        <a:srgbClr val="000000"/>
+                      </a:solidFill>
+                      <a:prstDash val="solid"/>
+                      <a:round/>
+                      <a:headEnd type="none" w="med" len="med"/>
+                      <a:tailEnd type="none" w="med" len="med"/>
+                    </a:lnB>
+                  </a:tcPr>
+                </a:tc>
+                <a:tc>
+                  <a:txBody>
+                    <a:bodyPr/>
+                    <a:lstStyle/>
+                    <a:p>
+                      <a:pPr algn="ctr" fontAlgn="ctr"/>
+                      <a:r>
+                        <a:rPr lang="en-US" altLang="ko-KR" sz="1100" b="0" i="0" u="none" strike="noStrike" dirty="0">
+                          <a:solidFill>
+                            <a:srgbClr val="000000"/>
+                          </a:solidFill>
+                          <a:effectLst/>
+                          <a:latin typeface="맑은 고딕" panose="020B0503020000020004" pitchFamily="50" charset="-127"/>
+                          <a:ea typeface="맑은 고딕" panose="020B0503020000020004" pitchFamily="50" charset="-127"/>
+                        </a:rPr>
+                        <a:t>E</a:t>
+                      </a:r>
+                      <a:endParaRPr lang="ko-KR" altLang="en-US" sz="1100" b="0" i="0" u="none" strike="noStrike" dirty="0">
+                        <a:solidFill>
+                          <a:srgbClr val="000000"/>
+                        </a:solidFill>
+                        <a:effectLst/>
+                        <a:latin typeface="맑은 고딕" panose="020B0503020000020004" pitchFamily="50" charset="-127"/>
+                        <a:ea typeface="맑은 고딕" panose="020B0503020000020004" pitchFamily="50" charset="-127"/>
+                      </a:endParaRPr>
+                    </a:p>
+                  </a:txBody>
+                  <a:tcPr marL="9525" marR="9525" marT="9525" marB="0" anchor="ctr">
+                    <a:lnL w="6350" cap="flat" cmpd="sng" algn="ctr">
+                      <a:solidFill>
+                        <a:srgbClr val="000000"/>
+                      </a:solidFill>
+                      <a:prstDash val="solid"/>
+                      <a:round/>
+                      <a:headEnd type="none" w="med" len="med"/>
+                      <a:tailEnd type="none" w="med" len="med"/>
+                    </a:lnL>
+                    <a:lnR w="6350" cap="flat" cmpd="sng" algn="ctr">
+                      <a:solidFill>
+                        <a:srgbClr val="000000"/>
+                      </a:solidFill>
+                      <a:prstDash val="solid"/>
+                      <a:round/>
+                      <a:headEnd type="none" w="med" len="med"/>
+                      <a:tailEnd type="none" w="med" len="med"/>
+                    </a:lnR>
+                    <a:lnT w="6350" cap="flat" cmpd="sng" algn="ctr">
+                      <a:solidFill>
+                        <a:srgbClr val="000000"/>
+                      </a:solidFill>
+                      <a:prstDash val="solid"/>
+                      <a:round/>
+                      <a:headEnd type="none" w="med" len="med"/>
+                      <a:tailEnd type="none" w="med" len="med"/>
+                    </a:lnT>
+                    <a:lnB w="6350" cap="flat" cmpd="sng" algn="ctr">
+                      <a:solidFill>
+                        <a:srgbClr val="000000"/>
+                      </a:solidFill>
+                      <a:prstDash val="solid"/>
+                      <a:round/>
+                      <a:headEnd type="none" w="med" len="med"/>
+                      <a:tailEnd type="none" w="med" len="med"/>
+                    </a:lnB>
+                  </a:tcPr>
+                </a:tc>
+                <a:tc>
+                  <a:txBody>
+                    <a:bodyPr/>
+                    <a:lstStyle/>
+                    <a:p>
+                      <a:pPr algn="ctr" fontAlgn="ctr"/>
+                      <a:endParaRPr lang="ko-KR" altLang="en-US" sz="1100" b="0" i="0" u="none" strike="noStrike" dirty="0">
+                        <a:solidFill>
+                          <a:srgbClr val="000000"/>
+                        </a:solidFill>
+                        <a:effectLst/>
+                        <a:latin typeface="맑은 고딕" panose="020B0503020000020004" pitchFamily="50" charset="-127"/>
+                        <a:ea typeface="맑은 고딕" panose="020B0503020000020004" pitchFamily="50" charset="-127"/>
+                      </a:endParaRPr>
+                    </a:p>
+                  </a:txBody>
+                  <a:tcPr marL="9525" marR="9525" marT="9525" marB="0" anchor="ctr">
+                    <a:lnL w="6350" cap="flat" cmpd="sng" algn="ctr">
+                      <a:solidFill>
+                        <a:srgbClr val="000000"/>
+                      </a:solidFill>
+                      <a:prstDash val="solid"/>
+                      <a:round/>
+                      <a:headEnd type="none" w="med" len="med"/>
+                      <a:tailEnd type="none" w="med" len="med"/>
+                    </a:lnL>
+                    <a:lnR w="6350" cap="flat" cmpd="sng" algn="ctr">
+                      <a:solidFill>
+                        <a:srgbClr val="000000"/>
+                      </a:solidFill>
+                      <a:prstDash val="solid"/>
+                      <a:round/>
+                      <a:headEnd type="none" w="med" len="med"/>
+                      <a:tailEnd type="none" w="med" len="med"/>
+                    </a:lnR>
+                    <a:lnT w="6350" cap="flat" cmpd="sng" algn="ctr">
+                      <a:solidFill>
+                        <a:srgbClr val="000000"/>
+                      </a:solidFill>
+                      <a:prstDash val="solid"/>
+                      <a:round/>
+                      <a:headEnd type="none" w="med" len="med"/>
+                      <a:tailEnd type="none" w="med" len="med"/>
+                    </a:lnT>
+                    <a:lnB w="6350" cap="flat" cmpd="sng" algn="ctr">
+                      <a:solidFill>
+                        <a:srgbClr val="000000"/>
+                      </a:solidFill>
+                      <a:prstDash val="solid"/>
+                      <a:round/>
+                      <a:headEnd type="none" w="med" len="med"/>
+                      <a:tailEnd type="none" w="med" len="med"/>
+                    </a:lnB>
+                  </a:tcPr>
+                </a:tc>
+                <a:tc>
+                  <a:txBody>
+                    <a:bodyPr/>
+                    <a:lstStyle/>
+                    <a:p>
+                      <a:pPr algn="ctr" fontAlgn="ctr"/>
+                      <a:endParaRPr lang="ko-KR" altLang="en-US" sz="1100" b="0" i="0" u="none" strike="noStrike" dirty="0">
+                        <a:solidFill>
+                          <a:srgbClr val="000000"/>
+                        </a:solidFill>
+                        <a:effectLst/>
+                        <a:latin typeface="맑은 고딕" panose="020B0503020000020004" pitchFamily="50" charset="-127"/>
+                        <a:ea typeface="맑은 고딕" panose="020B0503020000020004" pitchFamily="50" charset="-127"/>
+                      </a:endParaRPr>
+                    </a:p>
+                  </a:txBody>
+                  <a:tcPr marL="9525" marR="9525" marT="9525" marB="0" anchor="ctr">
+                    <a:lnL w="6350" cap="flat" cmpd="sng" algn="ctr">
+                      <a:solidFill>
+                        <a:srgbClr val="000000"/>
+                      </a:solidFill>
+                      <a:prstDash val="solid"/>
+                      <a:round/>
+                      <a:headEnd type="none" w="med" len="med"/>
+                      <a:tailEnd type="none" w="med" len="med"/>
+                    </a:lnL>
+                    <a:lnR w="6350" cap="flat" cmpd="sng" algn="ctr">
+                      <a:solidFill>
+                        <a:srgbClr val="000000"/>
+                      </a:solidFill>
+                      <a:prstDash val="solid"/>
+                      <a:round/>
+                      <a:headEnd type="none" w="med" len="med"/>
+                      <a:tailEnd type="none" w="med" len="med"/>
+                    </a:lnR>
+                    <a:lnT w="6350" cap="flat" cmpd="sng" algn="ctr">
+                      <a:solidFill>
+                        <a:srgbClr val="000000"/>
+                      </a:solidFill>
+                      <a:prstDash val="solid"/>
+                      <a:round/>
+                      <a:headEnd type="none" w="med" len="med"/>
+                      <a:tailEnd type="none" w="med" len="med"/>
+                    </a:lnT>
+                    <a:lnB w="6350" cap="flat" cmpd="sng" algn="ctr">
+                      <a:solidFill>
+                        <a:srgbClr val="000000"/>
+                      </a:solidFill>
+                      <a:prstDash val="solid"/>
+                      <a:round/>
+                      <a:headEnd type="none" w="med" len="med"/>
+                      <a:tailEnd type="none" w="med" len="med"/>
+                    </a:lnB>
+                  </a:tcPr>
+                </a:tc>
+                <a:tc>
+                  <a:txBody>
+                    <a:bodyPr/>
+                    <a:lstStyle/>
+                    <a:p>
+                      <a:pPr algn="ctr" fontAlgn="ctr"/>
+                      <a:endParaRPr lang="ko-KR" altLang="en-US" sz="1100" b="0" i="0" u="none" strike="noStrike" dirty="0">
+                        <a:solidFill>
+                          <a:srgbClr val="000000"/>
+                        </a:solidFill>
+                        <a:effectLst/>
+                        <a:latin typeface="맑은 고딕" panose="020B0503020000020004" pitchFamily="50" charset="-127"/>
+                        <a:ea typeface="맑은 고딕" panose="020B0503020000020004" pitchFamily="50" charset="-127"/>
+                      </a:endParaRPr>
+                    </a:p>
+                  </a:txBody>
+                  <a:tcPr marL="9525" marR="9525" marT="9525" marB="0" anchor="ctr">
+                    <a:lnL w="6350" cap="flat" cmpd="sng" algn="ctr">
+                      <a:solidFill>
+                        <a:srgbClr val="000000"/>
+                      </a:solidFill>
+                      <a:prstDash val="solid"/>
+                      <a:round/>
+                      <a:headEnd type="none" w="med" len="med"/>
+                      <a:tailEnd type="none" w="med" len="med"/>
+                    </a:lnL>
+                    <a:lnR w="6350" cap="flat" cmpd="sng" algn="ctr">
+                      <a:solidFill>
+                        <a:srgbClr val="000000"/>
+                      </a:solidFill>
+                      <a:prstDash val="solid"/>
+                      <a:round/>
+                      <a:headEnd type="none" w="med" len="med"/>
+                      <a:tailEnd type="none" w="med" len="med"/>
+                    </a:lnR>
+                    <a:lnT w="6350" cap="flat" cmpd="sng" algn="ctr">
+                      <a:solidFill>
+                        <a:srgbClr val="000000"/>
+                      </a:solidFill>
+                      <a:prstDash val="solid"/>
+                      <a:round/>
+                      <a:headEnd type="none" w="med" len="med"/>
+                      <a:tailEnd type="none" w="med" len="med"/>
+                    </a:lnT>
+                    <a:lnB w="6350" cap="flat" cmpd="sng" algn="ctr">
+                      <a:solidFill>
+                        <a:srgbClr val="000000"/>
+                      </a:solidFill>
+                      <a:prstDash val="solid"/>
+                      <a:round/>
+                      <a:headEnd type="none" w="med" len="med"/>
+                      <a:tailEnd type="none" w="med" len="med"/>
+                    </a:lnB>
+                  </a:tcPr>
+                </a:tc>
+                <a:extLst>
+                  <a:ext uri="{0D108BD9-81ED-4DB2-BD59-A6C34878D82A}">
+                    <a16:rowId xmlns:a16="http://schemas.microsoft.com/office/drawing/2014/main" val="10003"/>
+                  </a:ext>
+                </a:extLst>
+              </a:tr>
+              <a:tr h="252756">
+                <a:tc vMerge="1">
+                  <a:txBody>
+                    <a:bodyPr/>
+                    <a:lstStyle/>
+                    <a:p>
+                      <a:pPr algn="ctr" fontAlgn="ctr"/>
+                      <a:endParaRPr lang="ko-KR" altLang="en-US" sz="900" b="1" i="0" u="none" strike="noStrike" dirty="0">
+                        <a:solidFill>
+                          <a:srgbClr val="000000"/>
+                        </a:solidFill>
+                        <a:effectLst/>
+                        <a:latin typeface="맑은 고딕" panose="020B0503020000020004" pitchFamily="50" charset="-127"/>
+                        <a:ea typeface="맑은 고딕" panose="020B0503020000020004" pitchFamily="50" charset="-127"/>
+                      </a:endParaRPr>
+                    </a:p>
+                  </a:txBody>
+                  <a:tcPr marL="9525" marR="9525" marT="9525" marB="0" anchor="ctr">
+                    <a:lnL w="6350" cap="flat" cmpd="sng" algn="ctr">
+                      <a:solidFill>
+                        <a:srgbClr val="000000"/>
+                      </a:solidFill>
+                      <a:prstDash val="solid"/>
+                      <a:round/>
+                      <a:headEnd type="none" w="med" len="med"/>
+                      <a:tailEnd type="none" w="med" len="med"/>
+                    </a:lnL>
+                    <a:lnR w="6350" cap="flat" cmpd="sng" algn="ctr">
+                      <a:solidFill>
+                        <a:srgbClr val="000000"/>
+                      </a:solidFill>
+                      <a:prstDash val="solid"/>
+                      <a:round/>
+                      <a:headEnd type="none" w="med" len="med"/>
+                      <a:tailEnd type="none" w="med" len="med"/>
+                    </a:lnR>
+                    <a:lnT w="6350" cap="flat" cmpd="sng" algn="ctr">
+                      <a:solidFill>
+                        <a:srgbClr val="000000"/>
+                      </a:solidFill>
+                      <a:prstDash val="solid"/>
+                      <a:round/>
+                      <a:headEnd type="none" w="med" len="med"/>
+                      <a:tailEnd type="none" w="med" len="med"/>
+                    </a:lnT>
+                    <a:lnB w="6350" cap="flat" cmpd="sng" algn="ctr">
+                      <a:solidFill>
+                        <a:srgbClr val="000000"/>
+                      </a:solidFill>
+                      <a:prstDash val="solid"/>
+                      <a:round/>
+                      <a:headEnd type="none" w="med" len="med"/>
+                      <a:tailEnd type="none" w="med" len="med"/>
+                    </a:lnB>
+                    <a:solidFill>
+                      <a:srgbClr val="D0CECE"/>
+                    </a:solidFill>
+                  </a:tcPr>
+                </a:tc>
+                <a:tc>
+                  <a:txBody>
+                    <a:bodyPr/>
+                    <a:lstStyle/>
+                    <a:p>
+                      <a:pPr algn="ctr" fontAlgn="ctr"/>
+                      <a:r>
+                        <a:rPr lang="ko-KR" altLang="en-US" sz="1100" b="0" i="0" u="none" strike="noStrike" dirty="0">
+                          <a:solidFill>
+                            <a:srgbClr val="000000"/>
+                          </a:solidFill>
+                          <a:effectLst/>
+                          <a:latin typeface="맑은 고딕" panose="020B0503020000020004" pitchFamily="50" charset="-127"/>
+                          <a:ea typeface="맑은 고딕" panose="020B0503020000020004" pitchFamily="50" charset="-127"/>
+                        </a:rPr>
+                        <a:t>스킬</a:t>
+                      </a:r>
+                    </a:p>
+                  </a:txBody>
+                  <a:tcPr marL="9525" marR="9525" marT="9525" marB="0" anchor="ctr">
+                    <a:lnL w="6350" cap="flat" cmpd="sng" algn="ctr">
+                      <a:solidFill>
+                        <a:srgbClr val="000000"/>
+                      </a:solidFill>
+                      <a:prstDash val="solid"/>
+                      <a:round/>
+                      <a:headEnd type="none" w="med" len="med"/>
+                      <a:tailEnd type="none" w="med" len="med"/>
+                    </a:lnL>
+                    <a:lnR w="6350" cap="flat" cmpd="sng" algn="ctr">
+                      <a:solidFill>
+                        <a:srgbClr val="000000"/>
+                      </a:solidFill>
+                      <a:prstDash val="solid"/>
+                      <a:round/>
+                      <a:headEnd type="none" w="med" len="med"/>
+                      <a:tailEnd type="none" w="med" len="med"/>
+                    </a:lnR>
+                    <a:lnT w="6350" cap="flat" cmpd="sng" algn="ctr">
+                      <a:solidFill>
+                        <a:srgbClr val="000000"/>
+                      </a:solidFill>
+                      <a:prstDash val="solid"/>
+                      <a:round/>
+                      <a:headEnd type="none" w="med" len="med"/>
+                      <a:tailEnd type="none" w="med" len="med"/>
+                    </a:lnT>
+                    <a:lnB w="6350" cap="flat" cmpd="sng" algn="ctr">
+                      <a:solidFill>
+                        <a:srgbClr val="000000"/>
+                      </a:solidFill>
+                      <a:prstDash val="solid"/>
+                      <a:round/>
+                      <a:headEnd type="none" w="med" len="med"/>
+                      <a:tailEnd type="none" w="med" len="med"/>
+                    </a:lnB>
+                  </a:tcPr>
+                </a:tc>
+                <a:tc>
+                  <a:txBody>
+                    <a:bodyPr/>
+                    <a:lstStyle/>
+                    <a:p>
+                      <a:pPr algn="ctr" fontAlgn="ctr"/>
+                      <a:r>
+                        <a:rPr lang="en-US" altLang="ko-KR" sz="1100" b="0" i="0" u="none" strike="noStrike" dirty="0">
+                          <a:solidFill>
+                            <a:srgbClr val="000000"/>
+                          </a:solidFill>
+                          <a:effectLst/>
+                          <a:latin typeface="맑은 고딕" panose="020B0503020000020004" pitchFamily="50" charset="-127"/>
+                          <a:ea typeface="맑은 고딕" panose="020B0503020000020004" pitchFamily="50" charset="-127"/>
+                        </a:rPr>
+                        <a:t>S</a:t>
+                      </a:r>
+                      <a:endParaRPr lang="ko-KR" altLang="en-US" sz="1100" b="0" i="0" u="none" strike="noStrike" dirty="0">
+                        <a:solidFill>
+                          <a:srgbClr val="000000"/>
+                        </a:solidFill>
+                        <a:effectLst/>
+                        <a:latin typeface="맑은 고딕" panose="020B0503020000020004" pitchFamily="50" charset="-127"/>
+                        <a:ea typeface="맑은 고딕" panose="020B0503020000020004" pitchFamily="50" charset="-127"/>
+                      </a:endParaRPr>
+                    </a:p>
+                  </a:txBody>
+                  <a:tcPr marL="9525" marR="9525" marT="9525" marB="0" anchor="ctr">
+                    <a:lnL w="6350" cap="flat" cmpd="sng" algn="ctr">
+                      <a:solidFill>
+                        <a:srgbClr val="000000"/>
+                      </a:solidFill>
+                      <a:prstDash val="solid"/>
+                      <a:round/>
+                      <a:headEnd type="none" w="med" len="med"/>
+                      <a:tailEnd type="none" w="med" len="med"/>
+                    </a:lnL>
+                    <a:lnR w="6350" cap="flat" cmpd="sng" algn="ctr">
+                      <a:solidFill>
+                        <a:srgbClr val="000000"/>
+                      </a:solidFill>
+                      <a:prstDash val="solid"/>
+                      <a:round/>
+                      <a:headEnd type="none" w="med" len="med"/>
+                      <a:tailEnd type="none" w="med" len="med"/>
+                    </a:lnR>
+                    <a:lnT w="6350" cap="flat" cmpd="sng" algn="ctr">
+                      <a:solidFill>
+                        <a:srgbClr val="000000"/>
+                      </a:solidFill>
+                      <a:prstDash val="solid"/>
+                      <a:round/>
+                      <a:headEnd type="none" w="med" len="med"/>
+                      <a:tailEnd type="none" w="med" len="med"/>
+                    </a:lnT>
+                    <a:lnB w="6350" cap="flat" cmpd="sng" algn="ctr">
+                      <a:solidFill>
+                        <a:srgbClr val="000000"/>
+                      </a:solidFill>
+                      <a:prstDash val="solid"/>
+                      <a:round/>
+                      <a:headEnd type="none" w="med" len="med"/>
+                      <a:tailEnd type="none" w="med" len="med"/>
+                    </a:lnB>
+                  </a:tcPr>
+                </a:tc>
+                <a:tc>
+                  <a:txBody>
+                    <a:bodyPr/>
+                    <a:lstStyle/>
+                    <a:p>
+                      <a:pPr algn="ctr" fontAlgn="ctr"/>
+                      <a:endParaRPr lang="ko-KR" altLang="en-US" sz="1100" b="0" i="0" u="none" strike="noStrike" dirty="0">
+                        <a:solidFill>
+                          <a:srgbClr val="000000"/>
+                        </a:solidFill>
+                        <a:effectLst/>
+                        <a:latin typeface="맑은 고딕" panose="020B0503020000020004" pitchFamily="50" charset="-127"/>
+                        <a:ea typeface="맑은 고딕" panose="020B0503020000020004" pitchFamily="50" charset="-127"/>
+                      </a:endParaRPr>
+                    </a:p>
+                  </a:txBody>
+                  <a:tcPr marL="9525" marR="9525" marT="9525" marB="0" anchor="ctr">
+                    <a:lnL w="6350" cap="flat" cmpd="sng" algn="ctr">
+                      <a:solidFill>
+                        <a:srgbClr val="000000"/>
+                      </a:solidFill>
+                      <a:prstDash val="solid"/>
+                      <a:round/>
+                      <a:headEnd type="none" w="med" len="med"/>
+                      <a:tailEnd type="none" w="med" len="med"/>
+                    </a:lnL>
+                    <a:lnR w="6350" cap="flat" cmpd="sng" algn="ctr">
+                      <a:solidFill>
+                        <a:srgbClr val="000000"/>
+                      </a:solidFill>
+                      <a:prstDash val="solid"/>
+                      <a:round/>
+                      <a:headEnd type="none" w="med" len="med"/>
+                      <a:tailEnd type="none" w="med" len="med"/>
+                    </a:lnR>
+                    <a:lnT w="6350" cap="flat" cmpd="sng" algn="ctr">
+                      <a:solidFill>
+                        <a:srgbClr val="000000"/>
+                      </a:solidFill>
+                      <a:prstDash val="solid"/>
+                      <a:round/>
+                      <a:headEnd type="none" w="med" len="med"/>
+                      <a:tailEnd type="none" w="med" len="med"/>
+                    </a:lnT>
+                    <a:lnB w="6350" cap="flat" cmpd="sng" algn="ctr">
+                      <a:solidFill>
+                        <a:srgbClr val="000000"/>
+                      </a:solidFill>
+                      <a:prstDash val="solid"/>
+                      <a:round/>
+                      <a:headEnd type="none" w="med" len="med"/>
+                      <a:tailEnd type="none" w="med" len="med"/>
+                    </a:lnB>
+                  </a:tcPr>
+                </a:tc>
+                <a:tc>
+                  <a:txBody>
+                    <a:bodyPr/>
+                    <a:lstStyle/>
+                    <a:p>
+                      <a:pPr algn="ctr" fontAlgn="ctr"/>
+                      <a:endParaRPr lang="ko-KR" altLang="en-US" sz="1100" b="0" i="0" u="none" strike="noStrike" dirty="0">
+                        <a:solidFill>
+                          <a:srgbClr val="000000"/>
+                        </a:solidFill>
+                        <a:effectLst/>
+                        <a:latin typeface="맑은 고딕" panose="020B0503020000020004" pitchFamily="50" charset="-127"/>
+                        <a:ea typeface="맑은 고딕" panose="020B0503020000020004" pitchFamily="50" charset="-127"/>
+                      </a:endParaRPr>
+                    </a:p>
+                  </a:txBody>
+                  <a:tcPr marL="9525" marR="9525" marT="9525" marB="0" anchor="ctr">
+                    <a:lnL w="6350" cap="flat" cmpd="sng" algn="ctr">
+                      <a:solidFill>
+                        <a:srgbClr val="000000"/>
+                      </a:solidFill>
+                      <a:prstDash val="solid"/>
+                      <a:round/>
+                      <a:headEnd type="none" w="med" len="med"/>
+                      <a:tailEnd type="none" w="med" len="med"/>
+                    </a:lnL>
+                    <a:lnR w="6350" cap="flat" cmpd="sng" algn="ctr">
+                      <a:solidFill>
+                        <a:srgbClr val="000000"/>
+                      </a:solidFill>
+                      <a:prstDash val="solid"/>
+                      <a:round/>
+                      <a:headEnd type="none" w="med" len="med"/>
+                      <a:tailEnd type="none" w="med" len="med"/>
+                    </a:lnR>
+                    <a:lnT w="6350" cap="flat" cmpd="sng" algn="ctr">
+                      <a:solidFill>
+                        <a:srgbClr val="000000"/>
+                      </a:solidFill>
+                      <a:prstDash val="solid"/>
+                      <a:round/>
+                      <a:headEnd type="none" w="med" len="med"/>
+                      <a:tailEnd type="none" w="med" len="med"/>
+                    </a:lnT>
+                    <a:lnB w="6350" cap="flat" cmpd="sng" algn="ctr">
+                      <a:solidFill>
+                        <a:srgbClr val="000000"/>
+                      </a:solidFill>
+                      <a:prstDash val="solid"/>
+                      <a:round/>
+                      <a:headEnd type="none" w="med" len="med"/>
+                      <a:tailEnd type="none" w="med" len="med"/>
+                    </a:lnB>
+                  </a:tcPr>
+                </a:tc>
+                <a:tc>
+                  <a:txBody>
+                    <a:bodyPr/>
+                    <a:lstStyle/>
+                    <a:p>
+                      <a:pPr algn="ctr" fontAlgn="ctr"/>
+                      <a:endParaRPr lang="ko-KR" altLang="en-US" sz="1100" b="0" i="0" u="none" strike="noStrike" dirty="0">
+                        <a:solidFill>
+                          <a:srgbClr val="000000"/>
+                        </a:solidFill>
+                        <a:effectLst/>
+                        <a:latin typeface="맑은 고딕" panose="020B0503020000020004" pitchFamily="50" charset="-127"/>
+                        <a:ea typeface="맑은 고딕" panose="020B0503020000020004" pitchFamily="50" charset="-127"/>
+                      </a:endParaRPr>
+                    </a:p>
+                  </a:txBody>
+                  <a:tcPr marL="9525" marR="9525" marT="9525" marB="0" anchor="ctr">
+                    <a:lnL w="6350" cap="flat" cmpd="sng" algn="ctr">
+                      <a:solidFill>
+                        <a:srgbClr val="000000"/>
+                      </a:solidFill>
+                      <a:prstDash val="solid"/>
+                      <a:round/>
+                      <a:headEnd type="none" w="med" len="med"/>
+                      <a:tailEnd type="none" w="med" len="med"/>
+                    </a:lnL>
+                    <a:lnR w="6350" cap="flat" cmpd="sng" algn="ctr">
+                      <a:solidFill>
+                        <a:srgbClr val="000000"/>
+                      </a:solidFill>
+                      <a:prstDash val="solid"/>
+                      <a:round/>
+                      <a:headEnd type="none" w="med" len="med"/>
+                      <a:tailEnd type="none" w="med" len="med"/>
+                    </a:lnR>
+                    <a:lnT w="6350" cap="flat" cmpd="sng" algn="ctr">
+                      <a:solidFill>
+                        <a:srgbClr val="000000"/>
+                      </a:solidFill>
+                      <a:prstDash val="solid"/>
+                      <a:round/>
+                      <a:headEnd type="none" w="med" len="med"/>
+                      <a:tailEnd type="none" w="med" len="med"/>
+                    </a:lnT>
+                    <a:lnB w="6350" cap="flat" cmpd="sng" algn="ctr">
+                      <a:solidFill>
+                        <a:srgbClr val="000000"/>
+                      </a:solidFill>
+                      <a:prstDash val="solid"/>
+                      <a:round/>
+                      <a:headEnd type="none" w="med" len="med"/>
+                      <a:tailEnd type="none" w="med" len="med"/>
+                    </a:lnB>
+                  </a:tcPr>
+                </a:tc>
+                <a:extLst>
+                  <a:ext uri="{0D108BD9-81ED-4DB2-BD59-A6C34878D82A}">
+                    <a16:rowId xmlns:a16="http://schemas.microsoft.com/office/drawing/2014/main" val="10004"/>
+                  </a:ext>
+                </a:extLst>
+              </a:tr>
+              <a:tr h="252756">
+                <a:tc vMerge="1">
+                  <a:txBody>
+                    <a:bodyPr/>
+                    <a:lstStyle/>
+                    <a:p>
+                      <a:pPr algn="ctr" fontAlgn="ctr"/>
+                      <a:endParaRPr lang="ko-KR" altLang="en-US" sz="900" b="1" i="0" u="none" strike="noStrike" dirty="0">
+                        <a:solidFill>
+                          <a:srgbClr val="000000"/>
+                        </a:solidFill>
+                        <a:effectLst/>
+                        <a:latin typeface="맑은 고딕" panose="020B0503020000020004" pitchFamily="50" charset="-127"/>
+                        <a:ea typeface="맑은 고딕" panose="020B0503020000020004" pitchFamily="50" charset="-127"/>
+                      </a:endParaRPr>
+                    </a:p>
+                  </a:txBody>
+                  <a:tcPr marL="9525" marR="9525" marT="9525" marB="0" anchor="ctr">
+                    <a:lnL w="6350" cap="flat" cmpd="sng" algn="ctr">
+                      <a:solidFill>
+                        <a:srgbClr val="000000"/>
+                      </a:solidFill>
+                      <a:prstDash val="solid"/>
+                      <a:round/>
+                      <a:headEnd type="none" w="med" len="med"/>
+                      <a:tailEnd type="none" w="med" len="med"/>
+                    </a:lnL>
+                    <a:lnR w="6350" cap="flat" cmpd="sng" algn="ctr">
+                      <a:solidFill>
+                        <a:srgbClr val="000000"/>
+                      </a:solidFill>
+                      <a:prstDash val="solid"/>
+                      <a:round/>
+                      <a:headEnd type="none" w="med" len="med"/>
+                      <a:tailEnd type="none" w="med" len="med"/>
+                    </a:lnR>
+                    <a:lnT w="6350" cap="flat" cmpd="sng" algn="ctr">
+                      <a:solidFill>
+                        <a:srgbClr val="000000"/>
+                      </a:solidFill>
+                      <a:prstDash val="solid"/>
+                      <a:round/>
+                      <a:headEnd type="none" w="med" len="med"/>
+                      <a:tailEnd type="none" w="med" len="med"/>
+                    </a:lnT>
+                    <a:lnB w="6350" cap="flat" cmpd="sng" algn="ctr">
+                      <a:solidFill>
+                        <a:srgbClr val="000000"/>
+                      </a:solidFill>
+                      <a:prstDash val="solid"/>
+                      <a:round/>
+                      <a:headEnd type="none" w="med" len="med"/>
+                      <a:tailEnd type="none" w="med" len="med"/>
+                    </a:lnB>
+                    <a:solidFill>
+                      <a:srgbClr val="D0CECE"/>
+                    </a:solidFill>
+                  </a:tcPr>
+                </a:tc>
+                <a:tc>
+                  <a:txBody>
+                    <a:bodyPr/>
+                    <a:lstStyle/>
+                    <a:p>
+                      <a:pPr algn="ctr" fontAlgn="ctr"/>
+                      <a:r>
+                        <a:rPr lang="ko-KR" altLang="en-US" sz="1100" b="0" i="0" u="none" strike="noStrike" dirty="0">
+                          <a:solidFill>
+                            <a:srgbClr val="000000"/>
+                          </a:solidFill>
+                          <a:effectLst/>
+                          <a:latin typeface="맑은 고딕" panose="020B0503020000020004" pitchFamily="50" charset="-127"/>
+                          <a:ea typeface="맑은 고딕" panose="020B0503020000020004" pitchFamily="50" charset="-127"/>
+                        </a:rPr>
+                        <a:t>스킬 내용</a:t>
+                      </a:r>
+                    </a:p>
+                  </a:txBody>
+                  <a:tcPr marL="9525" marR="9525" marT="9525" marB="0" anchor="ctr">
+                    <a:lnL w="6350" cap="flat" cmpd="sng" algn="ctr">
+                      <a:solidFill>
+                        <a:srgbClr val="000000"/>
+                      </a:solidFill>
+                      <a:prstDash val="solid"/>
+                      <a:round/>
+                      <a:headEnd type="none" w="med" len="med"/>
+                      <a:tailEnd type="none" w="med" len="med"/>
+                    </a:lnL>
+                    <a:lnR w="6350" cap="flat" cmpd="sng" algn="ctr">
+                      <a:solidFill>
+                        <a:srgbClr val="000000"/>
+                      </a:solidFill>
+                      <a:prstDash val="solid"/>
+                      <a:round/>
+                      <a:headEnd type="none" w="med" len="med"/>
+                      <a:tailEnd type="none" w="med" len="med"/>
+                    </a:lnR>
+                    <a:lnT w="6350" cap="flat" cmpd="sng" algn="ctr">
+                      <a:solidFill>
+                        <a:srgbClr val="000000"/>
+                      </a:solidFill>
+                      <a:prstDash val="solid"/>
+                      <a:round/>
+                      <a:headEnd type="none" w="med" len="med"/>
+                      <a:tailEnd type="none" w="med" len="med"/>
+                    </a:lnT>
+                    <a:lnB w="6350" cap="flat" cmpd="sng" algn="ctr">
+                      <a:solidFill>
+                        <a:srgbClr val="000000"/>
+                      </a:solidFill>
+                      <a:prstDash val="solid"/>
+                      <a:round/>
+                      <a:headEnd type="none" w="med" len="med"/>
+                      <a:tailEnd type="none" w="med" len="med"/>
+                    </a:lnB>
+                  </a:tcPr>
+                </a:tc>
+                <a:tc>
+                  <a:txBody>
+                    <a:bodyPr/>
+                    <a:lstStyle/>
+                    <a:p>
+                      <a:pPr algn="ctr" fontAlgn="ctr"/>
+                      <a:r>
+                        <a:rPr lang="en-US" altLang="ko-KR" sz="1100" b="0" i="0" u="none" strike="noStrike" dirty="0">
+                          <a:solidFill>
+                            <a:srgbClr val="000000"/>
+                          </a:solidFill>
+                          <a:effectLst/>
+                          <a:latin typeface="맑은 고딕" panose="020B0503020000020004" pitchFamily="50" charset="-127"/>
+                          <a:ea typeface="맑은 고딕" panose="020B0503020000020004" pitchFamily="50" charset="-127"/>
+                        </a:rPr>
+                        <a:t>E</a:t>
+                      </a:r>
+                      <a:endParaRPr lang="ko-KR" altLang="en-US" sz="1100" b="0" i="0" u="none" strike="noStrike" dirty="0">
+                        <a:solidFill>
+                          <a:srgbClr val="000000"/>
+                        </a:solidFill>
+                        <a:effectLst/>
+                        <a:latin typeface="맑은 고딕" panose="020B0503020000020004" pitchFamily="50" charset="-127"/>
+                        <a:ea typeface="맑은 고딕" panose="020B0503020000020004" pitchFamily="50" charset="-127"/>
+                      </a:endParaRPr>
+                    </a:p>
+                  </a:txBody>
+                  <a:tcPr marL="9525" marR="9525" marT="9525" marB="0" anchor="ctr">
+                    <a:lnL w="6350" cap="flat" cmpd="sng" algn="ctr">
+                      <a:solidFill>
+                        <a:srgbClr val="000000"/>
+                      </a:solidFill>
+                      <a:prstDash val="solid"/>
+                      <a:round/>
+                      <a:headEnd type="none" w="med" len="med"/>
+                      <a:tailEnd type="none" w="med" len="med"/>
+                    </a:lnL>
+                    <a:lnR w="6350" cap="flat" cmpd="sng" algn="ctr">
+                      <a:solidFill>
+                        <a:srgbClr val="000000"/>
+                      </a:solidFill>
+                      <a:prstDash val="solid"/>
+                      <a:round/>
+                      <a:headEnd type="none" w="med" len="med"/>
+                      <a:tailEnd type="none" w="med" len="med"/>
+                    </a:lnR>
+                    <a:lnT w="6350" cap="flat" cmpd="sng" algn="ctr">
+                      <a:solidFill>
+                        <a:srgbClr val="000000"/>
+                      </a:solidFill>
+                      <a:prstDash val="solid"/>
+                      <a:round/>
+                      <a:headEnd type="none" w="med" len="med"/>
+                      <a:tailEnd type="none" w="med" len="med"/>
+                    </a:lnT>
+                    <a:lnB w="6350" cap="flat" cmpd="sng" algn="ctr">
+                      <a:solidFill>
+                        <a:srgbClr val="000000"/>
+                      </a:solidFill>
+                      <a:prstDash val="solid"/>
+                      <a:round/>
+                      <a:headEnd type="none" w="med" len="med"/>
+                      <a:tailEnd type="none" w="med" len="med"/>
+                    </a:lnB>
+                  </a:tcPr>
+                </a:tc>
+                <a:tc>
+                  <a:txBody>
+                    <a:bodyPr/>
+                    <a:lstStyle/>
+                    <a:p>
+                      <a:pPr algn="ctr" fontAlgn="ctr"/>
+                      <a:endParaRPr lang="ko-KR" altLang="en-US" sz="1100" b="0" i="0" u="none" strike="noStrike" dirty="0">
+                        <a:solidFill>
+                          <a:srgbClr val="000000"/>
+                        </a:solidFill>
+                        <a:effectLst/>
+                        <a:latin typeface="맑은 고딕" panose="020B0503020000020004" pitchFamily="50" charset="-127"/>
+                        <a:ea typeface="맑은 고딕" panose="020B0503020000020004" pitchFamily="50" charset="-127"/>
+                      </a:endParaRPr>
+                    </a:p>
+                  </a:txBody>
+                  <a:tcPr marL="9525" marR="9525" marT="9525" marB="0" anchor="ctr">
+                    <a:lnL w="6350" cap="flat" cmpd="sng" algn="ctr">
+                      <a:solidFill>
+                        <a:srgbClr val="000000"/>
+                      </a:solidFill>
+                      <a:prstDash val="solid"/>
+                      <a:round/>
+                      <a:headEnd type="none" w="med" len="med"/>
+                      <a:tailEnd type="none" w="med" len="med"/>
+                    </a:lnL>
+                    <a:lnR w="6350" cap="flat" cmpd="sng" algn="ctr">
+                      <a:solidFill>
+                        <a:srgbClr val="000000"/>
+                      </a:solidFill>
+                      <a:prstDash val="solid"/>
+                      <a:round/>
+                      <a:headEnd type="none" w="med" len="med"/>
+                      <a:tailEnd type="none" w="med" len="med"/>
+                    </a:lnR>
+                    <a:lnT w="6350" cap="flat" cmpd="sng" algn="ctr">
+                      <a:solidFill>
+                        <a:srgbClr val="000000"/>
+                      </a:solidFill>
+                      <a:prstDash val="solid"/>
+                      <a:round/>
+                      <a:headEnd type="none" w="med" len="med"/>
+                      <a:tailEnd type="none" w="med" len="med"/>
+                    </a:lnT>
+                    <a:lnB w="6350" cap="flat" cmpd="sng" algn="ctr">
+                      <a:solidFill>
+                        <a:srgbClr val="000000"/>
+                      </a:solidFill>
+                      <a:prstDash val="solid"/>
+                      <a:round/>
+                      <a:headEnd type="none" w="med" len="med"/>
+                      <a:tailEnd type="none" w="med" len="med"/>
+                    </a:lnB>
+                  </a:tcPr>
+                </a:tc>
+                <a:tc>
+                  <a:txBody>
+                    <a:bodyPr/>
+                    <a:lstStyle/>
+                    <a:p>
+                      <a:pPr algn="ctr" fontAlgn="ctr"/>
+                      <a:endParaRPr lang="ko-KR" altLang="en-US" sz="1100" b="0" i="0" u="none" strike="noStrike" dirty="0">
+                        <a:solidFill>
+                          <a:srgbClr val="000000"/>
+                        </a:solidFill>
+                        <a:effectLst/>
+                        <a:latin typeface="맑은 고딕" panose="020B0503020000020004" pitchFamily="50" charset="-127"/>
+                        <a:ea typeface="맑은 고딕" panose="020B0503020000020004" pitchFamily="50" charset="-127"/>
+                      </a:endParaRPr>
+                    </a:p>
+                  </a:txBody>
+                  <a:tcPr marL="9525" marR="9525" marT="9525" marB="0" anchor="ctr">
+                    <a:lnL w="6350" cap="flat" cmpd="sng" algn="ctr">
+                      <a:solidFill>
+                        <a:srgbClr val="000000"/>
+                      </a:solidFill>
+                      <a:prstDash val="solid"/>
+                      <a:round/>
+                      <a:headEnd type="none" w="med" len="med"/>
+                      <a:tailEnd type="none" w="med" len="med"/>
+                    </a:lnL>
+                    <a:lnR w="6350" cap="flat" cmpd="sng" algn="ctr">
+                      <a:solidFill>
+                        <a:srgbClr val="000000"/>
+                      </a:solidFill>
+                      <a:prstDash val="solid"/>
+                      <a:round/>
+                      <a:headEnd type="none" w="med" len="med"/>
+                      <a:tailEnd type="none" w="med" len="med"/>
+                    </a:lnR>
+                    <a:lnT w="6350" cap="flat" cmpd="sng" algn="ctr">
+                      <a:solidFill>
+                        <a:srgbClr val="000000"/>
+                      </a:solidFill>
+                      <a:prstDash val="solid"/>
+                      <a:round/>
+                      <a:headEnd type="none" w="med" len="med"/>
+                      <a:tailEnd type="none" w="med" len="med"/>
+                    </a:lnT>
+                    <a:lnB w="6350" cap="flat" cmpd="sng" algn="ctr">
+                      <a:solidFill>
+                        <a:srgbClr val="000000"/>
+                      </a:solidFill>
+                      <a:prstDash val="solid"/>
+                      <a:round/>
+                      <a:headEnd type="none" w="med" len="med"/>
+                      <a:tailEnd type="none" w="med" len="med"/>
+                    </a:lnB>
+                  </a:tcPr>
+                </a:tc>
+                <a:tc>
+                  <a:txBody>
+                    <a:bodyPr/>
+                    <a:lstStyle/>
+                    <a:p>
+                      <a:pPr algn="ctr" fontAlgn="ctr"/>
+                      <a:endParaRPr lang="ko-KR" altLang="en-US" sz="1100" b="0" i="0" u="none" strike="noStrike" dirty="0">
+                        <a:solidFill>
+                          <a:srgbClr val="000000"/>
+                        </a:solidFill>
+                        <a:effectLst/>
+                        <a:latin typeface="맑은 고딕" panose="020B0503020000020004" pitchFamily="50" charset="-127"/>
+                        <a:ea typeface="맑은 고딕" panose="020B0503020000020004" pitchFamily="50" charset="-127"/>
+                      </a:endParaRPr>
+                    </a:p>
+                  </a:txBody>
+                  <a:tcPr marL="9525" marR="9525" marT="9525" marB="0" anchor="ctr">
+                    <a:lnL w="6350" cap="flat" cmpd="sng" algn="ctr">
+                      <a:solidFill>
+                        <a:srgbClr val="000000"/>
+                      </a:solidFill>
+                      <a:prstDash val="solid"/>
+                      <a:round/>
+                      <a:headEnd type="none" w="med" len="med"/>
+                      <a:tailEnd type="none" w="med" len="med"/>
+                    </a:lnL>
+                    <a:lnR w="6350" cap="flat" cmpd="sng" algn="ctr">
+                      <a:solidFill>
+                        <a:srgbClr val="000000"/>
+                      </a:solidFill>
+                      <a:prstDash val="solid"/>
+                      <a:round/>
+                      <a:headEnd type="none" w="med" len="med"/>
+                      <a:tailEnd type="none" w="med" len="med"/>
+                    </a:lnR>
+                    <a:lnT w="6350" cap="flat" cmpd="sng" algn="ctr">
+                      <a:solidFill>
+                        <a:srgbClr val="000000"/>
+                      </a:solidFill>
+                      <a:prstDash val="solid"/>
+                      <a:round/>
+                      <a:headEnd type="none" w="med" len="med"/>
+                      <a:tailEnd type="none" w="med" len="med"/>
+                    </a:lnT>
+                    <a:lnB w="6350" cap="flat" cmpd="sng" algn="ctr">
+                      <a:solidFill>
+                        <a:srgbClr val="000000"/>
+                      </a:solidFill>
+                      <a:prstDash val="solid"/>
+                      <a:round/>
+                      <a:headEnd type="none" w="med" len="med"/>
+                      <a:tailEnd type="none" w="med" len="med"/>
+                    </a:lnB>
+                  </a:tcPr>
+                </a:tc>
+                <a:extLst>
+                  <a:ext uri="{0D108BD9-81ED-4DB2-BD59-A6C34878D82A}">
+                    <a16:rowId xmlns:a16="http://schemas.microsoft.com/office/drawing/2014/main" val="10005"/>
+                  </a:ext>
+                </a:extLst>
+              </a:tr>
+              <a:tr h="252756">
+                <a:tc rowSpan="8">
+                  <a:txBody>
+                    <a:bodyPr/>
+                    <a:lstStyle/>
+                    <a:p>
+                      <a:pPr algn="ctr" fontAlgn="ctr"/>
+                      <a:r>
+                        <a:rPr lang="en-US" altLang="ko-KR" sz="900" b="1" i="0" u="none" strike="noStrike" dirty="0">
+                          <a:solidFill>
+                            <a:srgbClr val="000000"/>
+                          </a:solidFill>
+                          <a:effectLst/>
+                          <a:latin typeface="맑은 고딕" panose="020B0503020000020004" pitchFamily="50" charset="-127"/>
+                          <a:ea typeface="맑은 고딕" panose="020B0503020000020004" pitchFamily="50" charset="-127"/>
+                        </a:rPr>
+                        <a:t>B</a:t>
+                      </a:r>
+                      <a:endParaRPr lang="ko-KR" altLang="en-US" sz="900" b="1" i="0" u="none" strike="noStrike" dirty="0">
+                        <a:solidFill>
+                          <a:srgbClr val="000000"/>
+                        </a:solidFill>
+                        <a:effectLst/>
+                        <a:latin typeface="맑은 고딕" panose="020B0503020000020004" pitchFamily="50" charset="-127"/>
+                        <a:ea typeface="맑은 고딕" panose="020B0503020000020004" pitchFamily="50" charset="-127"/>
+                      </a:endParaRPr>
+                    </a:p>
+                  </a:txBody>
+                  <a:tcPr marL="9525" marR="9525" marT="9525" marB="0" anchor="ctr">
+                    <a:lnL w="6350" cap="flat" cmpd="sng" algn="ctr">
+                      <a:solidFill>
+                        <a:srgbClr val="000000"/>
+                      </a:solidFill>
+                      <a:prstDash val="solid"/>
+                      <a:round/>
+                      <a:headEnd type="none" w="med" len="med"/>
+                      <a:tailEnd type="none" w="med" len="med"/>
+                    </a:lnL>
+                    <a:lnR w="6350" cap="flat" cmpd="sng" algn="ctr">
+                      <a:solidFill>
+                        <a:srgbClr val="000000"/>
+                      </a:solidFill>
+                      <a:prstDash val="solid"/>
+                      <a:round/>
+                      <a:headEnd type="none" w="med" len="med"/>
+                      <a:tailEnd type="none" w="med" len="med"/>
+                    </a:lnR>
+                    <a:lnT w="6350" cap="flat" cmpd="sng" algn="ctr">
+                      <a:solidFill>
+                        <a:srgbClr val="000000"/>
+                      </a:solidFill>
+                      <a:prstDash val="solid"/>
+                      <a:round/>
+                      <a:headEnd type="none" w="med" len="med"/>
+                      <a:tailEnd type="none" w="med" len="med"/>
+                    </a:lnT>
+                    <a:lnB w="6350" cap="flat" cmpd="sng" algn="ctr">
+                      <a:solidFill>
+                        <a:srgbClr val="000000"/>
+                      </a:solidFill>
+                      <a:prstDash val="solid"/>
+                      <a:round/>
+                      <a:headEnd type="none" w="med" len="med"/>
+                      <a:tailEnd type="none" w="med" len="med"/>
+                    </a:lnB>
+                    <a:solidFill>
+                      <a:srgbClr val="D0CECE"/>
+                    </a:solidFill>
+                  </a:tcPr>
+                </a:tc>
+                <a:tc>
+                  <a:txBody>
+                    <a:bodyPr/>
+                    <a:lstStyle/>
+                    <a:p>
+                      <a:pPr algn="ctr" fontAlgn="ctr"/>
+                      <a:r>
+                        <a:rPr lang="ko-KR" altLang="en-US" sz="1100" b="0" i="0" u="none" strike="noStrike" dirty="0">
+                          <a:solidFill>
+                            <a:srgbClr val="000000"/>
+                          </a:solidFill>
+                          <a:effectLst/>
+                          <a:latin typeface="맑은 고딕" panose="020B0503020000020004" pitchFamily="50" charset="-127"/>
+                          <a:ea typeface="맑은 고딕" panose="020B0503020000020004" pitchFamily="50" charset="-127"/>
+                        </a:rPr>
+                        <a:t>순번</a:t>
+                      </a:r>
+                    </a:p>
+                  </a:txBody>
+                  <a:tcPr marL="9525" marR="9525" marT="9525" marB="0" anchor="ctr">
+                    <a:lnL w="6350" cap="flat" cmpd="sng" algn="ctr">
+                      <a:solidFill>
+                        <a:srgbClr val="000000"/>
+                      </a:solidFill>
+                      <a:prstDash val="solid"/>
+                      <a:round/>
+                      <a:headEnd type="none" w="med" len="med"/>
+                      <a:tailEnd type="none" w="med" len="med"/>
+                    </a:lnL>
+                    <a:lnR w="6350" cap="flat" cmpd="sng" algn="ctr">
+                      <a:solidFill>
+                        <a:srgbClr val="000000"/>
+                      </a:solidFill>
+                      <a:prstDash val="solid"/>
+                      <a:round/>
+                      <a:headEnd type="none" w="med" len="med"/>
+                      <a:tailEnd type="none" w="med" len="med"/>
+                    </a:lnR>
+                    <a:lnT w="6350" cap="flat" cmpd="sng" algn="ctr">
+                      <a:solidFill>
+                        <a:srgbClr val="000000"/>
+                      </a:solidFill>
+                      <a:prstDash val="solid"/>
+                      <a:round/>
+                      <a:headEnd type="none" w="med" len="med"/>
+                      <a:tailEnd type="none" w="med" len="med"/>
+                    </a:lnT>
+                    <a:lnB w="6350" cap="flat" cmpd="sng" algn="ctr">
+                      <a:solidFill>
+                        <a:srgbClr val="000000"/>
+                      </a:solidFill>
+                      <a:prstDash val="solid"/>
+                      <a:round/>
+                      <a:headEnd type="none" w="med" len="med"/>
+                      <a:tailEnd type="none" w="med" len="med"/>
+                    </a:lnB>
+                  </a:tcPr>
+                </a:tc>
+                <a:tc>
+                  <a:txBody>
+                    <a:bodyPr/>
+                    <a:lstStyle/>
+                    <a:p>
+                      <a:pPr algn="ctr" fontAlgn="ctr"/>
+                      <a:r>
+                        <a:rPr lang="en-US" altLang="ko-KR" sz="1100" b="0" i="0" u="none" strike="noStrike" dirty="0">
                           <a:solidFill>
                             <a:srgbClr val="000000"/>
                           </a:solidFill>
@@ -11226,8 +12748,13 @@
                     </a:lnB>
                   </a:tcPr>
                 </a:tc>
+                <a:extLst>
+                  <a:ext uri="{0D108BD9-81ED-4DB2-BD59-A6C34878D82A}">
+                    <a16:rowId xmlns:a16="http://schemas.microsoft.com/office/drawing/2014/main" val="10006"/>
+                  </a:ext>
+                </a:extLst>
               </a:tr>
-              <a:tr h="289783">
+              <a:tr h="305862">
                 <a:tc vMerge="1">
                   <a:txBody>
                     <a:bodyPr/>
@@ -11293,7 +12820,7 @@
                     <a:p>
                       <a:pPr algn="ctr" fontAlgn="ctr"/>
                       <a:r>
-                        <a:rPr lang="ko-KR" altLang="en-US" sz="1100" b="0" i="0" u="none" strike="noStrike" dirty="0" smtClean="0">
+                        <a:rPr lang="ko-KR" altLang="en-US" sz="1100" b="0" i="0" u="none" strike="noStrike" dirty="0">
                           <a:solidFill>
                             <a:srgbClr val="000000"/>
                           </a:solidFill>
@@ -11303,14 +12830,6 @@
                         </a:rPr>
                         <a:t>성명</a:t>
                       </a:r>
-                      <a:endParaRPr lang="ko-KR" altLang="en-US" sz="1100" b="0" i="0" u="none" strike="noStrike" dirty="0">
-                        <a:solidFill>
-                          <a:srgbClr val="000000"/>
-                        </a:solidFill>
-                        <a:effectLst/>
-                        <a:latin typeface="맑은 고딕" panose="020B0503020000020004" pitchFamily="50" charset="-127"/>
-                        <a:ea typeface="맑은 고딕" panose="020B0503020000020004" pitchFamily="50" charset="-127"/>
-                      </a:endParaRPr>
                     </a:p>
                   </a:txBody>
                   <a:tcPr marL="9525" marR="9525" marT="9525" marB="0" anchor="ctr">
@@ -11359,364 +12878,7 @@
                     <a:p>
                       <a:pPr algn="ctr" fontAlgn="ctr"/>
                       <a:r>
-                        <a:rPr lang="en-US" altLang="ko-KR" sz="1100" b="0" i="0" u="none" strike="noStrike" dirty="0" smtClean="0">
-                          <a:solidFill>
-                            <a:srgbClr val="000000"/>
-                          </a:solidFill>
-                          <a:effectLst/>
-                          <a:latin typeface="맑은 고딕" panose="020B0503020000020004" pitchFamily="50" charset="-127"/>
-                          <a:ea typeface="맑은 고딕" panose="020B0503020000020004" pitchFamily="50" charset="-127"/>
-                        </a:rPr>
-                        <a:t>E</a:t>
-                      </a:r>
-                      <a:endParaRPr lang="ko-KR" altLang="en-US" sz="1100" b="0" i="0" u="none" strike="noStrike" dirty="0">
-                        <a:solidFill>
-                          <a:srgbClr val="000000"/>
-                        </a:solidFill>
-                        <a:effectLst/>
-                        <a:latin typeface="맑은 고딕" panose="020B0503020000020004" pitchFamily="50" charset="-127"/>
-                        <a:ea typeface="맑은 고딕" panose="020B0503020000020004" pitchFamily="50" charset="-127"/>
-                      </a:endParaRPr>
-                    </a:p>
-                  </a:txBody>
-                  <a:tcPr marL="9525" marR="9525" marT="9525" marB="0" anchor="ctr">
-                    <a:lnL w="6350" cap="flat" cmpd="sng" algn="ctr">
-                      <a:solidFill>
-                        <a:srgbClr val="000000"/>
-                      </a:solidFill>
-                      <a:prstDash val="solid"/>
-                      <a:round/>
-                      <a:headEnd type="none" w="med" len="med"/>
-                      <a:tailEnd type="none" w="med" len="med"/>
-                    </a:lnL>
-                    <a:lnR w="6350" cap="flat" cmpd="sng" algn="ctr">
-                      <a:solidFill>
-                        <a:srgbClr val="000000"/>
-                      </a:solidFill>
-                      <a:prstDash val="solid"/>
-                      <a:round/>
-                      <a:headEnd type="none" w="med" len="med"/>
-                      <a:tailEnd type="none" w="med" len="med"/>
-                    </a:lnR>
-                    <a:lnT w="6350" cap="flat" cmpd="sng" algn="ctr">
-                      <a:solidFill>
-                        <a:srgbClr val="000000"/>
-                      </a:solidFill>
-                      <a:prstDash val="solid"/>
-                      <a:round/>
-                      <a:headEnd type="none" w="med" len="med"/>
-                      <a:tailEnd type="none" w="med" len="med"/>
-                    </a:lnT>
-                    <a:lnB w="6350" cap="flat" cmpd="sng" algn="ctr">
-                      <a:solidFill>
-                        <a:srgbClr val="000000"/>
-                      </a:solidFill>
-                      <a:prstDash val="solid"/>
-                      <a:round/>
-                      <a:headEnd type="none" w="med" len="med"/>
-                      <a:tailEnd type="none" w="med" len="med"/>
-                    </a:lnB>
-                  </a:tcPr>
-                </a:tc>
-                <a:tc>
-                  <a:txBody>
-                    <a:bodyPr/>
-                    <a:lstStyle/>
-                    <a:p>
-                      <a:pPr algn="ctr" fontAlgn="ctr"/>
-                      <a:endParaRPr lang="ko-KR" altLang="en-US" sz="1100" b="0" i="0" u="none" strike="noStrike" dirty="0">
-                        <a:solidFill>
-                          <a:srgbClr val="000000"/>
-                        </a:solidFill>
-                        <a:effectLst/>
-                        <a:latin typeface="맑은 고딕" panose="020B0503020000020004" pitchFamily="50" charset="-127"/>
-                        <a:ea typeface="맑은 고딕" panose="020B0503020000020004" pitchFamily="50" charset="-127"/>
-                      </a:endParaRPr>
-                    </a:p>
-                  </a:txBody>
-                  <a:tcPr marL="9525" marR="9525" marT="9525" marB="0" anchor="ctr">
-                    <a:lnL w="6350" cap="flat" cmpd="sng" algn="ctr">
-                      <a:solidFill>
-                        <a:srgbClr val="000000"/>
-                      </a:solidFill>
-                      <a:prstDash val="solid"/>
-                      <a:round/>
-                      <a:headEnd type="none" w="med" len="med"/>
-                      <a:tailEnd type="none" w="med" len="med"/>
-                    </a:lnL>
-                    <a:lnR w="6350" cap="flat" cmpd="sng" algn="ctr">
-                      <a:solidFill>
-                        <a:srgbClr val="000000"/>
-                      </a:solidFill>
-                      <a:prstDash val="solid"/>
-                      <a:round/>
-                      <a:headEnd type="none" w="med" len="med"/>
-                      <a:tailEnd type="none" w="med" len="med"/>
-                    </a:lnR>
-                    <a:lnT w="6350" cap="flat" cmpd="sng" algn="ctr">
-                      <a:solidFill>
-                        <a:srgbClr val="000000"/>
-                      </a:solidFill>
-                      <a:prstDash val="solid"/>
-                      <a:round/>
-                      <a:headEnd type="none" w="med" len="med"/>
-                      <a:tailEnd type="none" w="med" len="med"/>
-                    </a:lnT>
-                    <a:lnB w="6350" cap="flat" cmpd="sng" algn="ctr">
-                      <a:solidFill>
-                        <a:srgbClr val="000000"/>
-                      </a:solidFill>
-                      <a:prstDash val="solid"/>
-                      <a:round/>
-                      <a:headEnd type="none" w="med" len="med"/>
-                      <a:tailEnd type="none" w="med" len="med"/>
-                    </a:lnB>
-                  </a:tcPr>
-                </a:tc>
-                <a:tc>
-                  <a:txBody>
-                    <a:bodyPr/>
-                    <a:lstStyle/>
-                    <a:p>
-                      <a:pPr algn="ctr" fontAlgn="ctr"/>
-                      <a:endParaRPr lang="ko-KR" altLang="en-US" sz="1100" b="0" i="0" u="none" strike="noStrike" dirty="0">
-                        <a:solidFill>
-                          <a:srgbClr val="000000"/>
-                        </a:solidFill>
-                        <a:effectLst/>
-                        <a:latin typeface="맑은 고딕" panose="020B0503020000020004" pitchFamily="50" charset="-127"/>
-                        <a:ea typeface="맑은 고딕" panose="020B0503020000020004" pitchFamily="50" charset="-127"/>
-                      </a:endParaRPr>
-                    </a:p>
-                  </a:txBody>
-                  <a:tcPr marL="9525" marR="9525" marT="9525" marB="0" anchor="ctr">
-                    <a:lnL w="6350" cap="flat" cmpd="sng" algn="ctr">
-                      <a:solidFill>
-                        <a:srgbClr val="000000"/>
-                      </a:solidFill>
-                      <a:prstDash val="solid"/>
-                      <a:round/>
-                      <a:headEnd type="none" w="med" len="med"/>
-                      <a:tailEnd type="none" w="med" len="med"/>
-                    </a:lnL>
-                    <a:lnR w="6350" cap="flat" cmpd="sng" algn="ctr">
-                      <a:solidFill>
-                        <a:srgbClr val="000000"/>
-                      </a:solidFill>
-                      <a:prstDash val="solid"/>
-                      <a:round/>
-                      <a:headEnd type="none" w="med" len="med"/>
-                      <a:tailEnd type="none" w="med" len="med"/>
-                    </a:lnR>
-                    <a:lnT w="6350" cap="flat" cmpd="sng" algn="ctr">
-                      <a:solidFill>
-                        <a:srgbClr val="000000"/>
-                      </a:solidFill>
-                      <a:prstDash val="solid"/>
-                      <a:round/>
-                      <a:headEnd type="none" w="med" len="med"/>
-                      <a:tailEnd type="none" w="med" len="med"/>
-                    </a:lnT>
-                    <a:lnB w="6350" cap="flat" cmpd="sng" algn="ctr">
-                      <a:solidFill>
-                        <a:srgbClr val="000000"/>
-                      </a:solidFill>
-                      <a:prstDash val="solid"/>
-                      <a:round/>
-                      <a:headEnd type="none" w="med" len="med"/>
-                      <a:tailEnd type="none" w="med" len="med"/>
-                    </a:lnB>
-                  </a:tcPr>
-                </a:tc>
-                <a:tc>
-                  <a:txBody>
-                    <a:bodyPr/>
-                    <a:lstStyle/>
-                    <a:p>
-                      <a:pPr algn="ctr" fontAlgn="ctr"/>
-                      <a:endParaRPr lang="ko-KR" altLang="en-US" sz="1100" b="0" i="0" u="none" strike="noStrike" dirty="0">
-                        <a:solidFill>
-                          <a:srgbClr val="000000"/>
-                        </a:solidFill>
-                        <a:effectLst/>
-                        <a:latin typeface="맑은 고딕" panose="020B0503020000020004" pitchFamily="50" charset="-127"/>
-                        <a:ea typeface="맑은 고딕" panose="020B0503020000020004" pitchFamily="50" charset="-127"/>
-                      </a:endParaRPr>
-                    </a:p>
-                  </a:txBody>
-                  <a:tcPr marL="9525" marR="9525" marT="9525" marB="0" anchor="ctr">
-                    <a:lnL w="6350" cap="flat" cmpd="sng" algn="ctr">
-                      <a:solidFill>
-                        <a:srgbClr val="000000"/>
-                      </a:solidFill>
-                      <a:prstDash val="solid"/>
-                      <a:round/>
-                      <a:headEnd type="none" w="med" len="med"/>
-                      <a:tailEnd type="none" w="med" len="med"/>
-                    </a:lnL>
-                    <a:lnR w="6350" cap="flat" cmpd="sng" algn="ctr">
-                      <a:solidFill>
-                        <a:srgbClr val="000000"/>
-                      </a:solidFill>
-                      <a:prstDash val="solid"/>
-                      <a:round/>
-                      <a:headEnd type="none" w="med" len="med"/>
-                      <a:tailEnd type="none" w="med" len="med"/>
-                    </a:lnR>
-                    <a:lnT w="6350" cap="flat" cmpd="sng" algn="ctr">
-                      <a:solidFill>
-                        <a:srgbClr val="000000"/>
-                      </a:solidFill>
-                      <a:prstDash val="solid"/>
-                      <a:round/>
-                      <a:headEnd type="none" w="med" len="med"/>
-                      <a:tailEnd type="none" w="med" len="med"/>
-                    </a:lnT>
-                    <a:lnB w="6350" cap="flat" cmpd="sng" algn="ctr">
-                      <a:solidFill>
-                        <a:srgbClr val="000000"/>
-                      </a:solidFill>
-                      <a:prstDash val="solid"/>
-                      <a:round/>
-                      <a:headEnd type="none" w="med" len="med"/>
-                      <a:tailEnd type="none" w="med" len="med"/>
-                    </a:lnB>
-                  </a:tcPr>
-                </a:tc>
-              </a:tr>
-              <a:tr h="252756">
-                <a:tc vMerge="1">
-                  <a:txBody>
-                    <a:bodyPr/>
-                    <a:lstStyle/>
-                    <a:p>
-                      <a:pPr algn="ctr" fontAlgn="ctr"/>
-                      <a:endParaRPr lang="ko-KR" altLang="en-US" sz="900" b="1" i="0" u="none" strike="noStrike" dirty="0">
-                        <a:solidFill>
-                          <a:srgbClr val="000000"/>
-                        </a:solidFill>
-                        <a:effectLst/>
-                        <a:latin typeface="맑은 고딕" panose="020B0503020000020004" pitchFamily="50" charset="-127"/>
-                        <a:ea typeface="맑은 고딕" panose="020B0503020000020004" pitchFamily="50" charset="-127"/>
-                      </a:endParaRPr>
-                    </a:p>
-                  </a:txBody>
-                  <a:tcPr marL="9525" marR="9525" marT="9525" marB="0" anchor="ctr">
-                    <a:lnL w="6350" cap="flat" cmpd="sng" algn="ctr">
-                      <a:solidFill>
-                        <a:srgbClr val="000000"/>
-                      </a:solidFill>
-                      <a:prstDash val="solid"/>
-                      <a:round/>
-                      <a:headEnd type="none" w="med" len="med"/>
-                      <a:tailEnd type="none" w="med" len="med"/>
-                    </a:lnL>
-                    <a:lnR w="6350" cap="flat" cmpd="sng" algn="ctr">
-                      <a:solidFill>
-                        <a:srgbClr val="000000"/>
-                      </a:solidFill>
-                      <a:prstDash val="solid"/>
-                      <a:round/>
-                      <a:headEnd type="none" w="med" len="med"/>
-                      <a:tailEnd type="none" w="med" len="med"/>
-                    </a:lnR>
-                    <a:lnT w="6350" cap="flat" cmpd="sng" algn="ctr">
-                      <a:solidFill>
-                        <a:srgbClr val="000000"/>
-                      </a:solidFill>
-                      <a:prstDash val="solid"/>
-                      <a:round/>
-                      <a:headEnd type="none" w="med" len="med"/>
-                      <a:tailEnd type="none" w="med" len="med"/>
-                    </a:lnT>
-                    <a:lnB w="6350" cap="flat" cmpd="sng" algn="ctr">
-                      <a:solidFill>
-                        <a:srgbClr val="000000"/>
-                      </a:solidFill>
-                      <a:prstDash val="solid"/>
-                      <a:round/>
-                      <a:headEnd type="none" w="med" len="med"/>
-                      <a:tailEnd type="none" w="med" len="med"/>
-                    </a:lnB>
-                    <a:solidFill>
-                      <a:srgbClr val="D0CECE"/>
-                    </a:solidFill>
-                  </a:tcPr>
-                </a:tc>
-                <a:tc>
-                  <a:txBody>
-                    <a:bodyPr/>
-                    <a:lstStyle/>
-                    <a:p>
-                      <a:pPr algn="ctr" fontAlgn="ctr"/>
-                      <a:r>
-                        <a:rPr lang="ko-KR" altLang="en-US" sz="1100" b="0" i="0" u="none" strike="noStrike" dirty="0" smtClean="0">
-                          <a:solidFill>
-                            <a:srgbClr val="000000"/>
-                          </a:solidFill>
-                          <a:effectLst/>
-                          <a:latin typeface="맑은 고딕" panose="020B0503020000020004" pitchFamily="50" charset="-127"/>
-                          <a:ea typeface="맑은 고딕" panose="020B0503020000020004" pitchFamily="50" charset="-127"/>
-                        </a:rPr>
-                        <a:t>스킬</a:t>
-                      </a:r>
-                      <a:endParaRPr lang="ko-KR" altLang="en-US" sz="1100" b="0" i="0" u="none" strike="noStrike" dirty="0">
-                        <a:solidFill>
-                          <a:srgbClr val="000000"/>
-                        </a:solidFill>
-                        <a:effectLst/>
-                        <a:latin typeface="맑은 고딕" panose="020B0503020000020004" pitchFamily="50" charset="-127"/>
-                        <a:ea typeface="맑은 고딕" panose="020B0503020000020004" pitchFamily="50" charset="-127"/>
-                      </a:endParaRPr>
-                    </a:p>
-                  </a:txBody>
-                  <a:tcPr marL="9525" marR="9525" marT="9525" marB="0" anchor="ctr">
-                    <a:lnL w="6350" cap="flat" cmpd="sng" algn="ctr">
-                      <a:solidFill>
-                        <a:srgbClr val="000000"/>
-                      </a:solidFill>
-                      <a:prstDash val="solid"/>
-                      <a:round/>
-                      <a:headEnd type="none" w="med" len="med"/>
-                      <a:tailEnd type="none" w="med" len="med"/>
-                    </a:lnL>
-                    <a:lnR w="6350" cap="flat" cmpd="sng" algn="ctr">
-                      <a:solidFill>
-                        <a:srgbClr val="000000"/>
-                      </a:solidFill>
-                      <a:prstDash val="solid"/>
-                      <a:round/>
-                      <a:headEnd type="none" w="med" len="med"/>
-                      <a:tailEnd type="none" w="med" len="med"/>
-                    </a:lnR>
-                    <a:lnT w="6350" cap="flat" cmpd="sng" algn="ctr">
-                      <a:solidFill>
-                        <a:srgbClr val="000000"/>
-                      </a:solidFill>
-                      <a:prstDash val="solid"/>
-                      <a:round/>
-                      <a:headEnd type="none" w="med" len="med"/>
-                      <a:tailEnd type="none" w="med" len="med"/>
-                    </a:lnT>
-                    <a:lnB w="6350" cap="flat" cmpd="sng" algn="ctr">
-                      <a:solidFill>
-                        <a:srgbClr val="000000"/>
-                      </a:solidFill>
-                      <a:prstDash val="solid"/>
-                      <a:round/>
-                      <a:headEnd type="none" w="med" len="med"/>
-                      <a:tailEnd type="none" w="med" len="med"/>
-                    </a:lnB>
-                  </a:tcPr>
-                </a:tc>
-                <a:tc>
-                  <a:txBody>
-                    <a:bodyPr/>
-                    <a:lstStyle/>
-                    <a:p>
-                      <a:pPr algn="ctr" fontAlgn="ctr"/>
-                      <a:r>
-                        <a:rPr lang="en-US" altLang="ko-KR" sz="1100" b="0" i="0" u="none" strike="noStrike" dirty="0" smtClean="0">
+                        <a:rPr lang="en-US" altLang="ko-KR" sz="1100" b="0" i="0" u="none" strike="noStrike" dirty="0">
                           <a:solidFill>
                             <a:srgbClr val="000000"/>
                           </a:solidFill>
@@ -11940,6 +13102,11 @@
                     </a:lnB>
                   </a:tcPr>
                 </a:tc>
+                <a:extLst>
+                  <a:ext uri="{0D108BD9-81ED-4DB2-BD59-A6C34878D82A}">
+                    <a16:rowId xmlns:a16="http://schemas.microsoft.com/office/drawing/2014/main" val="10007"/>
+                  </a:ext>
+                </a:extLst>
               </a:tr>
               <a:tr h="252756">
                 <a:tc vMerge="1">
@@ -12007,7 +13174,7 @@
                     <a:p>
                       <a:pPr algn="ctr" fontAlgn="ctr"/>
                       <a:r>
-                        <a:rPr lang="ko-KR" altLang="en-US" sz="1100" b="0" i="0" u="none" strike="noStrike" dirty="0" smtClean="0">
+                        <a:rPr lang="ko-KR" altLang="en-US" sz="1100" b="0" i="0" u="none" strike="noStrike" dirty="0">
                           <a:solidFill>
                             <a:srgbClr val="000000"/>
                           </a:solidFill>
@@ -12015,16 +13182,8 @@
                           <a:latin typeface="맑은 고딕" panose="020B0503020000020004" pitchFamily="50" charset="-127"/>
                           <a:ea typeface="맑은 고딕" panose="020B0503020000020004" pitchFamily="50" charset="-127"/>
                         </a:rPr>
-                        <a:t>스킬 내용</a:t>
+                        <a:t>부서</a:t>
                       </a:r>
-                      <a:endParaRPr lang="ko-KR" altLang="en-US" sz="1100" b="0" i="0" u="none" strike="noStrike" dirty="0">
-                        <a:solidFill>
-                          <a:srgbClr val="000000"/>
-                        </a:solidFill>
-                        <a:effectLst/>
-                        <a:latin typeface="맑은 고딕" panose="020B0503020000020004" pitchFamily="50" charset="-127"/>
-                        <a:ea typeface="맑은 고딕" panose="020B0503020000020004" pitchFamily="50" charset="-127"/>
-                      </a:endParaRPr>
                     </a:p>
                   </a:txBody>
                   <a:tcPr marL="9525" marR="9525" marT="9525" marB="0" anchor="ctr">
@@ -12073,375 +13232,7 @@
                     <a:p>
                       <a:pPr algn="ctr" fontAlgn="ctr"/>
                       <a:r>
-                        <a:rPr lang="en-US" altLang="ko-KR" sz="1100" b="0" i="0" u="none" strike="noStrike" dirty="0" smtClean="0">
-                          <a:solidFill>
-                            <a:srgbClr val="000000"/>
-                          </a:solidFill>
-                          <a:effectLst/>
-                          <a:latin typeface="맑은 고딕" panose="020B0503020000020004" pitchFamily="50" charset="-127"/>
-                          <a:ea typeface="맑은 고딕" panose="020B0503020000020004" pitchFamily="50" charset="-127"/>
-                        </a:rPr>
-                        <a:t>E</a:t>
-                      </a:r>
-                      <a:endParaRPr lang="ko-KR" altLang="en-US" sz="1100" b="0" i="0" u="none" strike="noStrike" dirty="0">
-                        <a:solidFill>
-                          <a:srgbClr val="000000"/>
-                        </a:solidFill>
-                        <a:effectLst/>
-                        <a:latin typeface="맑은 고딕" panose="020B0503020000020004" pitchFamily="50" charset="-127"/>
-                        <a:ea typeface="맑은 고딕" panose="020B0503020000020004" pitchFamily="50" charset="-127"/>
-                      </a:endParaRPr>
-                    </a:p>
-                  </a:txBody>
-                  <a:tcPr marL="9525" marR="9525" marT="9525" marB="0" anchor="ctr">
-                    <a:lnL w="6350" cap="flat" cmpd="sng" algn="ctr">
-                      <a:solidFill>
-                        <a:srgbClr val="000000"/>
-                      </a:solidFill>
-                      <a:prstDash val="solid"/>
-                      <a:round/>
-                      <a:headEnd type="none" w="med" len="med"/>
-                      <a:tailEnd type="none" w="med" len="med"/>
-                    </a:lnL>
-                    <a:lnR w="6350" cap="flat" cmpd="sng" algn="ctr">
-                      <a:solidFill>
-                        <a:srgbClr val="000000"/>
-                      </a:solidFill>
-                      <a:prstDash val="solid"/>
-                      <a:round/>
-                      <a:headEnd type="none" w="med" len="med"/>
-                      <a:tailEnd type="none" w="med" len="med"/>
-                    </a:lnR>
-                    <a:lnT w="6350" cap="flat" cmpd="sng" algn="ctr">
-                      <a:solidFill>
-                        <a:srgbClr val="000000"/>
-                      </a:solidFill>
-                      <a:prstDash val="solid"/>
-                      <a:round/>
-                      <a:headEnd type="none" w="med" len="med"/>
-                      <a:tailEnd type="none" w="med" len="med"/>
-                    </a:lnT>
-                    <a:lnB w="6350" cap="flat" cmpd="sng" algn="ctr">
-                      <a:solidFill>
-                        <a:srgbClr val="000000"/>
-                      </a:solidFill>
-                      <a:prstDash val="solid"/>
-                      <a:round/>
-                      <a:headEnd type="none" w="med" len="med"/>
-                      <a:tailEnd type="none" w="med" len="med"/>
-                    </a:lnB>
-                  </a:tcPr>
-                </a:tc>
-                <a:tc>
-                  <a:txBody>
-                    <a:bodyPr/>
-                    <a:lstStyle/>
-                    <a:p>
-                      <a:pPr algn="ctr" fontAlgn="ctr"/>
-                      <a:endParaRPr lang="ko-KR" altLang="en-US" sz="1100" b="0" i="0" u="none" strike="noStrike" dirty="0">
-                        <a:solidFill>
-                          <a:srgbClr val="000000"/>
-                        </a:solidFill>
-                        <a:effectLst/>
-                        <a:latin typeface="맑은 고딕" panose="020B0503020000020004" pitchFamily="50" charset="-127"/>
-                        <a:ea typeface="맑은 고딕" panose="020B0503020000020004" pitchFamily="50" charset="-127"/>
-                      </a:endParaRPr>
-                    </a:p>
-                  </a:txBody>
-                  <a:tcPr marL="9525" marR="9525" marT="9525" marB="0" anchor="ctr">
-                    <a:lnL w="6350" cap="flat" cmpd="sng" algn="ctr">
-                      <a:solidFill>
-                        <a:srgbClr val="000000"/>
-                      </a:solidFill>
-                      <a:prstDash val="solid"/>
-                      <a:round/>
-                      <a:headEnd type="none" w="med" len="med"/>
-                      <a:tailEnd type="none" w="med" len="med"/>
-                    </a:lnL>
-                    <a:lnR w="6350" cap="flat" cmpd="sng" algn="ctr">
-                      <a:solidFill>
-                        <a:srgbClr val="000000"/>
-                      </a:solidFill>
-                      <a:prstDash val="solid"/>
-                      <a:round/>
-                      <a:headEnd type="none" w="med" len="med"/>
-                      <a:tailEnd type="none" w="med" len="med"/>
-                    </a:lnR>
-                    <a:lnT w="6350" cap="flat" cmpd="sng" algn="ctr">
-                      <a:solidFill>
-                        <a:srgbClr val="000000"/>
-                      </a:solidFill>
-                      <a:prstDash val="solid"/>
-                      <a:round/>
-                      <a:headEnd type="none" w="med" len="med"/>
-                      <a:tailEnd type="none" w="med" len="med"/>
-                    </a:lnT>
-                    <a:lnB w="6350" cap="flat" cmpd="sng" algn="ctr">
-                      <a:solidFill>
-                        <a:srgbClr val="000000"/>
-                      </a:solidFill>
-                      <a:prstDash val="solid"/>
-                      <a:round/>
-                      <a:headEnd type="none" w="med" len="med"/>
-                      <a:tailEnd type="none" w="med" len="med"/>
-                    </a:lnB>
-                  </a:tcPr>
-                </a:tc>
-                <a:tc>
-                  <a:txBody>
-                    <a:bodyPr/>
-                    <a:lstStyle/>
-                    <a:p>
-                      <a:pPr algn="ctr" fontAlgn="ctr"/>
-                      <a:endParaRPr lang="ko-KR" altLang="en-US" sz="1100" b="0" i="0" u="none" strike="noStrike" dirty="0">
-                        <a:solidFill>
-                          <a:srgbClr val="000000"/>
-                        </a:solidFill>
-                        <a:effectLst/>
-                        <a:latin typeface="맑은 고딕" panose="020B0503020000020004" pitchFamily="50" charset="-127"/>
-                        <a:ea typeface="맑은 고딕" panose="020B0503020000020004" pitchFamily="50" charset="-127"/>
-                      </a:endParaRPr>
-                    </a:p>
-                  </a:txBody>
-                  <a:tcPr marL="9525" marR="9525" marT="9525" marB="0" anchor="ctr">
-                    <a:lnL w="6350" cap="flat" cmpd="sng" algn="ctr">
-                      <a:solidFill>
-                        <a:srgbClr val="000000"/>
-                      </a:solidFill>
-                      <a:prstDash val="solid"/>
-                      <a:round/>
-                      <a:headEnd type="none" w="med" len="med"/>
-                      <a:tailEnd type="none" w="med" len="med"/>
-                    </a:lnL>
-                    <a:lnR w="6350" cap="flat" cmpd="sng" algn="ctr">
-                      <a:solidFill>
-                        <a:srgbClr val="000000"/>
-                      </a:solidFill>
-                      <a:prstDash val="solid"/>
-                      <a:round/>
-                      <a:headEnd type="none" w="med" len="med"/>
-                      <a:tailEnd type="none" w="med" len="med"/>
-                    </a:lnR>
-                    <a:lnT w="6350" cap="flat" cmpd="sng" algn="ctr">
-                      <a:solidFill>
-                        <a:srgbClr val="000000"/>
-                      </a:solidFill>
-                      <a:prstDash val="solid"/>
-                      <a:round/>
-                      <a:headEnd type="none" w="med" len="med"/>
-                      <a:tailEnd type="none" w="med" len="med"/>
-                    </a:lnT>
-                    <a:lnB w="6350" cap="flat" cmpd="sng" algn="ctr">
-                      <a:solidFill>
-                        <a:srgbClr val="000000"/>
-                      </a:solidFill>
-                      <a:prstDash val="solid"/>
-                      <a:round/>
-                      <a:headEnd type="none" w="med" len="med"/>
-                      <a:tailEnd type="none" w="med" len="med"/>
-                    </a:lnB>
-                  </a:tcPr>
-                </a:tc>
-                <a:tc>
-                  <a:txBody>
-                    <a:bodyPr/>
-                    <a:lstStyle/>
-                    <a:p>
-                      <a:pPr algn="ctr" fontAlgn="ctr"/>
-                      <a:endParaRPr lang="ko-KR" altLang="en-US" sz="1100" b="0" i="0" u="none" strike="noStrike" dirty="0">
-                        <a:solidFill>
-                          <a:srgbClr val="000000"/>
-                        </a:solidFill>
-                        <a:effectLst/>
-                        <a:latin typeface="맑은 고딕" panose="020B0503020000020004" pitchFamily="50" charset="-127"/>
-                        <a:ea typeface="맑은 고딕" panose="020B0503020000020004" pitchFamily="50" charset="-127"/>
-                      </a:endParaRPr>
-                    </a:p>
-                  </a:txBody>
-                  <a:tcPr marL="9525" marR="9525" marT="9525" marB="0" anchor="ctr">
-                    <a:lnL w="6350" cap="flat" cmpd="sng" algn="ctr">
-                      <a:solidFill>
-                        <a:srgbClr val="000000"/>
-                      </a:solidFill>
-                      <a:prstDash val="solid"/>
-                      <a:round/>
-                      <a:headEnd type="none" w="med" len="med"/>
-                      <a:tailEnd type="none" w="med" len="med"/>
-                    </a:lnL>
-                    <a:lnR w="6350" cap="flat" cmpd="sng" algn="ctr">
-                      <a:solidFill>
-                        <a:srgbClr val="000000"/>
-                      </a:solidFill>
-                      <a:prstDash val="solid"/>
-                      <a:round/>
-                      <a:headEnd type="none" w="med" len="med"/>
-                      <a:tailEnd type="none" w="med" len="med"/>
-                    </a:lnR>
-                    <a:lnT w="6350" cap="flat" cmpd="sng" algn="ctr">
-                      <a:solidFill>
-                        <a:srgbClr val="000000"/>
-                      </a:solidFill>
-                      <a:prstDash val="solid"/>
-                      <a:round/>
-                      <a:headEnd type="none" w="med" len="med"/>
-                      <a:tailEnd type="none" w="med" len="med"/>
-                    </a:lnT>
-                    <a:lnB w="6350" cap="flat" cmpd="sng" algn="ctr">
-                      <a:solidFill>
-                        <a:srgbClr val="000000"/>
-                      </a:solidFill>
-                      <a:prstDash val="solid"/>
-                      <a:round/>
-                      <a:headEnd type="none" w="med" len="med"/>
-                      <a:tailEnd type="none" w="med" len="med"/>
-                    </a:lnB>
-                  </a:tcPr>
-                </a:tc>
-              </a:tr>
-              <a:tr h="252756">
-                <a:tc rowSpan="8">
-                  <a:txBody>
-                    <a:bodyPr/>
-                    <a:lstStyle/>
-                    <a:p>
-                      <a:pPr algn="ctr" fontAlgn="ctr"/>
-                      <a:r>
-                        <a:rPr lang="en-US" altLang="ko-KR" sz="900" b="1" i="0" u="none" strike="noStrike" dirty="0" smtClean="0">
-                          <a:solidFill>
-                            <a:srgbClr val="000000"/>
-                          </a:solidFill>
-                          <a:effectLst/>
-                          <a:latin typeface="맑은 고딕" panose="020B0503020000020004" pitchFamily="50" charset="-127"/>
-                          <a:ea typeface="맑은 고딕" panose="020B0503020000020004" pitchFamily="50" charset="-127"/>
-                        </a:rPr>
-                        <a:t>B</a:t>
-                      </a:r>
-                      <a:endParaRPr lang="ko-KR" altLang="en-US" sz="900" b="1" i="0" u="none" strike="noStrike" dirty="0">
-                        <a:solidFill>
-                          <a:srgbClr val="000000"/>
-                        </a:solidFill>
-                        <a:effectLst/>
-                        <a:latin typeface="맑은 고딕" panose="020B0503020000020004" pitchFamily="50" charset="-127"/>
-                        <a:ea typeface="맑은 고딕" panose="020B0503020000020004" pitchFamily="50" charset="-127"/>
-                      </a:endParaRPr>
-                    </a:p>
-                  </a:txBody>
-                  <a:tcPr marL="9525" marR="9525" marT="9525" marB="0" anchor="ctr">
-                    <a:lnL w="6350" cap="flat" cmpd="sng" algn="ctr">
-                      <a:solidFill>
-                        <a:srgbClr val="000000"/>
-                      </a:solidFill>
-                      <a:prstDash val="solid"/>
-                      <a:round/>
-                      <a:headEnd type="none" w="med" len="med"/>
-                      <a:tailEnd type="none" w="med" len="med"/>
-                    </a:lnL>
-                    <a:lnR w="6350" cap="flat" cmpd="sng" algn="ctr">
-                      <a:solidFill>
-                        <a:srgbClr val="000000"/>
-                      </a:solidFill>
-                      <a:prstDash val="solid"/>
-                      <a:round/>
-                      <a:headEnd type="none" w="med" len="med"/>
-                      <a:tailEnd type="none" w="med" len="med"/>
-                    </a:lnR>
-                    <a:lnT w="6350" cap="flat" cmpd="sng" algn="ctr">
-                      <a:solidFill>
-                        <a:srgbClr val="000000"/>
-                      </a:solidFill>
-                      <a:prstDash val="solid"/>
-                      <a:round/>
-                      <a:headEnd type="none" w="med" len="med"/>
-                      <a:tailEnd type="none" w="med" len="med"/>
-                    </a:lnT>
-                    <a:lnB w="6350" cap="flat" cmpd="sng" algn="ctr">
-                      <a:solidFill>
-                        <a:srgbClr val="000000"/>
-                      </a:solidFill>
-                      <a:prstDash val="solid"/>
-                      <a:round/>
-                      <a:headEnd type="none" w="med" len="med"/>
-                      <a:tailEnd type="none" w="med" len="med"/>
-                    </a:lnB>
-                    <a:solidFill>
-                      <a:srgbClr val="D0CECE"/>
-                    </a:solidFill>
-                  </a:tcPr>
-                </a:tc>
-                <a:tc>
-                  <a:txBody>
-                    <a:bodyPr/>
-                    <a:lstStyle/>
-                    <a:p>
-                      <a:pPr algn="ctr" fontAlgn="ctr"/>
-                      <a:r>
-                        <a:rPr lang="ko-KR" altLang="en-US" sz="1100" b="0" i="0" u="none" strike="noStrike" dirty="0" smtClean="0">
-                          <a:solidFill>
-                            <a:srgbClr val="000000"/>
-                          </a:solidFill>
-                          <a:effectLst/>
-                          <a:latin typeface="맑은 고딕" panose="020B0503020000020004" pitchFamily="50" charset="-127"/>
-                          <a:ea typeface="맑은 고딕" panose="020B0503020000020004" pitchFamily="50" charset="-127"/>
-                        </a:rPr>
-                        <a:t>순번</a:t>
-                      </a:r>
-                      <a:endParaRPr lang="ko-KR" altLang="en-US" sz="1100" b="0" i="0" u="none" strike="noStrike" dirty="0">
-                        <a:solidFill>
-                          <a:srgbClr val="000000"/>
-                        </a:solidFill>
-                        <a:effectLst/>
-                        <a:latin typeface="맑은 고딕" panose="020B0503020000020004" pitchFamily="50" charset="-127"/>
-                        <a:ea typeface="맑은 고딕" panose="020B0503020000020004" pitchFamily="50" charset="-127"/>
-                      </a:endParaRPr>
-                    </a:p>
-                  </a:txBody>
-                  <a:tcPr marL="9525" marR="9525" marT="9525" marB="0" anchor="ctr">
-                    <a:lnL w="6350" cap="flat" cmpd="sng" algn="ctr">
-                      <a:solidFill>
-                        <a:srgbClr val="000000"/>
-                      </a:solidFill>
-                      <a:prstDash val="solid"/>
-                      <a:round/>
-                      <a:headEnd type="none" w="med" len="med"/>
-                      <a:tailEnd type="none" w="med" len="med"/>
-                    </a:lnL>
-                    <a:lnR w="6350" cap="flat" cmpd="sng" algn="ctr">
-                      <a:solidFill>
-                        <a:srgbClr val="000000"/>
-                      </a:solidFill>
-                      <a:prstDash val="solid"/>
-                      <a:round/>
-                      <a:headEnd type="none" w="med" len="med"/>
-                      <a:tailEnd type="none" w="med" len="med"/>
-                    </a:lnR>
-                    <a:lnT w="6350" cap="flat" cmpd="sng" algn="ctr">
-                      <a:solidFill>
-                        <a:srgbClr val="000000"/>
-                      </a:solidFill>
-                      <a:prstDash val="solid"/>
-                      <a:round/>
-                      <a:headEnd type="none" w="med" len="med"/>
-                      <a:tailEnd type="none" w="med" len="med"/>
-                    </a:lnT>
-                    <a:lnB w="6350" cap="flat" cmpd="sng" algn="ctr">
-                      <a:solidFill>
-                        <a:srgbClr val="000000"/>
-                      </a:solidFill>
-                      <a:prstDash val="solid"/>
-                      <a:round/>
-                      <a:headEnd type="none" w="med" len="med"/>
-                      <a:tailEnd type="none" w="med" len="med"/>
-                    </a:lnB>
-                  </a:tcPr>
-                </a:tc>
-                <a:tc>
-                  <a:txBody>
-                    <a:bodyPr/>
-                    <a:lstStyle/>
-                    <a:p>
-                      <a:pPr algn="ctr" fontAlgn="ctr"/>
-                      <a:r>
-                        <a:rPr lang="en-US" altLang="ko-KR" sz="1100" b="0" i="0" u="none" strike="noStrike" dirty="0" smtClean="0">
+                        <a:rPr lang="en-US" altLang="ko-KR" sz="1100" b="0" i="0" u="none" strike="noStrike" dirty="0">
                           <a:solidFill>
                             <a:srgbClr val="000000"/>
                           </a:solidFill>
@@ -12665,8 +13456,13 @@
                     </a:lnB>
                   </a:tcPr>
                 </a:tc>
+                <a:extLst>
+                  <a:ext uri="{0D108BD9-81ED-4DB2-BD59-A6C34878D82A}">
+                    <a16:rowId xmlns:a16="http://schemas.microsoft.com/office/drawing/2014/main" val="10008"/>
+                  </a:ext>
+                </a:extLst>
               </a:tr>
-              <a:tr h="305862">
+              <a:tr h="252756">
                 <a:tc vMerge="1">
                   <a:txBody>
                     <a:bodyPr/>
@@ -12732,7 +13528,7 @@
                     <a:p>
                       <a:pPr algn="ctr" fontAlgn="ctr"/>
                       <a:r>
-                        <a:rPr lang="ko-KR" altLang="en-US" sz="1100" b="0" i="0" u="none" strike="noStrike" dirty="0" smtClean="0">
+                        <a:rPr lang="ko-KR" altLang="en-US" sz="1100" b="0" i="0" u="none" strike="noStrike" dirty="0">
                           <a:solidFill>
                             <a:srgbClr val="000000"/>
                           </a:solidFill>
@@ -12740,16 +13536,8 @@
                           <a:latin typeface="맑은 고딕" panose="020B0503020000020004" pitchFamily="50" charset="-127"/>
                           <a:ea typeface="맑은 고딕" panose="020B0503020000020004" pitchFamily="50" charset="-127"/>
                         </a:rPr>
-                        <a:t>성명</a:t>
+                        <a:t>등급</a:t>
                       </a:r>
-                      <a:endParaRPr lang="ko-KR" altLang="en-US" sz="1100" b="0" i="0" u="none" strike="noStrike" dirty="0">
-                        <a:solidFill>
-                          <a:srgbClr val="000000"/>
-                        </a:solidFill>
-                        <a:effectLst/>
-                        <a:latin typeface="맑은 고딕" panose="020B0503020000020004" pitchFamily="50" charset="-127"/>
-                        <a:ea typeface="맑은 고딕" panose="020B0503020000020004" pitchFamily="50" charset="-127"/>
-                      </a:endParaRPr>
                     </a:p>
                   </a:txBody>
                   <a:tcPr marL="9525" marR="9525" marT="9525" marB="0" anchor="ctr">
@@ -12798,7 +13586,7 @@
                     <a:p>
                       <a:pPr algn="ctr" fontAlgn="ctr"/>
                       <a:r>
-                        <a:rPr lang="en-US" altLang="ko-KR" sz="1100" b="0" i="0" u="none" strike="noStrike" dirty="0" smtClean="0">
+                        <a:rPr lang="en-US" altLang="ko-KR" sz="1100" b="0" i="0" u="none" strike="noStrike" dirty="0">
                           <a:solidFill>
                             <a:srgbClr val="000000"/>
                           </a:solidFill>
@@ -13022,6 +13810,11 @@
                     </a:lnB>
                   </a:tcPr>
                 </a:tc>
+                <a:extLst>
+                  <a:ext uri="{0D108BD9-81ED-4DB2-BD59-A6C34878D82A}">
+                    <a16:rowId xmlns:a16="http://schemas.microsoft.com/office/drawing/2014/main" val="10009"/>
+                  </a:ext>
+                </a:extLst>
               </a:tr>
               <a:tr h="252756">
                 <a:tc vMerge="1">
@@ -13089,7 +13882,7 @@
                     <a:p>
                       <a:pPr algn="ctr" fontAlgn="ctr"/>
                       <a:r>
-                        <a:rPr lang="ko-KR" altLang="en-US" sz="1100" b="0" i="0" u="none" strike="noStrike" dirty="0" smtClean="0">
+                        <a:rPr lang="en-US" altLang="ko-KR" sz="1100" b="0" i="0" u="none" strike="noStrike" dirty="0">
                           <a:solidFill>
                             <a:srgbClr val="000000"/>
                           </a:solidFill>
@@ -13097,7 +13890,7 @@
                           <a:latin typeface="맑은 고딕" panose="020B0503020000020004" pitchFamily="50" charset="-127"/>
                           <a:ea typeface="맑은 고딕" panose="020B0503020000020004" pitchFamily="50" charset="-127"/>
                         </a:rPr>
-                        <a:t>부서</a:t>
+                        <a:t>DB</a:t>
                       </a:r>
                       <a:endParaRPr lang="ko-KR" altLang="en-US" sz="1100" b="0" i="0" u="none" strike="noStrike" dirty="0">
                         <a:solidFill>
@@ -13155,7 +13948,7 @@
                     <a:p>
                       <a:pPr algn="ctr" fontAlgn="ctr"/>
                       <a:r>
-                        <a:rPr lang="en-US" altLang="ko-KR" sz="1100" b="0" i="0" u="none" strike="noStrike" dirty="0" smtClean="0">
+                        <a:rPr lang="en-US" altLang="ko-KR" sz="1100" b="0" i="0" u="none" strike="noStrike" dirty="0">
                           <a:solidFill>
                             <a:srgbClr val="000000"/>
                           </a:solidFill>
@@ -13379,6 +14172,11 @@
                     </a:lnB>
                   </a:tcPr>
                 </a:tc>
+                <a:extLst>
+                  <a:ext uri="{0D108BD9-81ED-4DB2-BD59-A6C34878D82A}">
+                    <a16:rowId xmlns:a16="http://schemas.microsoft.com/office/drawing/2014/main" val="10010"/>
+                  </a:ext>
+                </a:extLst>
               </a:tr>
               <a:tr h="252756">
                 <a:tc vMerge="1">
@@ -13446,7 +14244,7 @@
                     <a:p>
                       <a:pPr algn="ctr" fontAlgn="ctr"/>
                       <a:r>
-                        <a:rPr lang="ko-KR" altLang="en-US" sz="1100" b="0" i="0" u="none" strike="noStrike" dirty="0" smtClean="0">
+                        <a:rPr lang="ko-KR" altLang="en-US" sz="1100" b="0" i="0" u="none" strike="noStrike" dirty="0">
                           <a:solidFill>
                             <a:srgbClr val="000000"/>
                           </a:solidFill>
@@ -13454,16 +14252,8 @@
                           <a:latin typeface="맑은 고딕" panose="020B0503020000020004" pitchFamily="50" charset="-127"/>
                           <a:ea typeface="맑은 고딕" panose="020B0503020000020004" pitchFamily="50" charset="-127"/>
                         </a:rPr>
-                        <a:t>등급</a:t>
+                        <a:t>언어</a:t>
                       </a:r>
-                      <a:endParaRPr lang="ko-KR" altLang="en-US" sz="1100" b="0" i="0" u="none" strike="noStrike" dirty="0">
-                        <a:solidFill>
-                          <a:srgbClr val="000000"/>
-                        </a:solidFill>
-                        <a:effectLst/>
-                        <a:latin typeface="맑은 고딕" panose="020B0503020000020004" pitchFamily="50" charset="-127"/>
-                        <a:ea typeface="맑은 고딕" panose="020B0503020000020004" pitchFamily="50" charset="-127"/>
-                      </a:endParaRPr>
                     </a:p>
                   </a:txBody>
                   <a:tcPr marL="9525" marR="9525" marT="9525" marB="0" anchor="ctr">
@@ -13512,7 +14302,7 @@
                     <a:p>
                       <a:pPr algn="ctr" fontAlgn="ctr"/>
                       <a:r>
-                        <a:rPr lang="en-US" altLang="ko-KR" sz="1100" b="0" i="0" u="none" strike="noStrike" dirty="0" smtClean="0">
+                        <a:rPr lang="en-US" altLang="ko-KR" sz="1100" b="0" i="0" u="none" strike="noStrike" dirty="0">
                           <a:solidFill>
                             <a:srgbClr val="000000"/>
                           </a:solidFill>
@@ -13736,6 +14526,11 @@
                     </a:lnB>
                   </a:tcPr>
                 </a:tc>
+                <a:extLst>
+                  <a:ext uri="{0D108BD9-81ED-4DB2-BD59-A6C34878D82A}">
+                    <a16:rowId xmlns:a16="http://schemas.microsoft.com/office/drawing/2014/main" val="10011"/>
+                  </a:ext>
+                </a:extLst>
               </a:tr>
               <a:tr h="252756">
                 <a:tc vMerge="1">
@@ -13803,7 +14598,7 @@
                     <a:p>
                       <a:pPr algn="ctr" fontAlgn="ctr"/>
                       <a:r>
-                        <a:rPr lang="en-US" altLang="ko-KR" sz="1100" b="0" i="0" u="none" strike="noStrike" dirty="0" smtClean="0">
+                        <a:rPr lang="en-US" altLang="ko-KR" sz="1100" b="0" i="0" u="none" strike="noStrike" dirty="0">
                           <a:solidFill>
                             <a:srgbClr val="000000"/>
                           </a:solidFill>
@@ -13811,7 +14606,7 @@
                           <a:latin typeface="맑은 고딕" panose="020B0503020000020004" pitchFamily="50" charset="-127"/>
                           <a:ea typeface="맑은 고딕" panose="020B0503020000020004" pitchFamily="50" charset="-127"/>
                         </a:rPr>
-                        <a:t>DB</a:t>
+                        <a:t>WEB</a:t>
                       </a:r>
                       <a:endParaRPr lang="ko-KR" altLang="en-US" sz="1100" b="0" i="0" u="none" strike="noStrike" dirty="0">
                         <a:solidFill>
@@ -13869,7 +14664,7 @@
                     <a:p>
                       <a:pPr algn="ctr" fontAlgn="ctr"/>
                       <a:r>
-                        <a:rPr lang="en-US" altLang="ko-KR" sz="1100" b="0" i="0" u="none" strike="noStrike" dirty="0" smtClean="0">
+                        <a:rPr lang="en-US" altLang="ko-KR" sz="1100" b="0" i="0" u="none" strike="noStrike" dirty="0">
                           <a:solidFill>
                             <a:srgbClr val="000000"/>
                           </a:solidFill>
@@ -14093,6 +14888,11 @@
                     </a:lnB>
                   </a:tcPr>
                 </a:tc>
+                <a:extLst>
+                  <a:ext uri="{0D108BD9-81ED-4DB2-BD59-A6C34878D82A}">
+                    <a16:rowId xmlns:a16="http://schemas.microsoft.com/office/drawing/2014/main" val="10012"/>
+                  </a:ext>
+                </a:extLst>
               </a:tr>
               <a:tr h="252756">
                 <a:tc vMerge="1">
@@ -14160,7 +14960,7 @@
                     <a:p>
                       <a:pPr algn="ctr" fontAlgn="ctr"/>
                       <a:r>
-                        <a:rPr lang="ko-KR" altLang="en-US" sz="1100" b="0" i="0" u="none" strike="noStrike" dirty="0" smtClean="0">
+                        <a:rPr lang="en-US" altLang="ko-KR" sz="1100" b="0" i="0" u="none" strike="noStrike" dirty="0">
                           <a:solidFill>
                             <a:srgbClr val="000000"/>
                           </a:solidFill>
@@ -14168,7 +14968,7 @@
                           <a:latin typeface="맑은 고딕" panose="020B0503020000020004" pitchFamily="50" charset="-127"/>
                           <a:ea typeface="맑은 고딕" panose="020B0503020000020004" pitchFamily="50" charset="-127"/>
                         </a:rPr>
-                        <a:t>언어</a:t>
+                        <a:t>MOBILE</a:t>
                       </a:r>
                       <a:endParaRPr lang="ko-KR" altLang="en-US" sz="1100" b="0" i="0" u="none" strike="noStrike" dirty="0">
                         <a:solidFill>
@@ -14226,7 +15026,7 @@
                     <a:p>
                       <a:pPr algn="ctr" fontAlgn="ctr"/>
                       <a:r>
-                        <a:rPr lang="en-US" altLang="ko-KR" sz="1100" b="0" i="0" u="none" strike="noStrike" dirty="0" smtClean="0">
+                        <a:rPr lang="en-US" altLang="ko-KR" sz="1100" b="0" i="0" u="none" strike="noStrike" dirty="0">
                           <a:solidFill>
                             <a:srgbClr val="000000"/>
                           </a:solidFill>
@@ -14450,720 +15250,11 @@
                     </a:lnB>
                   </a:tcPr>
                 </a:tc>
-              </a:tr>
-              <a:tr h="252756">
-                <a:tc vMerge="1">
-                  <a:txBody>
-                    <a:bodyPr/>
-                    <a:lstStyle/>
-                    <a:p>
-                      <a:pPr algn="ctr" fontAlgn="ctr"/>
-                      <a:endParaRPr lang="ko-KR" altLang="en-US" sz="900" b="1" i="0" u="none" strike="noStrike" dirty="0">
-                        <a:solidFill>
-                          <a:srgbClr val="000000"/>
-                        </a:solidFill>
-                        <a:effectLst/>
-                        <a:latin typeface="맑은 고딕" panose="020B0503020000020004" pitchFamily="50" charset="-127"/>
-                        <a:ea typeface="맑은 고딕" panose="020B0503020000020004" pitchFamily="50" charset="-127"/>
-                      </a:endParaRPr>
-                    </a:p>
-                  </a:txBody>
-                  <a:tcPr marL="9525" marR="9525" marT="9525" marB="0" anchor="ctr">
-                    <a:lnL w="6350" cap="flat" cmpd="sng" algn="ctr">
-                      <a:solidFill>
-                        <a:srgbClr val="000000"/>
-                      </a:solidFill>
-                      <a:prstDash val="solid"/>
-                      <a:round/>
-                      <a:headEnd type="none" w="med" len="med"/>
-                      <a:tailEnd type="none" w="med" len="med"/>
-                    </a:lnL>
-                    <a:lnR w="6350" cap="flat" cmpd="sng" algn="ctr">
-                      <a:solidFill>
-                        <a:srgbClr val="000000"/>
-                      </a:solidFill>
-                      <a:prstDash val="solid"/>
-                      <a:round/>
-                      <a:headEnd type="none" w="med" len="med"/>
-                      <a:tailEnd type="none" w="med" len="med"/>
-                    </a:lnR>
-                    <a:lnT w="6350" cap="flat" cmpd="sng" algn="ctr">
-                      <a:solidFill>
-                        <a:srgbClr val="000000"/>
-                      </a:solidFill>
-                      <a:prstDash val="solid"/>
-                      <a:round/>
-                      <a:headEnd type="none" w="med" len="med"/>
-                      <a:tailEnd type="none" w="med" len="med"/>
-                    </a:lnT>
-                    <a:lnB w="6350" cap="flat" cmpd="sng" algn="ctr">
-                      <a:solidFill>
-                        <a:srgbClr val="000000"/>
-                      </a:solidFill>
-                      <a:prstDash val="solid"/>
-                      <a:round/>
-                      <a:headEnd type="none" w="med" len="med"/>
-                      <a:tailEnd type="none" w="med" len="med"/>
-                    </a:lnB>
-                    <a:solidFill>
-                      <a:srgbClr val="D0CECE"/>
-                    </a:solidFill>
-                  </a:tcPr>
-                </a:tc>
-                <a:tc>
-                  <a:txBody>
-                    <a:bodyPr/>
-                    <a:lstStyle/>
-                    <a:p>
-                      <a:pPr algn="ctr" fontAlgn="ctr"/>
-                      <a:r>
-                        <a:rPr lang="en-US" altLang="ko-KR" sz="1100" b="0" i="0" u="none" strike="noStrike" dirty="0" smtClean="0">
-                          <a:solidFill>
-                            <a:srgbClr val="000000"/>
-                          </a:solidFill>
-                          <a:effectLst/>
-                          <a:latin typeface="맑은 고딕" panose="020B0503020000020004" pitchFamily="50" charset="-127"/>
-                          <a:ea typeface="맑은 고딕" panose="020B0503020000020004" pitchFamily="50" charset="-127"/>
-                        </a:rPr>
-                        <a:t>WEB</a:t>
-                      </a:r>
-                      <a:endParaRPr lang="ko-KR" altLang="en-US" sz="1100" b="0" i="0" u="none" strike="noStrike" dirty="0">
-                        <a:solidFill>
-                          <a:srgbClr val="000000"/>
-                        </a:solidFill>
-                        <a:effectLst/>
-                        <a:latin typeface="맑은 고딕" panose="020B0503020000020004" pitchFamily="50" charset="-127"/>
-                        <a:ea typeface="맑은 고딕" panose="020B0503020000020004" pitchFamily="50" charset="-127"/>
-                      </a:endParaRPr>
-                    </a:p>
-                  </a:txBody>
-                  <a:tcPr marL="9525" marR="9525" marT="9525" marB="0" anchor="ctr">
-                    <a:lnL w="6350" cap="flat" cmpd="sng" algn="ctr">
-                      <a:solidFill>
-                        <a:srgbClr val="000000"/>
-                      </a:solidFill>
-                      <a:prstDash val="solid"/>
-                      <a:round/>
-                      <a:headEnd type="none" w="med" len="med"/>
-                      <a:tailEnd type="none" w="med" len="med"/>
-                    </a:lnL>
-                    <a:lnR w="6350" cap="flat" cmpd="sng" algn="ctr">
-                      <a:solidFill>
-                        <a:srgbClr val="000000"/>
-                      </a:solidFill>
-                      <a:prstDash val="solid"/>
-                      <a:round/>
-                      <a:headEnd type="none" w="med" len="med"/>
-                      <a:tailEnd type="none" w="med" len="med"/>
-                    </a:lnR>
-                    <a:lnT w="6350" cap="flat" cmpd="sng" algn="ctr">
-                      <a:solidFill>
-                        <a:srgbClr val="000000"/>
-                      </a:solidFill>
-                      <a:prstDash val="solid"/>
-                      <a:round/>
-                      <a:headEnd type="none" w="med" len="med"/>
-                      <a:tailEnd type="none" w="med" len="med"/>
-                    </a:lnT>
-                    <a:lnB w="6350" cap="flat" cmpd="sng" algn="ctr">
-                      <a:solidFill>
-                        <a:srgbClr val="000000"/>
-                      </a:solidFill>
-                      <a:prstDash val="solid"/>
-                      <a:round/>
-                      <a:headEnd type="none" w="med" len="med"/>
-                      <a:tailEnd type="none" w="med" len="med"/>
-                    </a:lnB>
-                  </a:tcPr>
-                </a:tc>
-                <a:tc>
-                  <a:txBody>
-                    <a:bodyPr/>
-                    <a:lstStyle/>
-                    <a:p>
-                      <a:pPr algn="ctr" fontAlgn="ctr"/>
-                      <a:r>
-                        <a:rPr lang="en-US" altLang="ko-KR" sz="1100" b="0" i="0" u="none" strike="noStrike" dirty="0" smtClean="0">
-                          <a:solidFill>
-                            <a:srgbClr val="000000"/>
-                          </a:solidFill>
-                          <a:effectLst/>
-                          <a:latin typeface="맑은 고딕" panose="020B0503020000020004" pitchFamily="50" charset="-127"/>
-                          <a:ea typeface="맑은 고딕" panose="020B0503020000020004" pitchFamily="50" charset="-127"/>
-                        </a:rPr>
-                        <a:t>R</a:t>
-                      </a:r>
-                      <a:endParaRPr lang="ko-KR" altLang="en-US" sz="1100" b="0" i="0" u="none" strike="noStrike" dirty="0">
-                        <a:solidFill>
-                          <a:srgbClr val="000000"/>
-                        </a:solidFill>
-                        <a:effectLst/>
-                        <a:latin typeface="맑은 고딕" panose="020B0503020000020004" pitchFamily="50" charset="-127"/>
-                        <a:ea typeface="맑은 고딕" panose="020B0503020000020004" pitchFamily="50" charset="-127"/>
-                      </a:endParaRPr>
-                    </a:p>
-                  </a:txBody>
-                  <a:tcPr marL="9525" marR="9525" marT="9525" marB="0" anchor="ctr">
-                    <a:lnL w="6350" cap="flat" cmpd="sng" algn="ctr">
-                      <a:solidFill>
-                        <a:srgbClr val="000000"/>
-                      </a:solidFill>
-                      <a:prstDash val="solid"/>
-                      <a:round/>
-                      <a:headEnd type="none" w="med" len="med"/>
-                      <a:tailEnd type="none" w="med" len="med"/>
-                    </a:lnL>
-                    <a:lnR w="6350" cap="flat" cmpd="sng" algn="ctr">
-                      <a:solidFill>
-                        <a:srgbClr val="000000"/>
-                      </a:solidFill>
-                      <a:prstDash val="solid"/>
-                      <a:round/>
-                      <a:headEnd type="none" w="med" len="med"/>
-                      <a:tailEnd type="none" w="med" len="med"/>
-                    </a:lnR>
-                    <a:lnT w="6350" cap="flat" cmpd="sng" algn="ctr">
-                      <a:solidFill>
-                        <a:srgbClr val="000000"/>
-                      </a:solidFill>
-                      <a:prstDash val="solid"/>
-                      <a:round/>
-                      <a:headEnd type="none" w="med" len="med"/>
-                      <a:tailEnd type="none" w="med" len="med"/>
-                    </a:lnT>
-                    <a:lnB w="6350" cap="flat" cmpd="sng" algn="ctr">
-                      <a:solidFill>
-                        <a:srgbClr val="000000"/>
-                      </a:solidFill>
-                      <a:prstDash val="solid"/>
-                      <a:round/>
-                      <a:headEnd type="none" w="med" len="med"/>
-                      <a:tailEnd type="none" w="med" len="med"/>
-                    </a:lnB>
-                  </a:tcPr>
-                </a:tc>
-                <a:tc>
-                  <a:txBody>
-                    <a:bodyPr/>
-                    <a:lstStyle/>
-                    <a:p>
-                      <a:pPr algn="ctr" fontAlgn="ctr"/>
-                      <a:endParaRPr lang="ko-KR" altLang="en-US" sz="1100" b="0" i="0" u="none" strike="noStrike" dirty="0">
-                        <a:solidFill>
-                          <a:srgbClr val="000000"/>
-                        </a:solidFill>
-                        <a:effectLst/>
-                        <a:latin typeface="맑은 고딕" panose="020B0503020000020004" pitchFamily="50" charset="-127"/>
-                        <a:ea typeface="맑은 고딕" panose="020B0503020000020004" pitchFamily="50" charset="-127"/>
-                      </a:endParaRPr>
-                    </a:p>
-                  </a:txBody>
-                  <a:tcPr marL="9525" marR="9525" marT="9525" marB="0" anchor="ctr">
-                    <a:lnL w="6350" cap="flat" cmpd="sng" algn="ctr">
-                      <a:solidFill>
-                        <a:srgbClr val="000000"/>
-                      </a:solidFill>
-                      <a:prstDash val="solid"/>
-                      <a:round/>
-                      <a:headEnd type="none" w="med" len="med"/>
-                      <a:tailEnd type="none" w="med" len="med"/>
-                    </a:lnL>
-                    <a:lnR w="6350" cap="flat" cmpd="sng" algn="ctr">
-                      <a:solidFill>
-                        <a:srgbClr val="000000"/>
-                      </a:solidFill>
-                      <a:prstDash val="solid"/>
-                      <a:round/>
-                      <a:headEnd type="none" w="med" len="med"/>
-                      <a:tailEnd type="none" w="med" len="med"/>
-                    </a:lnR>
-                    <a:lnT w="6350" cap="flat" cmpd="sng" algn="ctr">
-                      <a:solidFill>
-                        <a:srgbClr val="000000"/>
-                      </a:solidFill>
-                      <a:prstDash val="solid"/>
-                      <a:round/>
-                      <a:headEnd type="none" w="med" len="med"/>
-                      <a:tailEnd type="none" w="med" len="med"/>
-                    </a:lnT>
-                    <a:lnB w="6350" cap="flat" cmpd="sng" algn="ctr">
-                      <a:solidFill>
-                        <a:srgbClr val="000000"/>
-                      </a:solidFill>
-                      <a:prstDash val="solid"/>
-                      <a:round/>
-                      <a:headEnd type="none" w="med" len="med"/>
-                      <a:tailEnd type="none" w="med" len="med"/>
-                    </a:lnB>
-                  </a:tcPr>
-                </a:tc>
-                <a:tc>
-                  <a:txBody>
-                    <a:bodyPr/>
-                    <a:lstStyle/>
-                    <a:p>
-                      <a:pPr algn="ctr" fontAlgn="ctr"/>
-                      <a:endParaRPr lang="ko-KR" altLang="en-US" sz="1100" b="0" i="0" u="none" strike="noStrike" dirty="0">
-                        <a:solidFill>
-                          <a:srgbClr val="000000"/>
-                        </a:solidFill>
-                        <a:effectLst/>
-                        <a:latin typeface="맑은 고딕" panose="020B0503020000020004" pitchFamily="50" charset="-127"/>
-                        <a:ea typeface="맑은 고딕" panose="020B0503020000020004" pitchFamily="50" charset="-127"/>
-                      </a:endParaRPr>
-                    </a:p>
-                  </a:txBody>
-                  <a:tcPr marL="9525" marR="9525" marT="9525" marB="0" anchor="ctr">
-                    <a:lnL w="6350" cap="flat" cmpd="sng" algn="ctr">
-                      <a:solidFill>
-                        <a:srgbClr val="000000"/>
-                      </a:solidFill>
-                      <a:prstDash val="solid"/>
-                      <a:round/>
-                      <a:headEnd type="none" w="med" len="med"/>
-                      <a:tailEnd type="none" w="med" len="med"/>
-                    </a:lnL>
-                    <a:lnR w="6350" cap="flat" cmpd="sng" algn="ctr">
-                      <a:solidFill>
-                        <a:srgbClr val="000000"/>
-                      </a:solidFill>
-                      <a:prstDash val="solid"/>
-                      <a:round/>
-                      <a:headEnd type="none" w="med" len="med"/>
-                      <a:tailEnd type="none" w="med" len="med"/>
-                    </a:lnR>
-                    <a:lnT w="6350" cap="flat" cmpd="sng" algn="ctr">
-                      <a:solidFill>
-                        <a:srgbClr val="000000"/>
-                      </a:solidFill>
-                      <a:prstDash val="solid"/>
-                      <a:round/>
-                      <a:headEnd type="none" w="med" len="med"/>
-                      <a:tailEnd type="none" w="med" len="med"/>
-                    </a:lnT>
-                    <a:lnB w="6350" cap="flat" cmpd="sng" algn="ctr">
-                      <a:solidFill>
-                        <a:srgbClr val="000000"/>
-                      </a:solidFill>
-                      <a:prstDash val="solid"/>
-                      <a:round/>
-                      <a:headEnd type="none" w="med" len="med"/>
-                      <a:tailEnd type="none" w="med" len="med"/>
-                    </a:lnB>
-                  </a:tcPr>
-                </a:tc>
-                <a:tc>
-                  <a:txBody>
-                    <a:bodyPr/>
-                    <a:lstStyle/>
-                    <a:p>
-                      <a:pPr algn="ctr" fontAlgn="ctr"/>
-                      <a:endParaRPr lang="ko-KR" altLang="en-US" sz="1100" b="0" i="0" u="none" strike="noStrike" dirty="0">
-                        <a:solidFill>
-                          <a:srgbClr val="000000"/>
-                        </a:solidFill>
-                        <a:effectLst/>
-                        <a:latin typeface="맑은 고딕" panose="020B0503020000020004" pitchFamily="50" charset="-127"/>
-                        <a:ea typeface="맑은 고딕" panose="020B0503020000020004" pitchFamily="50" charset="-127"/>
-                      </a:endParaRPr>
-                    </a:p>
-                  </a:txBody>
-                  <a:tcPr marL="9525" marR="9525" marT="9525" marB="0" anchor="ctr">
-                    <a:lnL w="6350" cap="flat" cmpd="sng" algn="ctr">
-                      <a:solidFill>
-                        <a:srgbClr val="000000"/>
-                      </a:solidFill>
-                      <a:prstDash val="solid"/>
-                      <a:round/>
-                      <a:headEnd type="none" w="med" len="med"/>
-                      <a:tailEnd type="none" w="med" len="med"/>
-                    </a:lnL>
-                    <a:lnR w="6350" cap="flat" cmpd="sng" algn="ctr">
-                      <a:solidFill>
-                        <a:srgbClr val="000000"/>
-                      </a:solidFill>
-                      <a:prstDash val="solid"/>
-                      <a:round/>
-                      <a:headEnd type="none" w="med" len="med"/>
-                      <a:tailEnd type="none" w="med" len="med"/>
-                    </a:lnR>
-                    <a:lnT w="6350" cap="flat" cmpd="sng" algn="ctr">
-                      <a:solidFill>
-                        <a:srgbClr val="000000"/>
-                      </a:solidFill>
-                      <a:prstDash val="solid"/>
-                      <a:round/>
-                      <a:headEnd type="none" w="med" len="med"/>
-                      <a:tailEnd type="none" w="med" len="med"/>
-                    </a:lnT>
-                    <a:lnB w="6350" cap="flat" cmpd="sng" algn="ctr">
-                      <a:solidFill>
-                        <a:srgbClr val="000000"/>
-                      </a:solidFill>
-                      <a:prstDash val="solid"/>
-                      <a:round/>
-                      <a:headEnd type="none" w="med" len="med"/>
-                      <a:tailEnd type="none" w="med" len="med"/>
-                    </a:lnB>
-                  </a:tcPr>
-                </a:tc>
-              </a:tr>
-              <a:tr h="252756">
-                <a:tc vMerge="1">
-                  <a:txBody>
-                    <a:bodyPr/>
-                    <a:lstStyle/>
-                    <a:p>
-                      <a:pPr algn="ctr" fontAlgn="ctr"/>
-                      <a:endParaRPr lang="ko-KR" altLang="en-US" sz="900" b="1" i="0" u="none" strike="noStrike" dirty="0">
-                        <a:solidFill>
-                          <a:srgbClr val="000000"/>
-                        </a:solidFill>
-                        <a:effectLst/>
-                        <a:latin typeface="맑은 고딕" panose="020B0503020000020004" pitchFamily="50" charset="-127"/>
-                        <a:ea typeface="맑은 고딕" panose="020B0503020000020004" pitchFamily="50" charset="-127"/>
-                      </a:endParaRPr>
-                    </a:p>
-                  </a:txBody>
-                  <a:tcPr marL="9525" marR="9525" marT="9525" marB="0" anchor="ctr">
-                    <a:lnL w="6350" cap="flat" cmpd="sng" algn="ctr">
-                      <a:solidFill>
-                        <a:srgbClr val="000000"/>
-                      </a:solidFill>
-                      <a:prstDash val="solid"/>
-                      <a:round/>
-                      <a:headEnd type="none" w="med" len="med"/>
-                      <a:tailEnd type="none" w="med" len="med"/>
-                    </a:lnL>
-                    <a:lnR w="6350" cap="flat" cmpd="sng" algn="ctr">
-                      <a:solidFill>
-                        <a:srgbClr val="000000"/>
-                      </a:solidFill>
-                      <a:prstDash val="solid"/>
-                      <a:round/>
-                      <a:headEnd type="none" w="med" len="med"/>
-                      <a:tailEnd type="none" w="med" len="med"/>
-                    </a:lnR>
-                    <a:lnT w="6350" cap="flat" cmpd="sng" algn="ctr">
-                      <a:solidFill>
-                        <a:srgbClr val="000000"/>
-                      </a:solidFill>
-                      <a:prstDash val="solid"/>
-                      <a:round/>
-                      <a:headEnd type="none" w="med" len="med"/>
-                      <a:tailEnd type="none" w="med" len="med"/>
-                    </a:lnT>
-                    <a:lnB w="6350" cap="flat" cmpd="sng" algn="ctr">
-                      <a:solidFill>
-                        <a:srgbClr val="000000"/>
-                      </a:solidFill>
-                      <a:prstDash val="solid"/>
-                      <a:round/>
-                      <a:headEnd type="none" w="med" len="med"/>
-                      <a:tailEnd type="none" w="med" len="med"/>
-                    </a:lnB>
-                    <a:solidFill>
-                      <a:srgbClr val="D0CECE"/>
-                    </a:solidFill>
-                  </a:tcPr>
-                </a:tc>
-                <a:tc>
-                  <a:txBody>
-                    <a:bodyPr/>
-                    <a:lstStyle/>
-                    <a:p>
-                      <a:pPr algn="ctr" fontAlgn="ctr"/>
-                      <a:r>
-                        <a:rPr lang="en-US" altLang="ko-KR" sz="1100" b="0" i="0" u="none" strike="noStrike" dirty="0" smtClean="0">
-                          <a:solidFill>
-                            <a:srgbClr val="000000"/>
-                          </a:solidFill>
-                          <a:effectLst/>
-                          <a:latin typeface="맑은 고딕" panose="020B0503020000020004" pitchFamily="50" charset="-127"/>
-                          <a:ea typeface="맑은 고딕" panose="020B0503020000020004" pitchFamily="50" charset="-127"/>
-                        </a:rPr>
-                        <a:t>MOBILE</a:t>
-                      </a:r>
-                      <a:endParaRPr lang="ko-KR" altLang="en-US" sz="1100" b="0" i="0" u="none" strike="noStrike" dirty="0">
-                        <a:solidFill>
-                          <a:srgbClr val="000000"/>
-                        </a:solidFill>
-                        <a:effectLst/>
-                        <a:latin typeface="맑은 고딕" panose="020B0503020000020004" pitchFamily="50" charset="-127"/>
-                        <a:ea typeface="맑은 고딕" panose="020B0503020000020004" pitchFamily="50" charset="-127"/>
-                      </a:endParaRPr>
-                    </a:p>
-                  </a:txBody>
-                  <a:tcPr marL="9525" marR="9525" marT="9525" marB="0" anchor="ctr">
-                    <a:lnL w="6350" cap="flat" cmpd="sng" algn="ctr">
-                      <a:solidFill>
-                        <a:srgbClr val="000000"/>
-                      </a:solidFill>
-                      <a:prstDash val="solid"/>
-                      <a:round/>
-                      <a:headEnd type="none" w="med" len="med"/>
-                      <a:tailEnd type="none" w="med" len="med"/>
-                    </a:lnL>
-                    <a:lnR w="6350" cap="flat" cmpd="sng" algn="ctr">
-                      <a:solidFill>
-                        <a:srgbClr val="000000"/>
-                      </a:solidFill>
-                      <a:prstDash val="solid"/>
-                      <a:round/>
-                      <a:headEnd type="none" w="med" len="med"/>
-                      <a:tailEnd type="none" w="med" len="med"/>
-                    </a:lnR>
-                    <a:lnT w="6350" cap="flat" cmpd="sng" algn="ctr">
-                      <a:solidFill>
-                        <a:srgbClr val="000000"/>
-                      </a:solidFill>
-                      <a:prstDash val="solid"/>
-                      <a:round/>
-                      <a:headEnd type="none" w="med" len="med"/>
-                      <a:tailEnd type="none" w="med" len="med"/>
-                    </a:lnT>
-                    <a:lnB w="6350" cap="flat" cmpd="sng" algn="ctr">
-                      <a:solidFill>
-                        <a:srgbClr val="000000"/>
-                      </a:solidFill>
-                      <a:prstDash val="solid"/>
-                      <a:round/>
-                      <a:headEnd type="none" w="med" len="med"/>
-                      <a:tailEnd type="none" w="med" len="med"/>
-                    </a:lnB>
-                  </a:tcPr>
-                </a:tc>
-                <a:tc>
-                  <a:txBody>
-                    <a:bodyPr/>
-                    <a:lstStyle/>
-                    <a:p>
-                      <a:pPr algn="ctr" fontAlgn="ctr"/>
-                      <a:r>
-                        <a:rPr lang="en-US" altLang="ko-KR" sz="1100" b="0" i="0" u="none" strike="noStrike" dirty="0" smtClean="0">
-                          <a:solidFill>
-                            <a:srgbClr val="000000"/>
-                          </a:solidFill>
-                          <a:effectLst/>
-                          <a:latin typeface="맑은 고딕" panose="020B0503020000020004" pitchFamily="50" charset="-127"/>
-                          <a:ea typeface="맑은 고딕" panose="020B0503020000020004" pitchFamily="50" charset="-127"/>
-                        </a:rPr>
-                        <a:t>R</a:t>
-                      </a:r>
-                      <a:endParaRPr lang="ko-KR" altLang="en-US" sz="1100" b="0" i="0" u="none" strike="noStrike" dirty="0">
-                        <a:solidFill>
-                          <a:srgbClr val="000000"/>
-                        </a:solidFill>
-                        <a:effectLst/>
-                        <a:latin typeface="맑은 고딕" panose="020B0503020000020004" pitchFamily="50" charset="-127"/>
-                        <a:ea typeface="맑은 고딕" panose="020B0503020000020004" pitchFamily="50" charset="-127"/>
-                      </a:endParaRPr>
-                    </a:p>
-                  </a:txBody>
-                  <a:tcPr marL="9525" marR="9525" marT="9525" marB="0" anchor="ctr">
-                    <a:lnL w="6350" cap="flat" cmpd="sng" algn="ctr">
-                      <a:solidFill>
-                        <a:srgbClr val="000000"/>
-                      </a:solidFill>
-                      <a:prstDash val="solid"/>
-                      <a:round/>
-                      <a:headEnd type="none" w="med" len="med"/>
-                      <a:tailEnd type="none" w="med" len="med"/>
-                    </a:lnL>
-                    <a:lnR w="6350" cap="flat" cmpd="sng" algn="ctr">
-                      <a:solidFill>
-                        <a:srgbClr val="000000"/>
-                      </a:solidFill>
-                      <a:prstDash val="solid"/>
-                      <a:round/>
-                      <a:headEnd type="none" w="med" len="med"/>
-                      <a:tailEnd type="none" w="med" len="med"/>
-                    </a:lnR>
-                    <a:lnT w="6350" cap="flat" cmpd="sng" algn="ctr">
-                      <a:solidFill>
-                        <a:srgbClr val="000000"/>
-                      </a:solidFill>
-                      <a:prstDash val="solid"/>
-                      <a:round/>
-                      <a:headEnd type="none" w="med" len="med"/>
-                      <a:tailEnd type="none" w="med" len="med"/>
-                    </a:lnT>
-                    <a:lnB w="6350" cap="flat" cmpd="sng" algn="ctr">
-                      <a:solidFill>
-                        <a:srgbClr val="000000"/>
-                      </a:solidFill>
-                      <a:prstDash val="solid"/>
-                      <a:round/>
-                      <a:headEnd type="none" w="med" len="med"/>
-                      <a:tailEnd type="none" w="med" len="med"/>
-                    </a:lnB>
-                  </a:tcPr>
-                </a:tc>
-                <a:tc>
-                  <a:txBody>
-                    <a:bodyPr/>
-                    <a:lstStyle/>
-                    <a:p>
-                      <a:pPr algn="ctr" fontAlgn="ctr"/>
-                      <a:endParaRPr lang="ko-KR" altLang="en-US" sz="1100" b="0" i="0" u="none" strike="noStrike" dirty="0">
-                        <a:solidFill>
-                          <a:srgbClr val="000000"/>
-                        </a:solidFill>
-                        <a:effectLst/>
-                        <a:latin typeface="맑은 고딕" panose="020B0503020000020004" pitchFamily="50" charset="-127"/>
-                        <a:ea typeface="맑은 고딕" panose="020B0503020000020004" pitchFamily="50" charset="-127"/>
-                      </a:endParaRPr>
-                    </a:p>
-                  </a:txBody>
-                  <a:tcPr marL="9525" marR="9525" marT="9525" marB="0" anchor="ctr">
-                    <a:lnL w="6350" cap="flat" cmpd="sng" algn="ctr">
-                      <a:solidFill>
-                        <a:srgbClr val="000000"/>
-                      </a:solidFill>
-                      <a:prstDash val="solid"/>
-                      <a:round/>
-                      <a:headEnd type="none" w="med" len="med"/>
-                      <a:tailEnd type="none" w="med" len="med"/>
-                    </a:lnL>
-                    <a:lnR w="6350" cap="flat" cmpd="sng" algn="ctr">
-                      <a:solidFill>
-                        <a:srgbClr val="000000"/>
-                      </a:solidFill>
-                      <a:prstDash val="solid"/>
-                      <a:round/>
-                      <a:headEnd type="none" w="med" len="med"/>
-                      <a:tailEnd type="none" w="med" len="med"/>
-                    </a:lnR>
-                    <a:lnT w="6350" cap="flat" cmpd="sng" algn="ctr">
-                      <a:solidFill>
-                        <a:srgbClr val="000000"/>
-                      </a:solidFill>
-                      <a:prstDash val="solid"/>
-                      <a:round/>
-                      <a:headEnd type="none" w="med" len="med"/>
-                      <a:tailEnd type="none" w="med" len="med"/>
-                    </a:lnT>
-                    <a:lnB w="6350" cap="flat" cmpd="sng" algn="ctr">
-                      <a:solidFill>
-                        <a:srgbClr val="000000"/>
-                      </a:solidFill>
-                      <a:prstDash val="solid"/>
-                      <a:round/>
-                      <a:headEnd type="none" w="med" len="med"/>
-                      <a:tailEnd type="none" w="med" len="med"/>
-                    </a:lnB>
-                  </a:tcPr>
-                </a:tc>
-                <a:tc>
-                  <a:txBody>
-                    <a:bodyPr/>
-                    <a:lstStyle/>
-                    <a:p>
-                      <a:pPr algn="ctr" fontAlgn="ctr"/>
-                      <a:endParaRPr lang="ko-KR" altLang="en-US" sz="1100" b="0" i="0" u="none" strike="noStrike" dirty="0">
-                        <a:solidFill>
-                          <a:srgbClr val="000000"/>
-                        </a:solidFill>
-                        <a:effectLst/>
-                        <a:latin typeface="맑은 고딕" panose="020B0503020000020004" pitchFamily="50" charset="-127"/>
-                        <a:ea typeface="맑은 고딕" panose="020B0503020000020004" pitchFamily="50" charset="-127"/>
-                      </a:endParaRPr>
-                    </a:p>
-                  </a:txBody>
-                  <a:tcPr marL="9525" marR="9525" marT="9525" marB="0" anchor="ctr">
-                    <a:lnL w="6350" cap="flat" cmpd="sng" algn="ctr">
-                      <a:solidFill>
-                        <a:srgbClr val="000000"/>
-                      </a:solidFill>
-                      <a:prstDash val="solid"/>
-                      <a:round/>
-                      <a:headEnd type="none" w="med" len="med"/>
-                      <a:tailEnd type="none" w="med" len="med"/>
-                    </a:lnL>
-                    <a:lnR w="6350" cap="flat" cmpd="sng" algn="ctr">
-                      <a:solidFill>
-                        <a:srgbClr val="000000"/>
-                      </a:solidFill>
-                      <a:prstDash val="solid"/>
-                      <a:round/>
-                      <a:headEnd type="none" w="med" len="med"/>
-                      <a:tailEnd type="none" w="med" len="med"/>
-                    </a:lnR>
-                    <a:lnT w="6350" cap="flat" cmpd="sng" algn="ctr">
-                      <a:solidFill>
-                        <a:srgbClr val="000000"/>
-                      </a:solidFill>
-                      <a:prstDash val="solid"/>
-                      <a:round/>
-                      <a:headEnd type="none" w="med" len="med"/>
-                      <a:tailEnd type="none" w="med" len="med"/>
-                    </a:lnT>
-                    <a:lnB w="6350" cap="flat" cmpd="sng" algn="ctr">
-                      <a:solidFill>
-                        <a:srgbClr val="000000"/>
-                      </a:solidFill>
-                      <a:prstDash val="solid"/>
-                      <a:round/>
-                      <a:headEnd type="none" w="med" len="med"/>
-                      <a:tailEnd type="none" w="med" len="med"/>
-                    </a:lnB>
-                  </a:tcPr>
-                </a:tc>
-                <a:tc>
-                  <a:txBody>
-                    <a:bodyPr/>
-                    <a:lstStyle/>
-                    <a:p>
-                      <a:pPr algn="ctr" fontAlgn="ctr"/>
-                      <a:endParaRPr lang="ko-KR" altLang="en-US" sz="1100" b="0" i="0" u="none" strike="noStrike" dirty="0">
-                        <a:solidFill>
-                          <a:srgbClr val="000000"/>
-                        </a:solidFill>
-                        <a:effectLst/>
-                        <a:latin typeface="맑은 고딕" panose="020B0503020000020004" pitchFamily="50" charset="-127"/>
-                        <a:ea typeface="맑은 고딕" panose="020B0503020000020004" pitchFamily="50" charset="-127"/>
-                      </a:endParaRPr>
-                    </a:p>
-                  </a:txBody>
-                  <a:tcPr marL="9525" marR="9525" marT="9525" marB="0" anchor="ctr">
-                    <a:lnL w="6350" cap="flat" cmpd="sng" algn="ctr">
-                      <a:solidFill>
-                        <a:srgbClr val="000000"/>
-                      </a:solidFill>
-                      <a:prstDash val="solid"/>
-                      <a:round/>
-                      <a:headEnd type="none" w="med" len="med"/>
-                      <a:tailEnd type="none" w="med" len="med"/>
-                    </a:lnL>
-                    <a:lnR w="6350" cap="flat" cmpd="sng" algn="ctr">
-                      <a:solidFill>
-                        <a:srgbClr val="000000"/>
-                      </a:solidFill>
-                      <a:prstDash val="solid"/>
-                      <a:round/>
-                      <a:headEnd type="none" w="med" len="med"/>
-                      <a:tailEnd type="none" w="med" len="med"/>
-                    </a:lnR>
-                    <a:lnT w="6350" cap="flat" cmpd="sng" algn="ctr">
-                      <a:solidFill>
-                        <a:srgbClr val="000000"/>
-                      </a:solidFill>
-                      <a:prstDash val="solid"/>
-                      <a:round/>
-                      <a:headEnd type="none" w="med" len="med"/>
-                      <a:tailEnd type="none" w="med" len="med"/>
-                    </a:lnT>
-                    <a:lnB w="6350" cap="flat" cmpd="sng" algn="ctr">
-                      <a:solidFill>
-                        <a:srgbClr val="000000"/>
-                      </a:solidFill>
-                      <a:prstDash val="solid"/>
-                      <a:round/>
-                      <a:headEnd type="none" w="med" len="med"/>
-                      <a:tailEnd type="none" w="med" len="med"/>
-                    </a:lnB>
-                  </a:tcPr>
-                </a:tc>
+                <a:extLst>
+                  <a:ext uri="{0D108BD9-81ED-4DB2-BD59-A6C34878D82A}">
+                    <a16:rowId xmlns:a16="http://schemas.microsoft.com/office/drawing/2014/main" val="10013"/>
+                  </a:ext>
+                </a:extLst>
               </a:tr>
             </a:tbl>
           </a:graphicData>
@@ -15192,7 +15283,7 @@
           <a:lstStyle/>
           <a:p>
             <a:r>
-              <a:rPr lang="en-US" altLang="ko-KR" sz="1000" b="1" dirty="0" smtClean="0">
+              <a:rPr lang="en-US" altLang="ko-KR" sz="1000" b="1" dirty="0">
                 <a:solidFill>
                   <a:srgbClr val="FF0000"/>
                 </a:solidFill>
@@ -15200,7 +15291,7 @@
               <a:t>R : </a:t>
             </a:r>
             <a:r>
-              <a:rPr lang="en-US" altLang="ko-KR" sz="1000" b="1" dirty="0" err="1" smtClean="0">
+              <a:rPr lang="en-US" altLang="ko-KR" sz="1000" b="1" dirty="0" err="1">
                 <a:solidFill>
                   <a:srgbClr val="FF0000"/>
                 </a:solidFill>
@@ -15208,7 +15299,7 @@
               <a:t>readOnly</a:t>
             </a:r>
             <a:r>
-              <a:rPr lang="en-US" altLang="ko-KR" sz="1000" b="1" dirty="0" smtClean="0">
+              <a:rPr lang="en-US" altLang="ko-KR" sz="1000" b="1" dirty="0">
                 <a:solidFill>
                   <a:srgbClr val="FF0000"/>
                 </a:solidFill>
@@ -15216,7 +15307,7 @@
               <a:t>, E: </a:t>
             </a:r>
             <a:r>
-              <a:rPr lang="en-US" altLang="ko-KR" sz="1000" b="1" dirty="0" err="1" smtClean="0">
+              <a:rPr lang="en-US" altLang="ko-KR" sz="1000" b="1" dirty="0" err="1">
                 <a:solidFill>
                   <a:srgbClr val="FF0000"/>
                 </a:solidFill>
@@ -15224,7 +15315,7 @@
               <a:t>editable,S:select</a:t>
             </a:r>
             <a:r>
-              <a:rPr lang="en-US" altLang="ko-KR" sz="1000" b="1" dirty="0" smtClean="0">
+              <a:rPr lang="en-US" altLang="ko-KR" sz="1000" b="1" dirty="0">
                 <a:solidFill>
                   <a:srgbClr val="FF0000"/>
                 </a:solidFill>
@@ -15507,7 +15598,7 @@
   <a:extraClrSchemeLst/>
   <a:extLst>
     <a:ext uri="{05A4C25C-085E-4340-85A3-A5531E510DB2}">
-      <thm15:themeFamily xmlns="" xmlns:thm15="http://schemas.microsoft.com/office/thememl/2012/main" name="Office Theme" id="{62F939B6-93AF-4DB8-9C6B-D6C7DFDC589F}" vid="{4A3C46E8-61CC-4603-A589-7422A47A8E4A}"/>
+      <thm15:themeFamily xmlns:thm15="http://schemas.microsoft.com/office/thememl/2012/main" name="Office Theme" id="{62F939B6-93AF-4DB8-9C6B-D6C7DFDC589F}" vid="{4A3C46E8-61CC-4603-A589-7422A47A8E4A}"/>
     </a:ext>
   </a:extLst>
 </a:theme>
